--- a/translations/pt-br/intermediate/BrickButtons.pptx
+++ b/translations/pt-br/intermediate/BrickButtons.pptx
@@ -3,22 +3,23 @@
 <p:presentation xmlns:a="http://schemas.openxmlformats.org/drawingml/2006/main" xmlns:r="http://schemas.openxmlformats.org/officeDocument/2006/relationships" xmlns:p="http://schemas.openxmlformats.org/presentationml/2006/main" showSpecialPlsOnTitleSld="0" saveSubsetFonts="1" autoCompressPictures="0">
   <p:sldMasterIdLst>
     <p:sldMasterId id="2147483903" r:id="rId1"/>
+    <p:sldMasterId id="2147483915" r:id="rId2"/>
   </p:sldMasterIdLst>
   <p:notesMasterIdLst>
-    <p:notesMasterId r:id="rId10"/>
+    <p:notesMasterId r:id="rId11"/>
   </p:notesMasterIdLst>
   <p:handoutMasterIdLst>
-    <p:handoutMasterId r:id="rId11"/>
+    <p:handoutMasterId r:id="rId12"/>
   </p:handoutMasterIdLst>
   <p:sldIdLst>
-    <p:sldId id="256" r:id="rId2"/>
-    <p:sldId id="267" r:id="rId3"/>
-    <p:sldId id="268" r:id="rId4"/>
-    <p:sldId id="270" r:id="rId5"/>
-    <p:sldId id="271" r:id="rId6"/>
-    <p:sldId id="257" r:id="rId7"/>
-    <p:sldId id="259" r:id="rId8"/>
-    <p:sldId id="266" r:id="rId9"/>
+    <p:sldId id="272" r:id="rId3"/>
+    <p:sldId id="267" r:id="rId4"/>
+    <p:sldId id="268" r:id="rId5"/>
+    <p:sldId id="270" r:id="rId6"/>
+    <p:sldId id="271" r:id="rId7"/>
+    <p:sldId id="257" r:id="rId8"/>
+    <p:sldId id="259" r:id="rId9"/>
+    <p:sldId id="266" r:id="rId10"/>
   </p:sldIdLst>
   <p:sldSz cx="9144000" cy="6858000" type="screen4x3"/>
   <p:notesSz cx="6858000" cy="9144000"/>
@@ -119,7 +120,7 @@
   </p:defaultTextStyle>
   <p:extLst>
     <p:ext uri="{EFAFB233-063F-42B5-8137-9DF3F51BA10A}">
-      <p15:sldGuideLst xmlns:p15="http://schemas.microsoft.com/office/powerpoint/2012/main" xmlns="">
+      <p15:sldGuideLst xmlns:p15="http://schemas.microsoft.com/office/powerpoint/2012/main">
         <p15:guide id="1" orient="horz" pos="2160">
           <p15:clr>
             <a:srgbClr val="A4A3A4"/>
@@ -218,7 +219,7 @@
           <a:p>
             <a:fld id="{DA1035ED-5FA1-BD4D-ABFA-C98F4B1B9192}" type="datetimeFigureOut">
               <a:rPr lang="en-US" smtClean="0"/>
-              <a:t>11/24/2015</a:t>
+              <a:t>2/11/17</a:t>
             </a:fld>
             <a:endParaRPr lang="en-US"/>
           </a:p>
@@ -284,7 +285,7 @@
           <a:p>
             <a:fld id="{A97D9BCF-5B03-4141-B74C-13303A03D00A}" type="slidenum">
               <a:rPr lang="en-US" smtClean="0"/>
-              <a:t>‹nº›</a:t>
+              <a:t>‹#›</a:t>
             </a:fld>
             <a:endParaRPr lang="en-US"/>
           </a:p>
@@ -384,7 +385,7 @@
           <a:p>
             <a:fld id="{EE248F52-A887-2249-BA20-412622C14964}" type="datetimeFigureOut">
               <a:rPr lang="en-US" smtClean="0"/>
-              <a:t>11/24/2015</a:t>
+              <a:t>2/11/17</a:t>
             </a:fld>
             <a:endParaRPr lang="en-US"/>
           </a:p>
@@ -543,7 +544,7 @@
           <a:p>
             <a:fld id="{CFE97D02-0BC0-544E-B6BC-7C447191664C}" type="slidenum">
               <a:rPr lang="en-US" smtClean="0"/>
-              <a:t>‹nº›</a:t>
+              <a:t>‹#›</a:t>
             </a:fld>
             <a:endParaRPr lang="en-US"/>
           </a:p>
@@ -716,90 +717,6 @@
           <a:bodyPr/>
           <a:lstStyle/>
           <a:p>
-            <a:fld id="{CFE97D02-0BC0-544E-B6BC-7C447191664C}" type="slidenum">
-              <a:rPr lang="en-US" smtClean="0"/>
-              <a:t>1</a:t>
-            </a:fld>
-            <a:endParaRPr lang="en-US"/>
-          </a:p>
-        </p:txBody>
-      </p:sp>
-    </p:spTree>
-    <p:extLst>
-      <p:ext uri="{BB962C8B-B14F-4D97-AF65-F5344CB8AC3E}">
-        <p14:creationId xmlns:p14="http://schemas.microsoft.com/office/powerpoint/2010/main" val="3811752976"/>
-      </p:ext>
-    </p:extLst>
-  </p:cSld>
-  <p:clrMapOvr>
-    <a:masterClrMapping/>
-  </p:clrMapOvr>
-</p:notes>
-</file>
-
-<file path=ppt/notesSlides/notesSlide2.xml><?xml version="1.0" encoding="utf-8"?>
-<p:notes xmlns:a="http://schemas.openxmlformats.org/drawingml/2006/main" xmlns:r="http://schemas.openxmlformats.org/officeDocument/2006/relationships" xmlns:p="http://schemas.openxmlformats.org/presentationml/2006/main">
-  <p:cSld>
-    <p:spTree>
-      <p:nvGrpSpPr>
-        <p:cNvPr id="1" name=""/>
-        <p:cNvGrpSpPr/>
-        <p:nvPr/>
-      </p:nvGrpSpPr>
-      <p:grpSpPr>
-        <a:xfrm>
-          <a:off x="0" y="0"/>
-          <a:ext cx="0" cy="0"/>
-          <a:chOff x="0" y="0"/>
-          <a:chExt cx="0" cy="0"/>
-        </a:xfrm>
-      </p:grpSpPr>
-      <p:sp>
-        <p:nvSpPr>
-          <p:cNvPr id="2" name="Slide Image Placeholder 1"/>
-          <p:cNvSpPr>
-            <a:spLocks noGrp="1" noRot="1" noChangeAspect="1"/>
-          </p:cNvSpPr>
-          <p:nvPr>
-            <p:ph type="sldImg"/>
-          </p:nvPr>
-        </p:nvSpPr>
-        <p:spPr/>
-      </p:sp>
-      <p:sp>
-        <p:nvSpPr>
-          <p:cNvPr id="3" name="Notes Placeholder 2"/>
-          <p:cNvSpPr>
-            <a:spLocks noGrp="1"/>
-          </p:cNvSpPr>
-          <p:nvPr>
-            <p:ph type="body" idx="1"/>
-          </p:nvPr>
-        </p:nvSpPr>
-        <p:spPr/>
-        <p:txBody>
-          <a:bodyPr/>
-          <a:lstStyle/>
-          <a:p>
-            <a:endParaRPr lang="en-US"/>
-          </a:p>
-        </p:txBody>
-      </p:sp>
-      <p:sp>
-        <p:nvSpPr>
-          <p:cNvPr id="4" name="Slide Number Placeholder 3"/>
-          <p:cNvSpPr>
-            <a:spLocks noGrp="1"/>
-          </p:cNvSpPr>
-          <p:nvPr>
-            <p:ph type="sldNum" sz="quarter" idx="10"/>
-          </p:nvPr>
-        </p:nvSpPr>
-        <p:spPr/>
-        <p:txBody>
-          <a:bodyPr/>
-          <a:lstStyle/>
-          <a:p>
             <a:fld id="{13967457-1E83-1040-AFF7-8D09C473DBD5}" type="slidenum">
               <a:rPr lang="en-US" smtClean="0"/>
               <a:t>8</a:t>
@@ -1012,7 +929,7 @@
           <a:p>
             <a:fld id="{7B9136BA-D2A4-114F-8468-45721E6546AC}" type="datetime1">
               <a:rPr lang="en-US" smtClean="0"/>
-              <a:t>11/24/2015</a:t>
+              <a:t>2/11/17</a:t>
             </a:fld>
             <a:endParaRPr lang="en-US"/>
           </a:p>
@@ -1058,7 +975,7 @@
           <a:p>
             <a:fld id="{7F5CE407-6216-4202-80E4-A30DC2F709B2}" type="slidenum">
               <a:rPr lang="en-US" smtClean="0"/>
-              <a:t>‹nº›</a:t>
+              <a:t>‹#›</a:t>
             </a:fld>
             <a:endParaRPr lang="en-US"/>
           </a:p>
@@ -1405,7 +1322,7 @@
           <a:p>
             <a:fld id="{408660E3-185A-0E4A-BA15-FBD8DC11AC38}" type="datetime1">
               <a:rPr lang="en-US" smtClean="0"/>
-              <a:t>11/24/2015</a:t>
+              <a:t>2/11/17</a:t>
             </a:fld>
             <a:endParaRPr lang="en-US"/>
           </a:p>
@@ -1451,7 +1368,7 @@
           <a:p>
             <a:fld id="{4382A7F7-08BF-4252-8141-63FB96055BBB}" type="slidenum">
               <a:rPr lang="en-US" smtClean="0"/>
-              <a:t>‹nº›</a:t>
+              <a:t>‹#›</a:t>
             </a:fld>
             <a:endParaRPr lang="en-US"/>
           </a:p>
@@ -1665,7 +1582,7 @@
           <a:p>
             <a:fld id="{780FB302-4D11-ED42-B07E-F4C01D7C67BD}" type="datetime1">
               <a:rPr lang="en-US" smtClean="0"/>
-              <a:t>11/24/2015</a:t>
+              <a:t>2/11/17</a:t>
             </a:fld>
             <a:endParaRPr lang="en-US"/>
           </a:p>
@@ -1711,7 +1628,7 @@
           <a:p>
             <a:fld id="{4382A7F7-08BF-4252-8141-63FB96055BBB}" type="slidenum">
               <a:rPr lang="en-US" smtClean="0"/>
-              <a:t>‹nº›</a:t>
+              <a:t>‹#›</a:t>
             </a:fld>
             <a:endParaRPr lang="en-US"/>
           </a:p>
@@ -1730,7 +1647,530 @@
 </p:sldLayout>
 </file>
 
-<file path=ppt/slideLayouts/slideLayout2.xml><?xml version="1.0" encoding="utf-8"?>
+<file path=ppt/slideLayouts/slideLayout12.xml><?xml version="1.0" encoding="utf-8"?>
+<p:sldLayout xmlns:a="http://schemas.openxmlformats.org/drawingml/2006/main" xmlns:r="http://schemas.openxmlformats.org/officeDocument/2006/relationships" xmlns:p="http://schemas.openxmlformats.org/presentationml/2006/main" showMasterSp="0" type="title" preserve="1">
+  <p:cSld name="Title Slide">
+    <p:spTree>
+      <p:nvGrpSpPr>
+        <p:cNvPr id="1" name=""/>
+        <p:cNvGrpSpPr/>
+        <p:nvPr/>
+      </p:nvGrpSpPr>
+      <p:grpSpPr>
+        <a:xfrm>
+          <a:off x="0" y="0"/>
+          <a:ext cx="0" cy="0"/>
+          <a:chOff x="0" y="0"/>
+          <a:chExt cx="0" cy="0"/>
+        </a:xfrm>
+      </p:grpSpPr>
+      <p:sp>
+        <p:nvSpPr>
+          <p:cNvPr id="7" name="Rectangle 6"/>
+          <p:cNvSpPr/>
+          <p:nvPr/>
+        </p:nvSpPr>
+        <p:spPr>
+          <a:xfrm>
+            <a:off x="2382" y="6400800"/>
+            <a:ext cx="9141619" cy="457200"/>
+          </a:xfrm>
+          <a:prstGeom prst="rect">
+            <a:avLst/>
+          </a:prstGeom>
+          <a:solidFill>
+            <a:srgbClr val="0070C0"/>
+          </a:solidFill>
+          <a:ln>
+            <a:noFill/>
+          </a:ln>
+        </p:spPr>
+        <p:style>
+          <a:lnRef idx="2">
+            <a:schemeClr val="accent1">
+              <a:shade val="50000"/>
+            </a:schemeClr>
+          </a:lnRef>
+          <a:fillRef idx="1">
+            <a:schemeClr val="accent1"/>
+          </a:fillRef>
+          <a:effectRef idx="0">
+            <a:schemeClr val="accent1"/>
+          </a:effectRef>
+          <a:fontRef idx="minor">
+            <a:schemeClr val="lt1"/>
+          </a:fontRef>
+        </p:style>
+      </p:sp>
+      <p:sp>
+        <p:nvSpPr>
+          <p:cNvPr id="2" name="Title 1"/>
+          <p:cNvSpPr>
+            <a:spLocks noGrp="1"/>
+          </p:cNvSpPr>
+          <p:nvPr>
+            <p:ph type="ctrTitle" hasCustomPrompt="1"/>
+          </p:nvPr>
+        </p:nvSpPr>
+        <p:spPr>
+          <a:xfrm>
+            <a:off x="196279" y="154094"/>
+            <a:ext cx="3853207" cy="1870649"/>
+          </a:xfrm>
+          <a:ln>
+            <a:noFill/>
+          </a:ln>
+        </p:spPr>
+        <p:txBody>
+          <a:bodyPr anchor="ctr">
+            <a:normAutofit/>
+          </a:bodyPr>
+          <a:lstStyle>
+            <a:lvl1pPr algn="l">
+              <a:lnSpc>
+                <a:spcPct val="85000"/>
+              </a:lnSpc>
+              <a:defRPr sz="4000" spc="-50" baseline="0">
+                <a:solidFill>
+                  <a:schemeClr val="tx1">
+                    <a:lumMod val="85000"/>
+                    <a:lumOff val="15000"/>
+                  </a:schemeClr>
+                </a:solidFill>
+              </a:defRPr>
+            </a:lvl1pPr>
+          </a:lstStyle>
+          <a:p>
+            <a:r>
+              <a:rPr lang="en-US" dirty="0"/>
+              <a:t>INTERMEDIATE PROGRAMMING LESSON</a:t>
+            </a:r>
+          </a:p>
+        </p:txBody>
+      </p:sp>
+      <p:sp>
+        <p:nvSpPr>
+          <p:cNvPr id="3" name="Subtitle 2"/>
+          <p:cNvSpPr>
+            <a:spLocks noGrp="1"/>
+          </p:cNvSpPr>
+          <p:nvPr>
+            <p:ph type="subTitle" idx="1"/>
+          </p:nvPr>
+        </p:nvSpPr>
+        <p:spPr>
+          <a:xfrm>
+            <a:off x="1548051" y="3452894"/>
+            <a:ext cx="6004883" cy="401411"/>
+          </a:xfrm>
+        </p:spPr>
+        <p:txBody>
+          <a:bodyPr lIns="91440" rIns="91440">
+            <a:normAutofit/>
+          </a:bodyPr>
+          <a:lstStyle>
+            <a:lvl1pPr marL="0" indent="0" algn="ctr">
+              <a:buNone/>
+              <a:defRPr sz="2400" cap="all" spc="200" baseline="0">
+                <a:solidFill>
+                  <a:schemeClr val="tx2"/>
+                </a:solidFill>
+                <a:latin typeface="+mj-lt"/>
+              </a:defRPr>
+            </a:lvl1pPr>
+            <a:lvl2pPr marL="457200" indent="0" algn="ctr">
+              <a:buNone/>
+              <a:defRPr sz="2400"/>
+            </a:lvl2pPr>
+            <a:lvl3pPr marL="914400" indent="0" algn="ctr">
+              <a:buNone/>
+              <a:defRPr sz="2400"/>
+            </a:lvl3pPr>
+            <a:lvl4pPr marL="1371600" indent="0" algn="ctr">
+              <a:buNone/>
+              <a:defRPr sz="2000"/>
+            </a:lvl4pPr>
+            <a:lvl5pPr marL="1828800" indent="0" algn="ctr">
+              <a:buNone/>
+              <a:defRPr sz="2000"/>
+            </a:lvl5pPr>
+            <a:lvl6pPr marL="2286000" indent="0" algn="ctr">
+              <a:buNone/>
+              <a:defRPr sz="2000"/>
+            </a:lvl6pPr>
+            <a:lvl7pPr marL="2743200" indent="0" algn="ctr">
+              <a:buNone/>
+              <a:defRPr sz="2000"/>
+            </a:lvl7pPr>
+            <a:lvl8pPr marL="3200400" indent="0" algn="ctr">
+              <a:buNone/>
+              <a:defRPr sz="2000"/>
+            </a:lvl8pPr>
+            <a:lvl9pPr marL="3657600" indent="0" algn="ctr">
+              <a:buNone/>
+              <a:defRPr sz="2000"/>
+            </a:lvl9pPr>
+          </a:lstStyle>
+          <a:p>
+            <a:r>
+              <a:rPr lang="en-US" smtClean="0"/>
+              <a:t>Click to edit Master subtitle style</a:t>
+            </a:r>
+            <a:endParaRPr lang="en-US" dirty="0"/>
+          </a:p>
+        </p:txBody>
+      </p:sp>
+      <p:sp>
+        <p:nvSpPr>
+          <p:cNvPr id="4" name="Date Placeholder 3"/>
+          <p:cNvSpPr>
+            <a:spLocks noGrp="1"/>
+          </p:cNvSpPr>
+          <p:nvPr>
+            <p:ph type="dt" sz="half" idx="10"/>
+          </p:nvPr>
+        </p:nvSpPr>
+        <p:spPr/>
+        <p:txBody>
+          <a:bodyPr/>
+          <a:lstStyle/>
+          <a:p>
+            <a:fld id="{7B9136BA-D2A4-114F-8468-45721E6546AC}" type="datetime1">
+              <a:rPr lang="en-US" smtClean="0"/>
+              <a:t>2/11/17</a:t>
+            </a:fld>
+            <a:endParaRPr lang="en-US"/>
+          </a:p>
+        </p:txBody>
+      </p:sp>
+      <p:sp>
+        <p:nvSpPr>
+          <p:cNvPr id="5" name="Footer Placeholder 4"/>
+          <p:cNvSpPr>
+            <a:spLocks noGrp="1"/>
+          </p:cNvSpPr>
+          <p:nvPr>
+            <p:ph type="ftr" sz="quarter" idx="11"/>
+          </p:nvPr>
+        </p:nvSpPr>
+        <p:spPr/>
+        <p:txBody>
+          <a:bodyPr/>
+          <a:lstStyle/>
+          <a:p>
+            <a:r>
+              <a:rPr lang="sk-SK" smtClean="0"/>
+              <a:t>© 2015 EV3Lessons.com, Last edit 11/13/2015</a:t>
+            </a:r>
+            <a:endParaRPr lang="en-US"/>
+          </a:p>
+        </p:txBody>
+      </p:sp>
+      <p:sp>
+        <p:nvSpPr>
+          <p:cNvPr id="6" name="Slide Number Placeholder 5"/>
+          <p:cNvSpPr>
+            <a:spLocks noGrp="1"/>
+          </p:cNvSpPr>
+          <p:nvPr>
+            <p:ph type="sldNum" sz="quarter" idx="12"/>
+          </p:nvPr>
+        </p:nvSpPr>
+        <p:spPr/>
+        <p:txBody>
+          <a:bodyPr/>
+          <a:lstStyle/>
+          <a:p>
+            <a:fld id="{7F5CE407-6216-4202-80E4-A30DC2F709B2}" type="slidenum">
+              <a:rPr lang="en-US" smtClean="0"/>
+              <a:t>‹#›</a:t>
+            </a:fld>
+            <a:endParaRPr lang="en-US"/>
+          </a:p>
+        </p:txBody>
+      </p:sp>
+      <p:cxnSp>
+        <p:nvCxnSpPr>
+          <p:cNvPr id="9" name="Straight Connector 8"/>
+          <p:cNvCxnSpPr/>
+          <p:nvPr/>
+        </p:nvCxnSpPr>
+        <p:spPr>
+          <a:xfrm>
+            <a:off x="905744" y="3854305"/>
+            <a:ext cx="7406640" cy="0"/>
+          </a:xfrm>
+          <a:prstGeom prst="line">
+            <a:avLst/>
+          </a:prstGeom>
+          <a:ln w="6350">
+            <a:solidFill>
+              <a:schemeClr val="tx1">
+                <a:lumMod val="50000"/>
+                <a:lumOff val="50000"/>
+              </a:schemeClr>
+            </a:solidFill>
+          </a:ln>
+        </p:spPr>
+        <p:style>
+          <a:lnRef idx="1">
+            <a:schemeClr val="accent1"/>
+          </a:lnRef>
+          <a:fillRef idx="0">
+            <a:schemeClr val="accent1"/>
+          </a:fillRef>
+          <a:effectRef idx="0">
+            <a:schemeClr val="accent1"/>
+          </a:effectRef>
+          <a:fontRef idx="minor">
+            <a:schemeClr val="tx1"/>
+          </a:fontRef>
+        </p:style>
+      </p:cxnSp>
+      <p:sp>
+        <p:nvSpPr>
+          <p:cNvPr id="10" name="Rectangle 9"/>
+          <p:cNvSpPr/>
+          <p:nvPr/>
+        </p:nvSpPr>
+        <p:spPr>
+          <a:xfrm>
+            <a:off x="0" y="6334315"/>
+            <a:ext cx="4487333" cy="92382"/>
+          </a:xfrm>
+          <a:prstGeom prst="rect">
+            <a:avLst/>
+          </a:prstGeom>
+          <a:solidFill>
+            <a:srgbClr val="00B050"/>
+          </a:solidFill>
+          <a:ln>
+            <a:noFill/>
+          </a:ln>
+        </p:spPr>
+        <p:style>
+          <a:lnRef idx="2">
+            <a:schemeClr val="accent1">
+              <a:shade val="50000"/>
+            </a:schemeClr>
+          </a:lnRef>
+          <a:fillRef idx="1">
+            <a:schemeClr val="accent1"/>
+          </a:fillRef>
+          <a:effectRef idx="0">
+            <a:schemeClr val="accent1"/>
+          </a:effectRef>
+          <a:fontRef idx="minor">
+            <a:schemeClr val="lt1"/>
+          </a:fontRef>
+        </p:style>
+      </p:sp>
+      <p:sp>
+        <p:nvSpPr>
+          <p:cNvPr id="11" name="Rectangle 10"/>
+          <p:cNvSpPr/>
+          <p:nvPr/>
+        </p:nvSpPr>
+        <p:spPr>
+          <a:xfrm>
+            <a:off x="4487333" y="6334315"/>
+            <a:ext cx="4656667" cy="92382"/>
+          </a:xfrm>
+          <a:prstGeom prst="rect">
+            <a:avLst/>
+          </a:prstGeom>
+          <a:solidFill>
+            <a:srgbClr val="7030A0"/>
+          </a:solidFill>
+          <a:ln>
+            <a:noFill/>
+          </a:ln>
+        </p:spPr>
+        <p:style>
+          <a:lnRef idx="2">
+            <a:schemeClr val="accent1">
+              <a:shade val="50000"/>
+            </a:schemeClr>
+          </a:lnRef>
+          <a:fillRef idx="1">
+            <a:schemeClr val="accent1"/>
+          </a:fillRef>
+          <a:effectRef idx="0">
+            <a:schemeClr val="accent1"/>
+          </a:effectRef>
+          <a:fontRef idx="minor">
+            <a:schemeClr val="lt1"/>
+          </a:fontRef>
+        </p:style>
+      </p:sp>
+      <p:sp>
+        <p:nvSpPr>
+          <p:cNvPr id="8" name="TextBox 7"/>
+          <p:cNvSpPr txBox="1"/>
+          <p:nvPr/>
+        </p:nvSpPr>
+        <p:spPr>
+          <a:xfrm>
+            <a:off x="2363695" y="3959525"/>
+            <a:ext cx="4373593" cy="369332"/>
+          </a:xfrm>
+          <a:prstGeom prst="rect">
+            <a:avLst/>
+          </a:prstGeom>
+          <a:noFill/>
+        </p:spPr>
+        <p:txBody>
+          <a:bodyPr wrap="square" rtlCol="0">
+            <a:spAutoFit/>
+          </a:bodyPr>
+          <a:lstStyle/>
+          <a:p>
+            <a:pPr algn="ctr"/>
+            <a:r>
+              <a:rPr lang="en-US" dirty="0">
+                <a:latin typeface="+mj-lt"/>
+              </a:rPr>
+              <a:t>By</a:t>
+            </a:r>
+            <a:r>
+              <a:rPr lang="en-US" baseline="0" dirty="0">
+                <a:latin typeface="+mj-lt"/>
+              </a:rPr>
+              <a:t> Sanjay and Arvind Seshan</a:t>
+            </a:r>
+            <a:endParaRPr lang="en-US" dirty="0">
+              <a:latin typeface="+mj-lt"/>
+            </a:endParaRPr>
+          </a:p>
+        </p:txBody>
+      </p:sp>
+      <p:pic>
+        <p:nvPicPr>
+          <p:cNvPr id="1026" name="Picture 2" descr="EV3Lessons.com"/>
+          <p:cNvPicPr>
+            <a:picLocks noChangeAspect="1" noChangeArrowheads="1"/>
+          </p:cNvPicPr>
+          <p:nvPr/>
+        </p:nvPicPr>
+        <p:blipFill>
+          <a:blip r:embed="rId2">
+            <a:extLst>
+              <a:ext uri="{28A0092B-C50C-407E-A947-70E740481C1C}">
+                <a14:useLocalDpi xmlns:a14="http://schemas.microsoft.com/office/drawing/2010/main" val="0"/>
+              </a:ext>
+            </a:extLst>
+          </a:blip>
+          <a:srcRect/>
+          <a:stretch>
+            <a:fillRect/>
+          </a:stretch>
+        </p:blipFill>
+        <p:spPr bwMode="auto">
+          <a:xfrm>
+            <a:off x="3955687" y="139554"/>
+            <a:ext cx="5075507" cy="1885189"/>
+          </a:xfrm>
+          <a:prstGeom prst="rect">
+            <a:avLst/>
+          </a:prstGeom>
+          <a:noFill/>
+          <a:extLst>
+            <a:ext uri="{909E8E84-426E-40DD-AFC4-6F175D3DCCD1}">
+              <a14:hiddenFill xmlns:a14="http://schemas.microsoft.com/office/drawing/2010/main">
+                <a:solidFill>
+                  <a:srgbClr val="FFFFFF"/>
+                </a:solidFill>
+              </a14:hiddenFill>
+            </a:ext>
+          </a:extLst>
+        </p:spPr>
+      </p:pic>
+      <p:sp>
+        <p:nvSpPr>
+          <p:cNvPr id="13" name="Rectangle 12"/>
+          <p:cNvSpPr/>
+          <p:nvPr userDrawn="1"/>
+        </p:nvSpPr>
+        <p:spPr>
+          <a:xfrm>
+            <a:off x="0" y="6334315"/>
+            <a:ext cx="4487333" cy="92382"/>
+          </a:xfrm>
+          <a:prstGeom prst="rect">
+            <a:avLst/>
+          </a:prstGeom>
+          <a:solidFill>
+            <a:srgbClr val="00B050"/>
+          </a:solidFill>
+          <a:ln>
+            <a:noFill/>
+          </a:ln>
+        </p:spPr>
+        <p:style>
+          <a:lnRef idx="2">
+            <a:schemeClr val="accent1">
+              <a:shade val="50000"/>
+            </a:schemeClr>
+          </a:lnRef>
+          <a:fillRef idx="1">
+            <a:schemeClr val="accent1"/>
+          </a:fillRef>
+          <a:effectRef idx="0">
+            <a:schemeClr val="accent1"/>
+          </a:effectRef>
+          <a:fontRef idx="minor">
+            <a:schemeClr val="lt1"/>
+          </a:fontRef>
+        </p:style>
+      </p:sp>
+      <p:sp>
+        <p:nvSpPr>
+          <p:cNvPr id="14" name="Rectangle 13"/>
+          <p:cNvSpPr/>
+          <p:nvPr userDrawn="1"/>
+        </p:nvSpPr>
+        <p:spPr>
+          <a:xfrm>
+            <a:off x="4487333" y="6334315"/>
+            <a:ext cx="4656667" cy="92382"/>
+          </a:xfrm>
+          <a:prstGeom prst="rect">
+            <a:avLst/>
+          </a:prstGeom>
+          <a:solidFill>
+            <a:srgbClr val="7030A0"/>
+          </a:solidFill>
+          <a:ln>
+            <a:noFill/>
+          </a:ln>
+        </p:spPr>
+        <p:style>
+          <a:lnRef idx="2">
+            <a:schemeClr val="accent1">
+              <a:shade val="50000"/>
+            </a:schemeClr>
+          </a:lnRef>
+          <a:fillRef idx="1">
+            <a:schemeClr val="accent1"/>
+          </a:fillRef>
+          <a:effectRef idx="0">
+            <a:schemeClr val="accent1"/>
+          </a:effectRef>
+          <a:fontRef idx="minor">
+            <a:schemeClr val="lt1"/>
+          </a:fontRef>
+        </p:style>
+      </p:sp>
+    </p:spTree>
+    <p:extLst/>
+  </p:cSld>
+  <p:clrMapOvr>
+    <a:masterClrMapping/>
+  </p:clrMapOvr>
+</p:sldLayout>
+</file>
+
+<file path=ppt/slideLayouts/slideLayout13.xml><?xml version="1.0" encoding="utf-8"?>
 <p:sldLayout xmlns:a="http://schemas.openxmlformats.org/drawingml/2006/main" xmlns:r="http://schemas.openxmlformats.org/officeDocument/2006/relationships" xmlns:p="http://schemas.openxmlformats.org/presentationml/2006/main" type="obj" preserve="1">
   <p:cSld name="Title and Content">
     <p:spTree>
@@ -1839,7 +2279,7 @@
           <a:p>
             <a:fld id="{9117E192-9C52-684B-AAD6-4F77E1B2BCB5}" type="datetime1">
               <a:rPr lang="en-US" smtClean="0"/>
-              <a:t>11/24/2015</a:t>
+              <a:t>2/11/17</a:t>
             </a:fld>
             <a:endParaRPr lang="en-US"/>
           </a:p>
@@ -1885,18 +2325,14 @@
           <a:p>
             <a:fld id="{4382A7F7-08BF-4252-8141-63FB96055BBB}" type="slidenum">
               <a:rPr lang="en-US" smtClean="0"/>
-              <a:t>‹nº›</a:t>
+              <a:t>‹#›</a:t>
             </a:fld>
             <a:endParaRPr lang="en-US"/>
           </a:p>
         </p:txBody>
       </p:sp>
     </p:spTree>
-    <p:extLst>
-      <p:ext uri="{BB962C8B-B14F-4D97-AF65-F5344CB8AC3E}">
-        <p14:creationId xmlns:p14="http://schemas.microsoft.com/office/powerpoint/2010/main" val="2024605434"/>
-      </p:ext>
-    </p:extLst>
+    <p:extLst/>
   </p:cSld>
   <p:clrMapOvr>
     <a:masterClrMapping/>
@@ -1904,7 +2340,7 @@
 </p:sldLayout>
 </file>
 
-<file path=ppt/slideLayouts/slideLayout3.xml><?xml version="1.0" encoding="utf-8"?>
+<file path=ppt/slideLayouts/slideLayout14.xml><?xml version="1.0" encoding="utf-8"?>
 <p:sldLayout xmlns:a="http://schemas.openxmlformats.org/drawingml/2006/main" xmlns:r="http://schemas.openxmlformats.org/officeDocument/2006/relationships" xmlns:p="http://schemas.openxmlformats.org/presentationml/2006/main" showMasterSp="0" type="secHead" preserve="1">
   <p:cSld name="Section Header">
     <p:bg>
@@ -2186,7 +2622,7 @@
           <a:p>
             <a:fld id="{17DCC995-5E6B-1543-83AA-2211F7258D9E}" type="datetime1">
               <a:rPr lang="en-US" smtClean="0"/>
-              <a:t>11/24/2015</a:t>
+              <a:t>2/11/17</a:t>
             </a:fld>
             <a:endParaRPr lang="en-US"/>
           </a:p>
@@ -2232,7 +2668,2629 @@
           <a:p>
             <a:fld id="{162F1D00-BD13-4404-86B0-79703945A0A7}" type="slidenum">
               <a:rPr lang="en-US" smtClean="0"/>
-              <a:t>‹nº›</a:t>
+              <a:t>‹#›</a:t>
+            </a:fld>
+            <a:endParaRPr lang="en-US"/>
+          </a:p>
+        </p:txBody>
+      </p:sp>
+      <p:cxnSp>
+        <p:nvCxnSpPr>
+          <p:cNvPr id="9" name="Straight Connector 8"/>
+          <p:cNvCxnSpPr/>
+          <p:nvPr/>
+        </p:nvCxnSpPr>
+        <p:spPr>
+          <a:xfrm>
+            <a:off x="905744" y="4343400"/>
+            <a:ext cx="7406640" cy="0"/>
+          </a:xfrm>
+          <a:prstGeom prst="line">
+            <a:avLst/>
+          </a:prstGeom>
+          <a:ln w="6350">
+            <a:solidFill>
+              <a:schemeClr val="tx1">
+                <a:lumMod val="50000"/>
+                <a:lumOff val="50000"/>
+              </a:schemeClr>
+            </a:solidFill>
+          </a:ln>
+        </p:spPr>
+        <p:style>
+          <a:lnRef idx="1">
+            <a:schemeClr val="accent1"/>
+          </a:lnRef>
+          <a:fillRef idx="0">
+            <a:schemeClr val="accent1"/>
+          </a:fillRef>
+          <a:effectRef idx="0">
+            <a:schemeClr val="accent1"/>
+          </a:effectRef>
+          <a:fontRef idx="minor">
+            <a:schemeClr val="tx1"/>
+          </a:fontRef>
+        </p:style>
+      </p:cxnSp>
+    </p:spTree>
+    <p:extLst/>
+  </p:cSld>
+  <p:clrMapOvr>
+    <a:masterClrMapping/>
+  </p:clrMapOvr>
+</p:sldLayout>
+</file>
+
+<file path=ppt/slideLayouts/slideLayout15.xml><?xml version="1.0" encoding="utf-8"?>
+<p:sldLayout xmlns:a="http://schemas.openxmlformats.org/drawingml/2006/main" xmlns:r="http://schemas.openxmlformats.org/officeDocument/2006/relationships" xmlns:p="http://schemas.openxmlformats.org/presentationml/2006/main" type="twoObj" preserve="1">
+  <p:cSld name="Two Content">
+    <p:spTree>
+      <p:nvGrpSpPr>
+        <p:cNvPr id="1" name=""/>
+        <p:cNvGrpSpPr/>
+        <p:nvPr/>
+      </p:nvGrpSpPr>
+      <p:grpSpPr>
+        <a:xfrm>
+          <a:off x="0" y="0"/>
+          <a:ext cx="0" cy="0"/>
+          <a:chOff x="0" y="0"/>
+          <a:chExt cx="0" cy="0"/>
+        </a:xfrm>
+      </p:grpSpPr>
+      <p:sp>
+        <p:nvSpPr>
+          <p:cNvPr id="8" name="Title 7"/>
+          <p:cNvSpPr>
+            <a:spLocks noGrp="1"/>
+          </p:cNvSpPr>
+          <p:nvPr>
+            <p:ph type="title"/>
+          </p:nvPr>
+        </p:nvSpPr>
+        <p:spPr>
+          <a:xfrm>
+            <a:off x="822960" y="286604"/>
+            <a:ext cx="7543800" cy="1450757"/>
+          </a:xfrm>
+        </p:spPr>
+        <p:txBody>
+          <a:bodyPr/>
+          <a:lstStyle/>
+          <a:p>
+            <a:r>
+              <a:rPr lang="en-US" smtClean="0"/>
+              <a:t>Click to edit Master title style</a:t>
+            </a:r>
+            <a:endParaRPr lang="en-US" dirty="0"/>
+          </a:p>
+        </p:txBody>
+      </p:sp>
+      <p:sp>
+        <p:nvSpPr>
+          <p:cNvPr id="3" name="Content Placeholder 2"/>
+          <p:cNvSpPr>
+            <a:spLocks noGrp="1"/>
+          </p:cNvSpPr>
+          <p:nvPr>
+            <p:ph sz="half" idx="1"/>
+          </p:nvPr>
+        </p:nvSpPr>
+        <p:spPr>
+          <a:xfrm>
+            <a:off x="822960" y="1845734"/>
+            <a:ext cx="3703320" cy="4023360"/>
+          </a:xfrm>
+        </p:spPr>
+        <p:txBody>
+          <a:bodyPr/>
+          <a:lstStyle/>
+          <a:p>
+            <a:pPr lvl="0"/>
+            <a:r>
+              <a:rPr lang="en-US" smtClean="0"/>
+              <a:t>Click to edit Master text styles</a:t>
+            </a:r>
+          </a:p>
+          <a:p>
+            <a:pPr lvl="1"/>
+            <a:r>
+              <a:rPr lang="en-US" smtClean="0"/>
+              <a:t>Second level</a:t>
+            </a:r>
+          </a:p>
+          <a:p>
+            <a:pPr lvl="2"/>
+            <a:r>
+              <a:rPr lang="en-US" smtClean="0"/>
+              <a:t>Third level</a:t>
+            </a:r>
+          </a:p>
+          <a:p>
+            <a:pPr lvl="3"/>
+            <a:r>
+              <a:rPr lang="en-US" smtClean="0"/>
+              <a:t>Fourth level</a:t>
+            </a:r>
+          </a:p>
+          <a:p>
+            <a:pPr lvl="4"/>
+            <a:r>
+              <a:rPr lang="en-US" smtClean="0"/>
+              <a:t>Fifth level</a:t>
+            </a:r>
+            <a:endParaRPr lang="en-US" dirty="0"/>
+          </a:p>
+        </p:txBody>
+      </p:sp>
+      <p:sp>
+        <p:nvSpPr>
+          <p:cNvPr id="4" name="Content Placeholder 3"/>
+          <p:cNvSpPr>
+            <a:spLocks noGrp="1"/>
+          </p:cNvSpPr>
+          <p:nvPr>
+            <p:ph sz="half" idx="2"/>
+          </p:nvPr>
+        </p:nvSpPr>
+        <p:spPr>
+          <a:xfrm>
+            <a:off x="4663440" y="1845736"/>
+            <a:ext cx="3703320" cy="4023359"/>
+          </a:xfrm>
+        </p:spPr>
+        <p:txBody>
+          <a:bodyPr/>
+          <a:lstStyle/>
+          <a:p>
+            <a:pPr lvl="0"/>
+            <a:r>
+              <a:rPr lang="en-US" smtClean="0"/>
+              <a:t>Click to edit Master text styles</a:t>
+            </a:r>
+          </a:p>
+          <a:p>
+            <a:pPr lvl="1"/>
+            <a:r>
+              <a:rPr lang="en-US" smtClean="0"/>
+              <a:t>Second level</a:t>
+            </a:r>
+          </a:p>
+          <a:p>
+            <a:pPr lvl="2"/>
+            <a:r>
+              <a:rPr lang="en-US" smtClean="0"/>
+              <a:t>Third level</a:t>
+            </a:r>
+          </a:p>
+          <a:p>
+            <a:pPr lvl="3"/>
+            <a:r>
+              <a:rPr lang="en-US" smtClean="0"/>
+              <a:t>Fourth level</a:t>
+            </a:r>
+          </a:p>
+          <a:p>
+            <a:pPr lvl="4"/>
+            <a:r>
+              <a:rPr lang="en-US" smtClean="0"/>
+              <a:t>Fifth level</a:t>
+            </a:r>
+            <a:endParaRPr lang="en-US" dirty="0"/>
+          </a:p>
+        </p:txBody>
+      </p:sp>
+      <p:sp>
+        <p:nvSpPr>
+          <p:cNvPr id="5" name="Date Placeholder 4"/>
+          <p:cNvSpPr>
+            <a:spLocks noGrp="1"/>
+          </p:cNvSpPr>
+          <p:nvPr>
+            <p:ph type="dt" sz="half" idx="10"/>
+          </p:nvPr>
+        </p:nvSpPr>
+        <p:spPr/>
+        <p:txBody>
+          <a:bodyPr/>
+          <a:lstStyle/>
+          <a:p>
+            <a:fld id="{17046CBA-855E-AA47-AC44-05A2123C60AB}" type="datetime1">
+              <a:rPr lang="en-US" smtClean="0"/>
+              <a:t>2/11/17</a:t>
+            </a:fld>
+            <a:endParaRPr lang="en-US"/>
+          </a:p>
+        </p:txBody>
+      </p:sp>
+      <p:sp>
+        <p:nvSpPr>
+          <p:cNvPr id="6" name="Footer Placeholder 5"/>
+          <p:cNvSpPr>
+            <a:spLocks noGrp="1"/>
+          </p:cNvSpPr>
+          <p:nvPr>
+            <p:ph type="ftr" sz="quarter" idx="11"/>
+          </p:nvPr>
+        </p:nvSpPr>
+        <p:spPr/>
+        <p:txBody>
+          <a:bodyPr/>
+          <a:lstStyle/>
+          <a:p>
+            <a:r>
+              <a:rPr lang="sk-SK" smtClean="0"/>
+              <a:t>© 2015 EV3Lessons.com, Last edit 11/13/2015</a:t>
+            </a:r>
+            <a:endParaRPr lang="en-US" dirty="0"/>
+          </a:p>
+        </p:txBody>
+      </p:sp>
+      <p:sp>
+        <p:nvSpPr>
+          <p:cNvPr id="7" name="Slide Number Placeholder 6"/>
+          <p:cNvSpPr>
+            <a:spLocks noGrp="1"/>
+          </p:cNvSpPr>
+          <p:nvPr>
+            <p:ph type="sldNum" sz="quarter" idx="12"/>
+          </p:nvPr>
+        </p:nvSpPr>
+        <p:spPr/>
+        <p:txBody>
+          <a:bodyPr/>
+          <a:lstStyle/>
+          <a:p>
+            <a:fld id="{4382A7F7-08BF-4252-8141-63FB96055BBB}" type="slidenum">
+              <a:rPr lang="en-US" smtClean="0"/>
+              <a:t>‹#›</a:t>
+            </a:fld>
+            <a:endParaRPr lang="en-US"/>
+          </a:p>
+        </p:txBody>
+      </p:sp>
+    </p:spTree>
+    <p:extLst/>
+  </p:cSld>
+  <p:clrMapOvr>
+    <a:masterClrMapping/>
+  </p:clrMapOvr>
+</p:sldLayout>
+</file>
+
+<file path=ppt/slideLayouts/slideLayout16.xml><?xml version="1.0" encoding="utf-8"?>
+<p:sldLayout xmlns:a="http://schemas.openxmlformats.org/drawingml/2006/main" xmlns:r="http://schemas.openxmlformats.org/officeDocument/2006/relationships" xmlns:p="http://schemas.openxmlformats.org/presentationml/2006/main" type="twoTxTwoObj" preserve="1">
+  <p:cSld name="Comparison">
+    <p:spTree>
+      <p:nvGrpSpPr>
+        <p:cNvPr id="1" name=""/>
+        <p:cNvGrpSpPr/>
+        <p:nvPr/>
+      </p:nvGrpSpPr>
+      <p:grpSpPr>
+        <a:xfrm>
+          <a:off x="0" y="0"/>
+          <a:ext cx="0" cy="0"/>
+          <a:chOff x="0" y="0"/>
+          <a:chExt cx="0" cy="0"/>
+        </a:xfrm>
+      </p:grpSpPr>
+      <p:sp>
+        <p:nvSpPr>
+          <p:cNvPr id="10" name="Title 9"/>
+          <p:cNvSpPr>
+            <a:spLocks noGrp="1"/>
+          </p:cNvSpPr>
+          <p:nvPr>
+            <p:ph type="title"/>
+          </p:nvPr>
+        </p:nvSpPr>
+        <p:spPr>
+          <a:xfrm>
+            <a:off x="822960" y="286604"/>
+            <a:ext cx="7543800" cy="1450757"/>
+          </a:xfrm>
+        </p:spPr>
+        <p:txBody>
+          <a:bodyPr/>
+          <a:lstStyle/>
+          <a:p>
+            <a:r>
+              <a:rPr lang="en-US" smtClean="0"/>
+              <a:t>Click to edit Master title style</a:t>
+            </a:r>
+            <a:endParaRPr lang="en-US" dirty="0"/>
+          </a:p>
+        </p:txBody>
+      </p:sp>
+      <p:sp>
+        <p:nvSpPr>
+          <p:cNvPr id="3" name="Text Placeholder 2"/>
+          <p:cNvSpPr>
+            <a:spLocks noGrp="1"/>
+          </p:cNvSpPr>
+          <p:nvPr>
+            <p:ph type="body" idx="1"/>
+          </p:nvPr>
+        </p:nvSpPr>
+        <p:spPr>
+          <a:xfrm>
+            <a:off x="822960" y="1846052"/>
+            <a:ext cx="3703320" cy="736282"/>
+          </a:xfrm>
+        </p:spPr>
+        <p:txBody>
+          <a:bodyPr lIns="91440" rIns="91440" anchor="ctr">
+            <a:normAutofit/>
+          </a:bodyPr>
+          <a:lstStyle>
+            <a:lvl1pPr marL="0" indent="0">
+              <a:buNone/>
+              <a:defRPr sz="2000" b="0" cap="all" baseline="0">
+                <a:solidFill>
+                  <a:schemeClr val="tx2"/>
+                </a:solidFill>
+              </a:defRPr>
+            </a:lvl1pPr>
+            <a:lvl2pPr marL="457200" indent="0">
+              <a:buNone/>
+              <a:defRPr sz="2000" b="1"/>
+            </a:lvl2pPr>
+            <a:lvl3pPr marL="914400" indent="0">
+              <a:buNone/>
+              <a:defRPr sz="1800" b="1"/>
+            </a:lvl3pPr>
+            <a:lvl4pPr marL="1371600" indent="0">
+              <a:buNone/>
+              <a:defRPr sz="1600" b="1"/>
+            </a:lvl4pPr>
+            <a:lvl5pPr marL="1828800" indent="0">
+              <a:buNone/>
+              <a:defRPr sz="1600" b="1"/>
+            </a:lvl5pPr>
+            <a:lvl6pPr marL="2286000" indent="0">
+              <a:buNone/>
+              <a:defRPr sz="1600" b="1"/>
+            </a:lvl6pPr>
+            <a:lvl7pPr marL="2743200" indent="0">
+              <a:buNone/>
+              <a:defRPr sz="1600" b="1"/>
+            </a:lvl7pPr>
+            <a:lvl8pPr marL="3200400" indent="0">
+              <a:buNone/>
+              <a:defRPr sz="1600" b="1"/>
+            </a:lvl8pPr>
+            <a:lvl9pPr marL="3657600" indent="0">
+              <a:buNone/>
+              <a:defRPr sz="1600" b="1"/>
+            </a:lvl9pPr>
+          </a:lstStyle>
+          <a:p>
+            <a:pPr lvl="0"/>
+            <a:r>
+              <a:rPr lang="en-US" smtClean="0"/>
+              <a:t>Click to edit Master text styles</a:t>
+            </a:r>
+          </a:p>
+        </p:txBody>
+      </p:sp>
+      <p:sp>
+        <p:nvSpPr>
+          <p:cNvPr id="4" name="Content Placeholder 3"/>
+          <p:cNvSpPr>
+            <a:spLocks noGrp="1"/>
+          </p:cNvSpPr>
+          <p:nvPr>
+            <p:ph sz="half" idx="2"/>
+          </p:nvPr>
+        </p:nvSpPr>
+        <p:spPr>
+          <a:xfrm>
+            <a:off x="822960" y="2582334"/>
+            <a:ext cx="3703320" cy="3286760"/>
+          </a:xfrm>
+        </p:spPr>
+        <p:txBody>
+          <a:bodyPr/>
+          <a:lstStyle/>
+          <a:p>
+            <a:pPr lvl="0"/>
+            <a:r>
+              <a:rPr lang="en-US" smtClean="0"/>
+              <a:t>Click to edit Master text styles</a:t>
+            </a:r>
+          </a:p>
+          <a:p>
+            <a:pPr lvl="1"/>
+            <a:r>
+              <a:rPr lang="en-US" smtClean="0"/>
+              <a:t>Second level</a:t>
+            </a:r>
+          </a:p>
+          <a:p>
+            <a:pPr lvl="2"/>
+            <a:r>
+              <a:rPr lang="en-US" smtClean="0"/>
+              <a:t>Third level</a:t>
+            </a:r>
+          </a:p>
+          <a:p>
+            <a:pPr lvl="3"/>
+            <a:r>
+              <a:rPr lang="en-US" smtClean="0"/>
+              <a:t>Fourth level</a:t>
+            </a:r>
+          </a:p>
+          <a:p>
+            <a:pPr lvl="4"/>
+            <a:r>
+              <a:rPr lang="en-US" smtClean="0"/>
+              <a:t>Fifth level</a:t>
+            </a:r>
+            <a:endParaRPr lang="en-US" dirty="0"/>
+          </a:p>
+        </p:txBody>
+      </p:sp>
+      <p:sp>
+        <p:nvSpPr>
+          <p:cNvPr id="5" name="Text Placeholder 4"/>
+          <p:cNvSpPr>
+            <a:spLocks noGrp="1"/>
+          </p:cNvSpPr>
+          <p:nvPr>
+            <p:ph type="body" sz="quarter" idx="3"/>
+          </p:nvPr>
+        </p:nvSpPr>
+        <p:spPr>
+          <a:xfrm>
+            <a:off x="4663440" y="1846052"/>
+            <a:ext cx="3703320" cy="736282"/>
+          </a:xfrm>
+        </p:spPr>
+        <p:txBody>
+          <a:bodyPr lIns="91440" rIns="91440" anchor="ctr">
+            <a:normAutofit/>
+          </a:bodyPr>
+          <a:lstStyle>
+            <a:lvl1pPr marL="0" indent="0">
+              <a:buNone/>
+              <a:defRPr sz="2000" b="0" cap="all" baseline="0">
+                <a:solidFill>
+                  <a:schemeClr val="tx2"/>
+                </a:solidFill>
+              </a:defRPr>
+            </a:lvl1pPr>
+            <a:lvl2pPr marL="457200" indent="0">
+              <a:buNone/>
+              <a:defRPr sz="2000" b="1"/>
+            </a:lvl2pPr>
+            <a:lvl3pPr marL="914400" indent="0">
+              <a:buNone/>
+              <a:defRPr sz="1800" b="1"/>
+            </a:lvl3pPr>
+            <a:lvl4pPr marL="1371600" indent="0">
+              <a:buNone/>
+              <a:defRPr sz="1600" b="1"/>
+            </a:lvl4pPr>
+            <a:lvl5pPr marL="1828800" indent="0">
+              <a:buNone/>
+              <a:defRPr sz="1600" b="1"/>
+            </a:lvl5pPr>
+            <a:lvl6pPr marL="2286000" indent="0">
+              <a:buNone/>
+              <a:defRPr sz="1600" b="1"/>
+            </a:lvl6pPr>
+            <a:lvl7pPr marL="2743200" indent="0">
+              <a:buNone/>
+              <a:defRPr sz="1600" b="1"/>
+            </a:lvl7pPr>
+            <a:lvl8pPr marL="3200400" indent="0">
+              <a:buNone/>
+              <a:defRPr sz="1600" b="1"/>
+            </a:lvl8pPr>
+            <a:lvl9pPr marL="3657600" indent="0">
+              <a:buNone/>
+              <a:defRPr sz="1600" b="1"/>
+            </a:lvl9pPr>
+          </a:lstStyle>
+          <a:p>
+            <a:pPr lvl="0"/>
+            <a:r>
+              <a:rPr lang="en-US" smtClean="0"/>
+              <a:t>Click to edit Master text styles</a:t>
+            </a:r>
+          </a:p>
+        </p:txBody>
+      </p:sp>
+      <p:sp>
+        <p:nvSpPr>
+          <p:cNvPr id="6" name="Content Placeholder 5"/>
+          <p:cNvSpPr>
+            <a:spLocks noGrp="1"/>
+          </p:cNvSpPr>
+          <p:nvPr>
+            <p:ph sz="quarter" idx="4"/>
+          </p:nvPr>
+        </p:nvSpPr>
+        <p:spPr>
+          <a:xfrm>
+            <a:off x="4663440" y="2582334"/>
+            <a:ext cx="3703320" cy="3286760"/>
+          </a:xfrm>
+        </p:spPr>
+        <p:txBody>
+          <a:bodyPr/>
+          <a:lstStyle/>
+          <a:p>
+            <a:pPr lvl="0"/>
+            <a:r>
+              <a:rPr lang="en-US" smtClean="0"/>
+              <a:t>Click to edit Master text styles</a:t>
+            </a:r>
+          </a:p>
+          <a:p>
+            <a:pPr lvl="1"/>
+            <a:r>
+              <a:rPr lang="en-US" smtClean="0"/>
+              <a:t>Second level</a:t>
+            </a:r>
+          </a:p>
+          <a:p>
+            <a:pPr lvl="2"/>
+            <a:r>
+              <a:rPr lang="en-US" smtClean="0"/>
+              <a:t>Third level</a:t>
+            </a:r>
+          </a:p>
+          <a:p>
+            <a:pPr lvl="3"/>
+            <a:r>
+              <a:rPr lang="en-US" smtClean="0"/>
+              <a:t>Fourth level</a:t>
+            </a:r>
+          </a:p>
+          <a:p>
+            <a:pPr lvl="4"/>
+            <a:r>
+              <a:rPr lang="en-US" smtClean="0"/>
+              <a:t>Fifth level</a:t>
+            </a:r>
+            <a:endParaRPr lang="en-US" dirty="0"/>
+          </a:p>
+        </p:txBody>
+      </p:sp>
+      <p:sp>
+        <p:nvSpPr>
+          <p:cNvPr id="7" name="Date Placeholder 6"/>
+          <p:cNvSpPr>
+            <a:spLocks noGrp="1"/>
+          </p:cNvSpPr>
+          <p:nvPr>
+            <p:ph type="dt" sz="half" idx="10"/>
+          </p:nvPr>
+        </p:nvSpPr>
+        <p:spPr/>
+        <p:txBody>
+          <a:bodyPr/>
+          <a:lstStyle/>
+          <a:p>
+            <a:fld id="{41DFDFBD-3E12-A445-806B-4F0E7D1A930C}" type="datetime1">
+              <a:rPr lang="en-US" smtClean="0"/>
+              <a:t>2/11/17</a:t>
+            </a:fld>
+            <a:endParaRPr lang="en-US"/>
+          </a:p>
+        </p:txBody>
+      </p:sp>
+      <p:sp>
+        <p:nvSpPr>
+          <p:cNvPr id="8" name="Footer Placeholder 7"/>
+          <p:cNvSpPr>
+            <a:spLocks noGrp="1"/>
+          </p:cNvSpPr>
+          <p:nvPr>
+            <p:ph type="ftr" sz="quarter" idx="11"/>
+          </p:nvPr>
+        </p:nvSpPr>
+        <p:spPr/>
+        <p:txBody>
+          <a:bodyPr/>
+          <a:lstStyle/>
+          <a:p>
+            <a:r>
+              <a:rPr lang="sk-SK" smtClean="0"/>
+              <a:t>© 2015 EV3Lessons.com, Last edit 11/13/2015</a:t>
+            </a:r>
+            <a:endParaRPr lang="en-US"/>
+          </a:p>
+        </p:txBody>
+      </p:sp>
+      <p:sp>
+        <p:nvSpPr>
+          <p:cNvPr id="9" name="Slide Number Placeholder 8"/>
+          <p:cNvSpPr>
+            <a:spLocks noGrp="1"/>
+          </p:cNvSpPr>
+          <p:nvPr>
+            <p:ph type="sldNum" sz="quarter" idx="12"/>
+          </p:nvPr>
+        </p:nvSpPr>
+        <p:spPr/>
+        <p:txBody>
+          <a:bodyPr/>
+          <a:lstStyle/>
+          <a:p>
+            <a:fld id="{4382A7F7-08BF-4252-8141-63FB96055BBB}" type="slidenum">
+              <a:rPr lang="en-US" smtClean="0"/>
+              <a:t>‹#›</a:t>
+            </a:fld>
+            <a:endParaRPr lang="en-US"/>
+          </a:p>
+        </p:txBody>
+      </p:sp>
+    </p:spTree>
+    <p:extLst/>
+  </p:cSld>
+  <p:clrMapOvr>
+    <a:masterClrMapping/>
+  </p:clrMapOvr>
+</p:sldLayout>
+</file>
+
+<file path=ppt/slideLayouts/slideLayout17.xml><?xml version="1.0" encoding="utf-8"?>
+<p:sldLayout xmlns:a="http://schemas.openxmlformats.org/drawingml/2006/main" xmlns:r="http://schemas.openxmlformats.org/officeDocument/2006/relationships" xmlns:p="http://schemas.openxmlformats.org/presentationml/2006/main" type="titleOnly" preserve="1">
+  <p:cSld name="Title Only">
+    <p:spTree>
+      <p:nvGrpSpPr>
+        <p:cNvPr id="1" name=""/>
+        <p:cNvGrpSpPr/>
+        <p:nvPr/>
+      </p:nvGrpSpPr>
+      <p:grpSpPr>
+        <a:xfrm>
+          <a:off x="0" y="0"/>
+          <a:ext cx="0" cy="0"/>
+          <a:chOff x="0" y="0"/>
+          <a:chExt cx="0" cy="0"/>
+        </a:xfrm>
+      </p:grpSpPr>
+      <p:sp>
+        <p:nvSpPr>
+          <p:cNvPr id="2" name="Title 1"/>
+          <p:cNvSpPr>
+            <a:spLocks noGrp="1"/>
+          </p:cNvSpPr>
+          <p:nvPr>
+            <p:ph type="title"/>
+          </p:nvPr>
+        </p:nvSpPr>
+        <p:spPr/>
+        <p:txBody>
+          <a:bodyPr/>
+          <a:lstStyle/>
+          <a:p>
+            <a:r>
+              <a:rPr lang="en-US" smtClean="0"/>
+              <a:t>Click to edit Master title style</a:t>
+            </a:r>
+            <a:endParaRPr lang="en-US" dirty="0"/>
+          </a:p>
+        </p:txBody>
+      </p:sp>
+      <p:sp>
+        <p:nvSpPr>
+          <p:cNvPr id="3" name="Date Placeholder 2"/>
+          <p:cNvSpPr>
+            <a:spLocks noGrp="1"/>
+          </p:cNvSpPr>
+          <p:nvPr>
+            <p:ph type="dt" sz="half" idx="10"/>
+          </p:nvPr>
+        </p:nvSpPr>
+        <p:spPr/>
+        <p:txBody>
+          <a:bodyPr/>
+          <a:lstStyle/>
+          <a:p>
+            <a:fld id="{BF984FCB-7F13-6B42-854E-CFEDB8B0A637}" type="datetime1">
+              <a:rPr lang="en-US" smtClean="0"/>
+              <a:t>2/11/17</a:t>
+            </a:fld>
+            <a:endParaRPr lang="en-US"/>
+          </a:p>
+        </p:txBody>
+      </p:sp>
+      <p:sp>
+        <p:nvSpPr>
+          <p:cNvPr id="4" name="Footer Placeholder 3"/>
+          <p:cNvSpPr>
+            <a:spLocks noGrp="1"/>
+          </p:cNvSpPr>
+          <p:nvPr>
+            <p:ph type="ftr" sz="quarter" idx="11"/>
+          </p:nvPr>
+        </p:nvSpPr>
+        <p:spPr/>
+        <p:txBody>
+          <a:bodyPr/>
+          <a:lstStyle/>
+          <a:p>
+            <a:r>
+              <a:rPr lang="sk-SK" smtClean="0"/>
+              <a:t>© 2015 EV3Lessons.com, Last edit 11/13/2015</a:t>
+            </a:r>
+            <a:endParaRPr lang="en-US"/>
+          </a:p>
+        </p:txBody>
+      </p:sp>
+      <p:sp>
+        <p:nvSpPr>
+          <p:cNvPr id="5" name="Slide Number Placeholder 4"/>
+          <p:cNvSpPr>
+            <a:spLocks noGrp="1"/>
+          </p:cNvSpPr>
+          <p:nvPr>
+            <p:ph type="sldNum" sz="quarter" idx="12"/>
+          </p:nvPr>
+        </p:nvSpPr>
+        <p:spPr/>
+        <p:txBody>
+          <a:bodyPr/>
+          <a:lstStyle/>
+          <a:p>
+            <a:fld id="{4382A7F7-08BF-4252-8141-63FB96055BBB}" type="slidenum">
+              <a:rPr lang="en-US" smtClean="0"/>
+              <a:t>‹#›</a:t>
+            </a:fld>
+            <a:endParaRPr lang="en-US"/>
+          </a:p>
+        </p:txBody>
+      </p:sp>
+    </p:spTree>
+    <p:extLst/>
+  </p:cSld>
+  <p:clrMapOvr>
+    <a:masterClrMapping/>
+  </p:clrMapOvr>
+</p:sldLayout>
+</file>
+
+<file path=ppt/slideLayouts/slideLayout18.xml><?xml version="1.0" encoding="utf-8"?>
+<p:sldLayout xmlns:a="http://schemas.openxmlformats.org/drawingml/2006/main" xmlns:r="http://schemas.openxmlformats.org/officeDocument/2006/relationships" xmlns:p="http://schemas.openxmlformats.org/presentationml/2006/main" showMasterSp="0" type="blank" preserve="1">
+  <p:cSld name="Blank">
+    <p:spTree>
+      <p:nvGrpSpPr>
+        <p:cNvPr id="1" name=""/>
+        <p:cNvGrpSpPr/>
+        <p:nvPr/>
+      </p:nvGrpSpPr>
+      <p:grpSpPr>
+        <a:xfrm>
+          <a:off x="0" y="0"/>
+          <a:ext cx="0" cy="0"/>
+          <a:chOff x="0" y="0"/>
+          <a:chExt cx="0" cy="0"/>
+        </a:xfrm>
+      </p:grpSpPr>
+      <p:sp>
+        <p:nvSpPr>
+          <p:cNvPr id="5" name="Rectangle 4"/>
+          <p:cNvSpPr/>
+          <p:nvPr/>
+        </p:nvSpPr>
+        <p:spPr>
+          <a:xfrm>
+            <a:off x="2382" y="6400800"/>
+            <a:ext cx="9141619" cy="457200"/>
+          </a:xfrm>
+          <a:prstGeom prst="rect">
+            <a:avLst/>
+          </a:prstGeom>
+          <a:solidFill>
+            <a:schemeClr val="accent2"/>
+          </a:solidFill>
+          <a:ln>
+            <a:noFill/>
+          </a:ln>
+        </p:spPr>
+        <p:style>
+          <a:lnRef idx="2">
+            <a:schemeClr val="accent1">
+              <a:shade val="50000"/>
+            </a:schemeClr>
+          </a:lnRef>
+          <a:fillRef idx="1">
+            <a:schemeClr val="accent1"/>
+          </a:fillRef>
+          <a:effectRef idx="0">
+            <a:schemeClr val="accent1"/>
+          </a:effectRef>
+          <a:fontRef idx="minor">
+            <a:schemeClr val="lt1"/>
+          </a:fontRef>
+        </p:style>
+      </p:sp>
+      <p:sp>
+        <p:nvSpPr>
+          <p:cNvPr id="6" name="Rectangle 5"/>
+          <p:cNvSpPr/>
+          <p:nvPr/>
+        </p:nvSpPr>
+        <p:spPr>
+          <a:xfrm>
+            <a:off x="12" y="6334316"/>
+            <a:ext cx="9141619" cy="64008"/>
+          </a:xfrm>
+          <a:prstGeom prst="rect">
+            <a:avLst/>
+          </a:prstGeom>
+          <a:solidFill>
+            <a:schemeClr val="accent1"/>
+          </a:solidFill>
+          <a:ln>
+            <a:noFill/>
+          </a:ln>
+        </p:spPr>
+        <p:style>
+          <a:lnRef idx="2">
+            <a:schemeClr val="accent1">
+              <a:shade val="50000"/>
+            </a:schemeClr>
+          </a:lnRef>
+          <a:fillRef idx="1">
+            <a:schemeClr val="accent1"/>
+          </a:fillRef>
+          <a:effectRef idx="0">
+            <a:schemeClr val="accent1"/>
+          </a:effectRef>
+          <a:fontRef idx="minor">
+            <a:schemeClr val="lt1"/>
+          </a:fontRef>
+        </p:style>
+      </p:sp>
+      <p:sp>
+        <p:nvSpPr>
+          <p:cNvPr id="7" name="Date Placeholder 6"/>
+          <p:cNvSpPr>
+            <a:spLocks noGrp="1"/>
+          </p:cNvSpPr>
+          <p:nvPr>
+            <p:ph type="dt" sz="half" idx="10"/>
+          </p:nvPr>
+        </p:nvSpPr>
+        <p:spPr/>
+        <p:txBody>
+          <a:bodyPr/>
+          <a:lstStyle/>
+          <a:p>
+            <a:fld id="{7E8EA04B-0319-BF45-88BC-B6E410611BD2}" type="datetime1">
+              <a:rPr lang="en-US" smtClean="0"/>
+              <a:t>2/11/17</a:t>
+            </a:fld>
+            <a:endParaRPr lang="en-US"/>
+          </a:p>
+        </p:txBody>
+      </p:sp>
+      <p:sp>
+        <p:nvSpPr>
+          <p:cNvPr id="8" name="Footer Placeholder 7"/>
+          <p:cNvSpPr>
+            <a:spLocks noGrp="1"/>
+          </p:cNvSpPr>
+          <p:nvPr>
+            <p:ph type="ftr" sz="quarter" idx="11"/>
+          </p:nvPr>
+        </p:nvSpPr>
+        <p:spPr/>
+        <p:txBody>
+          <a:bodyPr/>
+          <a:lstStyle>
+            <a:lvl1pPr>
+              <a:defRPr>
+                <a:solidFill>
+                  <a:srgbClr val="FFFFFF"/>
+                </a:solidFill>
+              </a:defRPr>
+            </a:lvl1pPr>
+          </a:lstStyle>
+          <a:p>
+            <a:r>
+              <a:rPr lang="sk-SK" smtClean="0"/>
+              <a:t>© 2015 EV3Lessons.com, Last edit 11/13/2015</a:t>
+            </a:r>
+            <a:endParaRPr lang="en-US"/>
+          </a:p>
+        </p:txBody>
+      </p:sp>
+      <p:sp>
+        <p:nvSpPr>
+          <p:cNvPr id="9" name="Slide Number Placeholder 8"/>
+          <p:cNvSpPr>
+            <a:spLocks noGrp="1"/>
+          </p:cNvSpPr>
+          <p:nvPr>
+            <p:ph type="sldNum" sz="quarter" idx="12"/>
+          </p:nvPr>
+        </p:nvSpPr>
+        <p:spPr/>
+        <p:txBody>
+          <a:bodyPr/>
+          <a:lstStyle/>
+          <a:p>
+            <a:fld id="{4382A7F7-08BF-4252-8141-63FB96055BBB}" type="slidenum">
+              <a:rPr lang="en-US" smtClean="0"/>
+              <a:t>‹#›</a:t>
+            </a:fld>
+            <a:endParaRPr lang="en-US"/>
+          </a:p>
+        </p:txBody>
+      </p:sp>
+    </p:spTree>
+    <p:extLst/>
+  </p:cSld>
+  <p:clrMapOvr>
+    <a:masterClrMapping/>
+  </p:clrMapOvr>
+</p:sldLayout>
+</file>
+
+<file path=ppt/slideLayouts/slideLayout19.xml><?xml version="1.0" encoding="utf-8"?>
+<p:sldLayout xmlns:a="http://schemas.openxmlformats.org/drawingml/2006/main" xmlns:r="http://schemas.openxmlformats.org/officeDocument/2006/relationships" xmlns:p="http://schemas.openxmlformats.org/presentationml/2006/main" showMasterSp="0" type="objTx" preserve="1">
+  <p:cSld name="Content with Caption">
+    <p:spTree>
+      <p:nvGrpSpPr>
+        <p:cNvPr id="1" name=""/>
+        <p:cNvGrpSpPr/>
+        <p:nvPr/>
+      </p:nvGrpSpPr>
+      <p:grpSpPr>
+        <a:xfrm>
+          <a:off x="0" y="0"/>
+          <a:ext cx="0" cy="0"/>
+          <a:chOff x="0" y="0"/>
+          <a:chExt cx="0" cy="0"/>
+        </a:xfrm>
+      </p:grpSpPr>
+      <p:sp>
+        <p:nvSpPr>
+          <p:cNvPr id="8" name="Rectangle 7"/>
+          <p:cNvSpPr/>
+          <p:nvPr/>
+        </p:nvSpPr>
+        <p:spPr>
+          <a:xfrm>
+            <a:off x="13" y="0"/>
+            <a:ext cx="3038093" cy="6858000"/>
+          </a:xfrm>
+          <a:prstGeom prst="rect">
+            <a:avLst/>
+          </a:prstGeom>
+          <a:solidFill>
+            <a:schemeClr val="accent2"/>
+          </a:solidFill>
+          <a:ln>
+            <a:noFill/>
+          </a:ln>
+        </p:spPr>
+        <p:style>
+          <a:lnRef idx="2">
+            <a:schemeClr val="accent1">
+              <a:shade val="50000"/>
+            </a:schemeClr>
+          </a:lnRef>
+          <a:fillRef idx="1">
+            <a:schemeClr val="accent1"/>
+          </a:fillRef>
+          <a:effectRef idx="0">
+            <a:schemeClr val="accent1"/>
+          </a:effectRef>
+          <a:fontRef idx="minor">
+            <a:schemeClr val="lt1"/>
+          </a:fontRef>
+        </p:style>
+      </p:sp>
+      <p:sp>
+        <p:nvSpPr>
+          <p:cNvPr id="9" name="Rectangle 8"/>
+          <p:cNvSpPr/>
+          <p:nvPr/>
+        </p:nvSpPr>
+        <p:spPr>
+          <a:xfrm>
+            <a:off x="3030053" y="0"/>
+            <a:ext cx="48006" cy="6858000"/>
+          </a:xfrm>
+          <a:prstGeom prst="rect">
+            <a:avLst/>
+          </a:prstGeom>
+          <a:solidFill>
+            <a:schemeClr val="accent1"/>
+          </a:solidFill>
+          <a:ln>
+            <a:noFill/>
+          </a:ln>
+        </p:spPr>
+        <p:style>
+          <a:lnRef idx="2">
+            <a:schemeClr val="accent1">
+              <a:shade val="50000"/>
+            </a:schemeClr>
+          </a:lnRef>
+          <a:fillRef idx="1">
+            <a:schemeClr val="accent1"/>
+          </a:fillRef>
+          <a:effectRef idx="0">
+            <a:schemeClr val="accent1"/>
+          </a:effectRef>
+          <a:fontRef idx="minor">
+            <a:schemeClr val="lt1"/>
+          </a:fontRef>
+        </p:style>
+      </p:sp>
+      <p:sp>
+        <p:nvSpPr>
+          <p:cNvPr id="2" name="Title 1"/>
+          <p:cNvSpPr>
+            <a:spLocks noGrp="1"/>
+          </p:cNvSpPr>
+          <p:nvPr>
+            <p:ph type="title"/>
+          </p:nvPr>
+        </p:nvSpPr>
+        <p:spPr>
+          <a:xfrm>
+            <a:off x="342900" y="594359"/>
+            <a:ext cx="2400300" cy="2286000"/>
+          </a:xfrm>
+        </p:spPr>
+        <p:txBody>
+          <a:bodyPr anchor="b">
+            <a:normAutofit/>
+          </a:bodyPr>
+          <a:lstStyle>
+            <a:lvl1pPr>
+              <a:defRPr sz="3600" b="0">
+                <a:solidFill>
+                  <a:srgbClr val="FFFFFF"/>
+                </a:solidFill>
+              </a:defRPr>
+            </a:lvl1pPr>
+          </a:lstStyle>
+          <a:p>
+            <a:r>
+              <a:rPr lang="en-US" smtClean="0"/>
+              <a:t>Click to edit Master title style</a:t>
+            </a:r>
+            <a:endParaRPr lang="en-US" dirty="0"/>
+          </a:p>
+        </p:txBody>
+      </p:sp>
+      <p:sp>
+        <p:nvSpPr>
+          <p:cNvPr id="3" name="Content Placeholder 2"/>
+          <p:cNvSpPr>
+            <a:spLocks noGrp="1"/>
+          </p:cNvSpPr>
+          <p:nvPr>
+            <p:ph idx="1"/>
+          </p:nvPr>
+        </p:nvSpPr>
+        <p:spPr>
+          <a:xfrm>
+            <a:off x="3460237" y="731520"/>
+            <a:ext cx="5009393" cy="5257800"/>
+          </a:xfrm>
+        </p:spPr>
+        <p:txBody>
+          <a:bodyPr/>
+          <a:lstStyle/>
+          <a:p>
+            <a:pPr lvl="0"/>
+            <a:r>
+              <a:rPr lang="en-US" smtClean="0"/>
+              <a:t>Click to edit Master text styles</a:t>
+            </a:r>
+          </a:p>
+          <a:p>
+            <a:pPr lvl="1"/>
+            <a:r>
+              <a:rPr lang="en-US" smtClean="0"/>
+              <a:t>Second level</a:t>
+            </a:r>
+          </a:p>
+          <a:p>
+            <a:pPr lvl="2"/>
+            <a:r>
+              <a:rPr lang="en-US" smtClean="0"/>
+              <a:t>Third level</a:t>
+            </a:r>
+          </a:p>
+          <a:p>
+            <a:pPr lvl="3"/>
+            <a:r>
+              <a:rPr lang="en-US" smtClean="0"/>
+              <a:t>Fourth level</a:t>
+            </a:r>
+          </a:p>
+          <a:p>
+            <a:pPr lvl="4"/>
+            <a:r>
+              <a:rPr lang="en-US" smtClean="0"/>
+              <a:t>Fifth level</a:t>
+            </a:r>
+            <a:endParaRPr lang="en-US" dirty="0"/>
+          </a:p>
+        </p:txBody>
+      </p:sp>
+      <p:sp>
+        <p:nvSpPr>
+          <p:cNvPr id="4" name="Text Placeholder 3"/>
+          <p:cNvSpPr>
+            <a:spLocks noGrp="1"/>
+          </p:cNvSpPr>
+          <p:nvPr>
+            <p:ph type="body" sz="half" idx="2"/>
+          </p:nvPr>
+        </p:nvSpPr>
+        <p:spPr>
+          <a:xfrm>
+            <a:off x="342900" y="2926080"/>
+            <a:ext cx="2400300" cy="3379124"/>
+          </a:xfrm>
+        </p:spPr>
+        <p:txBody>
+          <a:bodyPr lIns="91440" rIns="91440">
+            <a:normAutofit/>
+          </a:bodyPr>
+          <a:lstStyle>
+            <a:lvl1pPr marL="0" indent="0">
+              <a:buNone/>
+              <a:defRPr sz="1500">
+                <a:solidFill>
+                  <a:srgbClr val="FFFFFF"/>
+                </a:solidFill>
+              </a:defRPr>
+            </a:lvl1pPr>
+            <a:lvl2pPr marL="457200" indent="0">
+              <a:buNone/>
+              <a:defRPr sz="1200"/>
+            </a:lvl2pPr>
+            <a:lvl3pPr marL="914400" indent="0">
+              <a:buNone/>
+              <a:defRPr sz="1000"/>
+            </a:lvl3pPr>
+            <a:lvl4pPr marL="1371600" indent="0">
+              <a:buNone/>
+              <a:defRPr sz="900"/>
+            </a:lvl4pPr>
+            <a:lvl5pPr marL="1828800" indent="0">
+              <a:buNone/>
+              <a:defRPr sz="900"/>
+            </a:lvl5pPr>
+            <a:lvl6pPr marL="2286000" indent="0">
+              <a:buNone/>
+              <a:defRPr sz="900"/>
+            </a:lvl6pPr>
+            <a:lvl7pPr marL="2743200" indent="0">
+              <a:buNone/>
+              <a:defRPr sz="900"/>
+            </a:lvl7pPr>
+            <a:lvl8pPr marL="3200400" indent="0">
+              <a:buNone/>
+              <a:defRPr sz="900"/>
+            </a:lvl8pPr>
+            <a:lvl9pPr marL="3657600" indent="0">
+              <a:buNone/>
+              <a:defRPr sz="900"/>
+            </a:lvl9pPr>
+          </a:lstStyle>
+          <a:p>
+            <a:pPr lvl="0"/>
+            <a:r>
+              <a:rPr lang="en-US" smtClean="0"/>
+              <a:t>Click to edit Master text styles</a:t>
+            </a:r>
+          </a:p>
+        </p:txBody>
+      </p:sp>
+      <p:sp>
+        <p:nvSpPr>
+          <p:cNvPr id="5" name="Date Placeholder 4"/>
+          <p:cNvSpPr>
+            <a:spLocks noGrp="1"/>
+          </p:cNvSpPr>
+          <p:nvPr>
+            <p:ph type="dt" sz="half" idx="10"/>
+          </p:nvPr>
+        </p:nvSpPr>
+        <p:spPr>
+          <a:xfrm>
+            <a:off x="349134" y="6459786"/>
+            <a:ext cx="1963883" cy="365125"/>
+          </a:xfrm>
+        </p:spPr>
+        <p:txBody>
+          <a:bodyPr/>
+          <a:lstStyle>
+            <a:lvl1pPr algn="l">
+              <a:defRPr/>
+            </a:lvl1pPr>
+          </a:lstStyle>
+          <a:p>
+            <a:fld id="{6FDB5D1E-3DB3-4B4B-8359-DD04BEF98FBC}" type="datetime1">
+              <a:rPr lang="en-US" smtClean="0"/>
+              <a:t>2/11/17</a:t>
+            </a:fld>
+            <a:endParaRPr lang="en-US"/>
+          </a:p>
+        </p:txBody>
+      </p:sp>
+      <p:sp>
+        <p:nvSpPr>
+          <p:cNvPr id="6" name="Footer Placeholder 5"/>
+          <p:cNvSpPr>
+            <a:spLocks noGrp="1"/>
+          </p:cNvSpPr>
+          <p:nvPr>
+            <p:ph type="ftr" sz="quarter" idx="11"/>
+          </p:nvPr>
+        </p:nvSpPr>
+        <p:spPr>
+          <a:xfrm>
+            <a:off x="3600450" y="6459786"/>
+            <a:ext cx="3486150" cy="365125"/>
+          </a:xfrm>
+        </p:spPr>
+        <p:txBody>
+          <a:bodyPr/>
+          <a:lstStyle>
+            <a:lvl1pPr algn="l">
+              <a:defRPr>
+                <a:solidFill>
+                  <a:schemeClr val="tx2"/>
+                </a:solidFill>
+              </a:defRPr>
+            </a:lvl1pPr>
+          </a:lstStyle>
+          <a:p>
+            <a:r>
+              <a:rPr lang="sk-SK" smtClean="0"/>
+              <a:t>© 2015 EV3Lessons.com, Last edit 11/13/2015</a:t>
+            </a:r>
+            <a:endParaRPr lang="en-US"/>
+          </a:p>
+        </p:txBody>
+      </p:sp>
+      <p:sp>
+        <p:nvSpPr>
+          <p:cNvPr id="7" name="Slide Number Placeholder 6"/>
+          <p:cNvSpPr>
+            <a:spLocks noGrp="1"/>
+          </p:cNvSpPr>
+          <p:nvPr>
+            <p:ph type="sldNum" sz="quarter" idx="12"/>
+          </p:nvPr>
+        </p:nvSpPr>
+        <p:spPr/>
+        <p:txBody>
+          <a:bodyPr/>
+          <a:lstStyle>
+            <a:lvl1pPr>
+              <a:defRPr>
+                <a:solidFill>
+                  <a:schemeClr val="tx2"/>
+                </a:solidFill>
+              </a:defRPr>
+            </a:lvl1pPr>
+          </a:lstStyle>
+          <a:p>
+            <a:fld id="{7F5CE407-6216-4202-80E4-A30DC2F709B2}" type="slidenum">
+              <a:rPr lang="en-US" smtClean="0"/>
+              <a:t>‹#›</a:t>
+            </a:fld>
+            <a:endParaRPr lang="en-US"/>
+          </a:p>
+        </p:txBody>
+      </p:sp>
+    </p:spTree>
+    <p:extLst/>
+  </p:cSld>
+  <p:clrMapOvr>
+    <a:masterClrMapping/>
+  </p:clrMapOvr>
+</p:sldLayout>
+</file>
+
+<file path=ppt/slideLayouts/slideLayout2.xml><?xml version="1.0" encoding="utf-8"?>
+<p:sldLayout xmlns:a="http://schemas.openxmlformats.org/drawingml/2006/main" xmlns:r="http://schemas.openxmlformats.org/officeDocument/2006/relationships" xmlns:p="http://schemas.openxmlformats.org/presentationml/2006/main" type="obj" preserve="1">
+  <p:cSld name="Title and Content">
+    <p:spTree>
+      <p:nvGrpSpPr>
+        <p:cNvPr id="1" name=""/>
+        <p:cNvGrpSpPr/>
+        <p:nvPr/>
+      </p:nvGrpSpPr>
+      <p:grpSpPr>
+        <a:xfrm>
+          <a:off x="0" y="0"/>
+          <a:ext cx="0" cy="0"/>
+          <a:chOff x="0" y="0"/>
+          <a:chExt cx="0" cy="0"/>
+        </a:xfrm>
+      </p:grpSpPr>
+      <p:sp>
+        <p:nvSpPr>
+          <p:cNvPr id="2" name="Title 1"/>
+          <p:cNvSpPr>
+            <a:spLocks noGrp="1"/>
+          </p:cNvSpPr>
+          <p:nvPr>
+            <p:ph type="title"/>
+          </p:nvPr>
+        </p:nvSpPr>
+        <p:spPr/>
+        <p:txBody>
+          <a:bodyPr/>
+          <a:lstStyle/>
+          <a:p>
+            <a:r>
+              <a:rPr lang="en-US" smtClean="0"/>
+              <a:t>Click to edit Master title style</a:t>
+            </a:r>
+            <a:endParaRPr lang="en-US" dirty="0"/>
+          </a:p>
+        </p:txBody>
+      </p:sp>
+      <p:sp>
+        <p:nvSpPr>
+          <p:cNvPr id="3" name="Content Placeholder 2"/>
+          <p:cNvSpPr>
+            <a:spLocks noGrp="1"/>
+          </p:cNvSpPr>
+          <p:nvPr>
+            <p:ph idx="1"/>
+          </p:nvPr>
+        </p:nvSpPr>
+        <p:spPr/>
+        <p:txBody>
+          <a:bodyPr/>
+          <a:lstStyle/>
+          <a:p>
+            <a:pPr lvl="0"/>
+            <a:r>
+              <a:rPr lang="en-US" smtClean="0"/>
+              <a:t>Click to edit Master text styles</a:t>
+            </a:r>
+          </a:p>
+          <a:p>
+            <a:pPr lvl="1"/>
+            <a:r>
+              <a:rPr lang="en-US" smtClean="0"/>
+              <a:t>Second level</a:t>
+            </a:r>
+          </a:p>
+          <a:p>
+            <a:pPr lvl="2"/>
+            <a:r>
+              <a:rPr lang="en-US" smtClean="0"/>
+              <a:t>Third level</a:t>
+            </a:r>
+          </a:p>
+          <a:p>
+            <a:pPr lvl="3"/>
+            <a:r>
+              <a:rPr lang="en-US" smtClean="0"/>
+              <a:t>Fourth level</a:t>
+            </a:r>
+          </a:p>
+          <a:p>
+            <a:pPr lvl="4"/>
+            <a:r>
+              <a:rPr lang="en-US" smtClean="0"/>
+              <a:t>Fifth level</a:t>
+            </a:r>
+            <a:endParaRPr lang="en-US" dirty="0"/>
+          </a:p>
+        </p:txBody>
+      </p:sp>
+      <p:sp>
+        <p:nvSpPr>
+          <p:cNvPr id="4" name="Date Placeholder 3"/>
+          <p:cNvSpPr>
+            <a:spLocks noGrp="1"/>
+          </p:cNvSpPr>
+          <p:nvPr>
+            <p:ph type="dt" sz="half" idx="10"/>
+          </p:nvPr>
+        </p:nvSpPr>
+        <p:spPr/>
+        <p:txBody>
+          <a:bodyPr/>
+          <a:lstStyle/>
+          <a:p>
+            <a:fld id="{9117E192-9C52-684B-AAD6-4F77E1B2BCB5}" type="datetime1">
+              <a:rPr lang="en-US" smtClean="0"/>
+              <a:t>2/11/17</a:t>
+            </a:fld>
+            <a:endParaRPr lang="en-US"/>
+          </a:p>
+        </p:txBody>
+      </p:sp>
+      <p:sp>
+        <p:nvSpPr>
+          <p:cNvPr id="5" name="Footer Placeholder 4"/>
+          <p:cNvSpPr>
+            <a:spLocks noGrp="1"/>
+          </p:cNvSpPr>
+          <p:nvPr>
+            <p:ph type="ftr" sz="quarter" idx="11"/>
+          </p:nvPr>
+        </p:nvSpPr>
+        <p:spPr/>
+        <p:txBody>
+          <a:bodyPr/>
+          <a:lstStyle/>
+          <a:p>
+            <a:r>
+              <a:rPr lang="sk-SK" smtClean="0"/>
+              <a:t>© 2015 EV3Lessons.com, Last edit 11/13/2015</a:t>
+            </a:r>
+            <a:endParaRPr lang="en-US"/>
+          </a:p>
+        </p:txBody>
+      </p:sp>
+      <p:sp>
+        <p:nvSpPr>
+          <p:cNvPr id="6" name="Slide Number Placeholder 5"/>
+          <p:cNvSpPr>
+            <a:spLocks noGrp="1"/>
+          </p:cNvSpPr>
+          <p:nvPr>
+            <p:ph type="sldNum" sz="quarter" idx="12"/>
+          </p:nvPr>
+        </p:nvSpPr>
+        <p:spPr/>
+        <p:txBody>
+          <a:bodyPr/>
+          <a:lstStyle/>
+          <a:p>
+            <a:fld id="{4382A7F7-08BF-4252-8141-63FB96055BBB}" type="slidenum">
+              <a:rPr lang="en-US" smtClean="0"/>
+              <a:t>‹#›</a:t>
+            </a:fld>
+            <a:endParaRPr lang="en-US"/>
+          </a:p>
+        </p:txBody>
+      </p:sp>
+    </p:spTree>
+    <p:extLst>
+      <p:ext uri="{BB962C8B-B14F-4D97-AF65-F5344CB8AC3E}">
+        <p14:creationId xmlns:p14="http://schemas.microsoft.com/office/powerpoint/2010/main" val="2024605434"/>
+      </p:ext>
+    </p:extLst>
+  </p:cSld>
+  <p:clrMapOvr>
+    <a:masterClrMapping/>
+  </p:clrMapOvr>
+</p:sldLayout>
+</file>
+
+<file path=ppt/slideLayouts/slideLayout20.xml><?xml version="1.0" encoding="utf-8"?>
+<p:sldLayout xmlns:a="http://schemas.openxmlformats.org/drawingml/2006/main" xmlns:r="http://schemas.openxmlformats.org/officeDocument/2006/relationships" xmlns:p="http://schemas.openxmlformats.org/presentationml/2006/main" showMasterSp="0" type="picTx" preserve="1">
+  <p:cSld name="Picture with Caption">
+    <p:spTree>
+      <p:nvGrpSpPr>
+        <p:cNvPr id="1" name=""/>
+        <p:cNvGrpSpPr/>
+        <p:nvPr/>
+      </p:nvGrpSpPr>
+      <p:grpSpPr>
+        <a:xfrm>
+          <a:off x="0" y="0"/>
+          <a:ext cx="0" cy="0"/>
+          <a:chOff x="0" y="0"/>
+          <a:chExt cx="0" cy="0"/>
+        </a:xfrm>
+      </p:grpSpPr>
+      <p:sp>
+        <p:nvSpPr>
+          <p:cNvPr id="8" name="Rectangle 7"/>
+          <p:cNvSpPr/>
+          <p:nvPr/>
+        </p:nvSpPr>
+        <p:spPr>
+          <a:xfrm>
+            <a:off x="0" y="4953000"/>
+            <a:ext cx="9141619" cy="1905000"/>
+          </a:xfrm>
+          <a:prstGeom prst="rect">
+            <a:avLst/>
+          </a:prstGeom>
+          <a:solidFill>
+            <a:schemeClr val="accent2"/>
+          </a:solidFill>
+          <a:ln>
+            <a:noFill/>
+          </a:ln>
+        </p:spPr>
+        <p:style>
+          <a:lnRef idx="2">
+            <a:schemeClr val="accent1">
+              <a:shade val="50000"/>
+            </a:schemeClr>
+          </a:lnRef>
+          <a:fillRef idx="1">
+            <a:schemeClr val="accent1"/>
+          </a:fillRef>
+          <a:effectRef idx="0">
+            <a:schemeClr val="accent1"/>
+          </a:effectRef>
+          <a:fontRef idx="minor">
+            <a:schemeClr val="lt1"/>
+          </a:fontRef>
+        </p:style>
+      </p:sp>
+      <p:sp>
+        <p:nvSpPr>
+          <p:cNvPr id="9" name="Rectangle 8"/>
+          <p:cNvSpPr/>
+          <p:nvPr/>
+        </p:nvSpPr>
+        <p:spPr>
+          <a:xfrm>
+            <a:off x="12" y="4915076"/>
+            <a:ext cx="9141619" cy="64008"/>
+          </a:xfrm>
+          <a:prstGeom prst="rect">
+            <a:avLst/>
+          </a:prstGeom>
+          <a:solidFill>
+            <a:schemeClr val="accent1"/>
+          </a:solidFill>
+          <a:ln>
+            <a:noFill/>
+          </a:ln>
+        </p:spPr>
+        <p:style>
+          <a:lnRef idx="2">
+            <a:schemeClr val="accent1">
+              <a:shade val="50000"/>
+            </a:schemeClr>
+          </a:lnRef>
+          <a:fillRef idx="1">
+            <a:schemeClr val="accent1"/>
+          </a:fillRef>
+          <a:effectRef idx="0">
+            <a:schemeClr val="accent1"/>
+          </a:effectRef>
+          <a:fontRef idx="minor">
+            <a:schemeClr val="lt1"/>
+          </a:fontRef>
+        </p:style>
+      </p:sp>
+      <p:sp>
+        <p:nvSpPr>
+          <p:cNvPr id="2" name="Title 1"/>
+          <p:cNvSpPr>
+            <a:spLocks noGrp="1"/>
+          </p:cNvSpPr>
+          <p:nvPr>
+            <p:ph type="title"/>
+          </p:nvPr>
+        </p:nvSpPr>
+        <p:spPr>
+          <a:xfrm>
+            <a:off x="822960" y="5074920"/>
+            <a:ext cx="7589520" cy="822960"/>
+          </a:xfrm>
+        </p:spPr>
+        <p:txBody>
+          <a:bodyPr tIns="0" bIns="0" anchor="b">
+            <a:noAutofit/>
+          </a:bodyPr>
+          <a:lstStyle>
+            <a:lvl1pPr>
+              <a:defRPr sz="3600" b="0">
+                <a:solidFill>
+                  <a:srgbClr val="FFFFFF"/>
+                </a:solidFill>
+              </a:defRPr>
+            </a:lvl1pPr>
+          </a:lstStyle>
+          <a:p>
+            <a:r>
+              <a:rPr lang="en-US" smtClean="0"/>
+              <a:t>Click to edit Master title style</a:t>
+            </a:r>
+            <a:endParaRPr lang="en-US" dirty="0"/>
+          </a:p>
+        </p:txBody>
+      </p:sp>
+      <p:sp>
+        <p:nvSpPr>
+          <p:cNvPr id="3" name="Picture Placeholder 2"/>
+          <p:cNvSpPr>
+            <a:spLocks noGrp="1" noChangeAspect="1"/>
+          </p:cNvSpPr>
+          <p:nvPr>
+            <p:ph type="pic" idx="1"/>
+          </p:nvPr>
+        </p:nvSpPr>
+        <p:spPr>
+          <a:xfrm>
+            <a:off x="12" y="0"/>
+            <a:ext cx="9143989" cy="4915076"/>
+          </a:xfrm>
+          <a:blipFill>
+            <a:blip r:embed="rId2"/>
+            <a:stretch>
+              <a:fillRect/>
+            </a:stretch>
+          </a:blipFill>
+        </p:spPr>
+        <p:txBody>
+          <a:bodyPr lIns="457200" tIns="457200" anchor="t"/>
+          <a:lstStyle>
+            <a:lvl1pPr marL="0" indent="0">
+              <a:buNone/>
+              <a:defRPr sz="3200">
+                <a:solidFill>
+                  <a:schemeClr val="bg1"/>
+                </a:solidFill>
+              </a:defRPr>
+            </a:lvl1pPr>
+            <a:lvl2pPr marL="457200" indent="0">
+              <a:buNone/>
+              <a:defRPr sz="2800"/>
+            </a:lvl2pPr>
+            <a:lvl3pPr marL="914400" indent="0">
+              <a:buNone/>
+              <a:defRPr sz="2400"/>
+            </a:lvl3pPr>
+            <a:lvl4pPr marL="1371600" indent="0">
+              <a:buNone/>
+              <a:defRPr sz="2000"/>
+            </a:lvl4pPr>
+            <a:lvl5pPr marL="1828800" indent="0">
+              <a:buNone/>
+              <a:defRPr sz="2000"/>
+            </a:lvl5pPr>
+            <a:lvl6pPr marL="2286000" indent="0">
+              <a:buNone/>
+              <a:defRPr sz="2000"/>
+            </a:lvl6pPr>
+            <a:lvl7pPr marL="2743200" indent="0">
+              <a:buNone/>
+              <a:defRPr sz="2000"/>
+            </a:lvl7pPr>
+            <a:lvl8pPr marL="3200400" indent="0">
+              <a:buNone/>
+              <a:defRPr sz="2000"/>
+            </a:lvl8pPr>
+            <a:lvl9pPr marL="3657600" indent="0">
+              <a:buNone/>
+              <a:defRPr sz="2000"/>
+            </a:lvl9pPr>
+          </a:lstStyle>
+          <a:p>
+            <a:r>
+              <a:rPr lang="en-US" smtClean="0"/>
+              <a:t>Drag picture to placeholder or click icon to add</a:t>
+            </a:r>
+            <a:endParaRPr lang="en-US" dirty="0"/>
+          </a:p>
+        </p:txBody>
+      </p:sp>
+      <p:sp>
+        <p:nvSpPr>
+          <p:cNvPr id="4" name="Text Placeholder 3"/>
+          <p:cNvSpPr>
+            <a:spLocks noGrp="1"/>
+          </p:cNvSpPr>
+          <p:nvPr>
+            <p:ph type="body" sz="half" idx="2"/>
+          </p:nvPr>
+        </p:nvSpPr>
+        <p:spPr>
+          <a:xfrm>
+            <a:off x="822959" y="5907024"/>
+            <a:ext cx="7589520" cy="594360"/>
+          </a:xfrm>
+        </p:spPr>
+        <p:txBody>
+          <a:bodyPr lIns="91440" tIns="0" rIns="91440" bIns="0">
+            <a:normAutofit/>
+          </a:bodyPr>
+          <a:lstStyle>
+            <a:lvl1pPr marL="0" indent="0">
+              <a:spcBef>
+                <a:spcPts val="0"/>
+              </a:spcBef>
+              <a:spcAft>
+                <a:spcPts val="600"/>
+              </a:spcAft>
+              <a:buNone/>
+              <a:defRPr sz="1500">
+                <a:solidFill>
+                  <a:srgbClr val="FFFFFF"/>
+                </a:solidFill>
+              </a:defRPr>
+            </a:lvl1pPr>
+            <a:lvl2pPr marL="457200" indent="0">
+              <a:buNone/>
+              <a:defRPr sz="1200"/>
+            </a:lvl2pPr>
+            <a:lvl3pPr marL="914400" indent="0">
+              <a:buNone/>
+              <a:defRPr sz="1000"/>
+            </a:lvl3pPr>
+            <a:lvl4pPr marL="1371600" indent="0">
+              <a:buNone/>
+              <a:defRPr sz="900"/>
+            </a:lvl4pPr>
+            <a:lvl5pPr marL="1828800" indent="0">
+              <a:buNone/>
+              <a:defRPr sz="900"/>
+            </a:lvl5pPr>
+            <a:lvl6pPr marL="2286000" indent="0">
+              <a:buNone/>
+              <a:defRPr sz="900"/>
+            </a:lvl6pPr>
+            <a:lvl7pPr marL="2743200" indent="0">
+              <a:buNone/>
+              <a:defRPr sz="900"/>
+            </a:lvl7pPr>
+            <a:lvl8pPr marL="3200400" indent="0">
+              <a:buNone/>
+              <a:defRPr sz="900"/>
+            </a:lvl8pPr>
+            <a:lvl9pPr marL="3657600" indent="0">
+              <a:buNone/>
+              <a:defRPr sz="900"/>
+            </a:lvl9pPr>
+          </a:lstStyle>
+          <a:p>
+            <a:pPr lvl="0"/>
+            <a:r>
+              <a:rPr lang="en-US" smtClean="0"/>
+              <a:t>Click to edit Master text styles</a:t>
+            </a:r>
+          </a:p>
+        </p:txBody>
+      </p:sp>
+      <p:sp>
+        <p:nvSpPr>
+          <p:cNvPr id="5" name="Date Placeholder 4"/>
+          <p:cNvSpPr>
+            <a:spLocks noGrp="1"/>
+          </p:cNvSpPr>
+          <p:nvPr>
+            <p:ph type="dt" sz="half" idx="10"/>
+          </p:nvPr>
+        </p:nvSpPr>
+        <p:spPr/>
+        <p:txBody>
+          <a:bodyPr/>
+          <a:lstStyle/>
+          <a:p>
+            <a:fld id="{1676647E-08E3-CA4C-944C-B87BD51C1B96}" type="datetime1">
+              <a:rPr lang="en-US" smtClean="0"/>
+              <a:t>2/11/17</a:t>
+            </a:fld>
+            <a:endParaRPr lang="en-US"/>
+          </a:p>
+        </p:txBody>
+      </p:sp>
+      <p:sp>
+        <p:nvSpPr>
+          <p:cNvPr id="6" name="Footer Placeholder 5"/>
+          <p:cNvSpPr>
+            <a:spLocks noGrp="1"/>
+          </p:cNvSpPr>
+          <p:nvPr>
+            <p:ph type="ftr" sz="quarter" idx="11"/>
+          </p:nvPr>
+        </p:nvSpPr>
+        <p:spPr/>
+        <p:txBody>
+          <a:bodyPr/>
+          <a:lstStyle/>
+          <a:p>
+            <a:r>
+              <a:rPr lang="sk-SK" smtClean="0"/>
+              <a:t>© 2015 EV3Lessons.com, Last edit 11/13/2015</a:t>
+            </a:r>
+            <a:endParaRPr lang="en-US"/>
+          </a:p>
+        </p:txBody>
+      </p:sp>
+      <p:sp>
+        <p:nvSpPr>
+          <p:cNvPr id="7" name="Slide Number Placeholder 6"/>
+          <p:cNvSpPr>
+            <a:spLocks noGrp="1"/>
+          </p:cNvSpPr>
+          <p:nvPr>
+            <p:ph type="sldNum" sz="quarter" idx="12"/>
+          </p:nvPr>
+        </p:nvSpPr>
+        <p:spPr/>
+        <p:txBody>
+          <a:bodyPr/>
+          <a:lstStyle/>
+          <a:p>
+            <a:fld id="{4382A7F7-08BF-4252-8141-63FB96055BBB}" type="slidenum">
+              <a:rPr lang="en-US" smtClean="0"/>
+              <a:t>‹#›</a:t>
+            </a:fld>
+            <a:endParaRPr lang="en-US"/>
+          </a:p>
+        </p:txBody>
+      </p:sp>
+    </p:spTree>
+    <p:extLst/>
+  </p:cSld>
+  <p:clrMapOvr>
+    <a:masterClrMapping/>
+  </p:clrMapOvr>
+</p:sldLayout>
+</file>
+
+<file path=ppt/slideLayouts/slideLayout21.xml><?xml version="1.0" encoding="utf-8"?>
+<p:sldLayout xmlns:a="http://schemas.openxmlformats.org/drawingml/2006/main" xmlns:r="http://schemas.openxmlformats.org/officeDocument/2006/relationships" xmlns:p="http://schemas.openxmlformats.org/presentationml/2006/main" type="vertTx" preserve="1">
+  <p:cSld name="Title and Vertical Text">
+    <p:spTree>
+      <p:nvGrpSpPr>
+        <p:cNvPr id="1" name=""/>
+        <p:cNvGrpSpPr/>
+        <p:nvPr/>
+      </p:nvGrpSpPr>
+      <p:grpSpPr>
+        <a:xfrm>
+          <a:off x="0" y="0"/>
+          <a:ext cx="0" cy="0"/>
+          <a:chOff x="0" y="0"/>
+          <a:chExt cx="0" cy="0"/>
+        </a:xfrm>
+      </p:grpSpPr>
+      <p:sp>
+        <p:nvSpPr>
+          <p:cNvPr id="2" name="Title 1"/>
+          <p:cNvSpPr>
+            <a:spLocks noGrp="1"/>
+          </p:cNvSpPr>
+          <p:nvPr>
+            <p:ph type="title"/>
+          </p:nvPr>
+        </p:nvSpPr>
+        <p:spPr/>
+        <p:txBody>
+          <a:bodyPr/>
+          <a:lstStyle/>
+          <a:p>
+            <a:r>
+              <a:rPr lang="en-US" smtClean="0"/>
+              <a:t>Click to edit Master title style</a:t>
+            </a:r>
+            <a:endParaRPr lang="en-US" dirty="0"/>
+          </a:p>
+        </p:txBody>
+      </p:sp>
+      <p:sp>
+        <p:nvSpPr>
+          <p:cNvPr id="3" name="Vertical Text Placeholder 2"/>
+          <p:cNvSpPr>
+            <a:spLocks noGrp="1"/>
+          </p:cNvSpPr>
+          <p:nvPr>
+            <p:ph type="body" orient="vert" idx="1"/>
+          </p:nvPr>
+        </p:nvSpPr>
+        <p:spPr/>
+        <p:txBody>
+          <a:bodyPr vert="eaVert" lIns="45720" tIns="0" rIns="45720" bIns="0"/>
+          <a:lstStyle/>
+          <a:p>
+            <a:pPr lvl="0"/>
+            <a:r>
+              <a:rPr lang="en-US" smtClean="0"/>
+              <a:t>Click to edit Master text styles</a:t>
+            </a:r>
+          </a:p>
+          <a:p>
+            <a:pPr lvl="1"/>
+            <a:r>
+              <a:rPr lang="en-US" smtClean="0"/>
+              <a:t>Second level</a:t>
+            </a:r>
+          </a:p>
+          <a:p>
+            <a:pPr lvl="2"/>
+            <a:r>
+              <a:rPr lang="en-US" smtClean="0"/>
+              <a:t>Third level</a:t>
+            </a:r>
+          </a:p>
+          <a:p>
+            <a:pPr lvl="3"/>
+            <a:r>
+              <a:rPr lang="en-US" smtClean="0"/>
+              <a:t>Fourth level</a:t>
+            </a:r>
+          </a:p>
+          <a:p>
+            <a:pPr lvl="4"/>
+            <a:r>
+              <a:rPr lang="en-US" smtClean="0"/>
+              <a:t>Fifth level</a:t>
+            </a:r>
+            <a:endParaRPr lang="en-US" dirty="0"/>
+          </a:p>
+        </p:txBody>
+      </p:sp>
+      <p:sp>
+        <p:nvSpPr>
+          <p:cNvPr id="4" name="Date Placeholder 3"/>
+          <p:cNvSpPr>
+            <a:spLocks noGrp="1"/>
+          </p:cNvSpPr>
+          <p:nvPr>
+            <p:ph type="dt" sz="half" idx="10"/>
+          </p:nvPr>
+        </p:nvSpPr>
+        <p:spPr/>
+        <p:txBody>
+          <a:bodyPr/>
+          <a:lstStyle/>
+          <a:p>
+            <a:fld id="{408660E3-185A-0E4A-BA15-FBD8DC11AC38}" type="datetime1">
+              <a:rPr lang="en-US" smtClean="0"/>
+              <a:t>2/11/17</a:t>
+            </a:fld>
+            <a:endParaRPr lang="en-US"/>
+          </a:p>
+        </p:txBody>
+      </p:sp>
+      <p:sp>
+        <p:nvSpPr>
+          <p:cNvPr id="5" name="Footer Placeholder 4"/>
+          <p:cNvSpPr>
+            <a:spLocks noGrp="1"/>
+          </p:cNvSpPr>
+          <p:nvPr>
+            <p:ph type="ftr" sz="quarter" idx="11"/>
+          </p:nvPr>
+        </p:nvSpPr>
+        <p:spPr/>
+        <p:txBody>
+          <a:bodyPr/>
+          <a:lstStyle/>
+          <a:p>
+            <a:r>
+              <a:rPr lang="sk-SK" smtClean="0"/>
+              <a:t>© 2015 EV3Lessons.com, Last edit 11/13/2015</a:t>
+            </a:r>
+            <a:endParaRPr lang="en-US"/>
+          </a:p>
+        </p:txBody>
+      </p:sp>
+      <p:sp>
+        <p:nvSpPr>
+          <p:cNvPr id="6" name="Slide Number Placeholder 5"/>
+          <p:cNvSpPr>
+            <a:spLocks noGrp="1"/>
+          </p:cNvSpPr>
+          <p:nvPr>
+            <p:ph type="sldNum" sz="quarter" idx="12"/>
+          </p:nvPr>
+        </p:nvSpPr>
+        <p:spPr/>
+        <p:txBody>
+          <a:bodyPr/>
+          <a:lstStyle/>
+          <a:p>
+            <a:fld id="{4382A7F7-08BF-4252-8141-63FB96055BBB}" type="slidenum">
+              <a:rPr lang="en-US" smtClean="0"/>
+              <a:t>‹#›</a:t>
+            </a:fld>
+            <a:endParaRPr lang="en-US"/>
+          </a:p>
+        </p:txBody>
+      </p:sp>
+    </p:spTree>
+    <p:extLst/>
+  </p:cSld>
+  <p:clrMapOvr>
+    <a:masterClrMapping/>
+  </p:clrMapOvr>
+</p:sldLayout>
+</file>
+
+<file path=ppt/slideLayouts/slideLayout22.xml><?xml version="1.0" encoding="utf-8"?>
+<p:sldLayout xmlns:a="http://schemas.openxmlformats.org/drawingml/2006/main" xmlns:r="http://schemas.openxmlformats.org/officeDocument/2006/relationships" xmlns:p="http://schemas.openxmlformats.org/presentationml/2006/main" showMasterSp="0" type="vertTitleAndTx" preserve="1">
+  <p:cSld name="Vertical Title and Text">
+    <p:spTree>
+      <p:nvGrpSpPr>
+        <p:cNvPr id="1" name=""/>
+        <p:cNvGrpSpPr/>
+        <p:nvPr/>
+      </p:nvGrpSpPr>
+      <p:grpSpPr>
+        <a:xfrm>
+          <a:off x="0" y="0"/>
+          <a:ext cx="0" cy="0"/>
+          <a:chOff x="0" y="0"/>
+          <a:chExt cx="0" cy="0"/>
+        </a:xfrm>
+      </p:grpSpPr>
+      <p:sp>
+        <p:nvSpPr>
+          <p:cNvPr id="7" name="Rectangle 6"/>
+          <p:cNvSpPr/>
+          <p:nvPr/>
+        </p:nvSpPr>
+        <p:spPr>
+          <a:xfrm>
+            <a:off x="2382" y="6400800"/>
+            <a:ext cx="9141619" cy="457200"/>
+          </a:xfrm>
+          <a:prstGeom prst="rect">
+            <a:avLst/>
+          </a:prstGeom>
+          <a:solidFill>
+            <a:schemeClr val="accent2"/>
+          </a:solidFill>
+          <a:ln>
+            <a:noFill/>
+          </a:ln>
+        </p:spPr>
+        <p:style>
+          <a:lnRef idx="2">
+            <a:schemeClr val="accent1">
+              <a:shade val="50000"/>
+            </a:schemeClr>
+          </a:lnRef>
+          <a:fillRef idx="1">
+            <a:schemeClr val="accent1"/>
+          </a:fillRef>
+          <a:effectRef idx="0">
+            <a:schemeClr val="accent1"/>
+          </a:effectRef>
+          <a:fontRef idx="minor">
+            <a:schemeClr val="lt1"/>
+          </a:fontRef>
+        </p:style>
+      </p:sp>
+      <p:sp>
+        <p:nvSpPr>
+          <p:cNvPr id="8" name="Rectangle 7"/>
+          <p:cNvSpPr/>
+          <p:nvPr/>
+        </p:nvSpPr>
+        <p:spPr>
+          <a:xfrm>
+            <a:off x="12" y="6334316"/>
+            <a:ext cx="9141619" cy="64008"/>
+          </a:xfrm>
+          <a:prstGeom prst="rect">
+            <a:avLst/>
+          </a:prstGeom>
+          <a:solidFill>
+            <a:schemeClr val="accent1"/>
+          </a:solidFill>
+          <a:ln>
+            <a:noFill/>
+          </a:ln>
+        </p:spPr>
+        <p:style>
+          <a:lnRef idx="2">
+            <a:schemeClr val="accent1">
+              <a:shade val="50000"/>
+            </a:schemeClr>
+          </a:lnRef>
+          <a:fillRef idx="1">
+            <a:schemeClr val="accent1"/>
+          </a:fillRef>
+          <a:effectRef idx="0">
+            <a:schemeClr val="accent1"/>
+          </a:effectRef>
+          <a:fontRef idx="minor">
+            <a:schemeClr val="lt1"/>
+          </a:fontRef>
+        </p:style>
+      </p:sp>
+      <p:sp>
+        <p:nvSpPr>
+          <p:cNvPr id="2" name="Vertical Title 1"/>
+          <p:cNvSpPr>
+            <a:spLocks noGrp="1"/>
+          </p:cNvSpPr>
+          <p:nvPr>
+            <p:ph type="title" orient="vert"/>
+          </p:nvPr>
+        </p:nvSpPr>
+        <p:spPr>
+          <a:xfrm>
+            <a:off x="6543675" y="414779"/>
+            <a:ext cx="1971675" cy="5757421"/>
+          </a:xfrm>
+        </p:spPr>
+        <p:txBody>
+          <a:bodyPr vert="eaVert"/>
+          <a:lstStyle/>
+          <a:p>
+            <a:r>
+              <a:rPr lang="en-US" smtClean="0"/>
+              <a:t>Click to edit Master title style</a:t>
+            </a:r>
+            <a:endParaRPr lang="en-US" dirty="0"/>
+          </a:p>
+        </p:txBody>
+      </p:sp>
+      <p:sp>
+        <p:nvSpPr>
+          <p:cNvPr id="3" name="Vertical Text Placeholder 2"/>
+          <p:cNvSpPr>
+            <a:spLocks noGrp="1"/>
+          </p:cNvSpPr>
+          <p:nvPr>
+            <p:ph type="body" orient="vert" idx="1"/>
+          </p:nvPr>
+        </p:nvSpPr>
+        <p:spPr>
+          <a:xfrm>
+            <a:off x="628650" y="414779"/>
+            <a:ext cx="5800725" cy="5757420"/>
+          </a:xfrm>
+        </p:spPr>
+        <p:txBody>
+          <a:bodyPr vert="eaVert" lIns="45720" tIns="0" rIns="45720" bIns="0"/>
+          <a:lstStyle/>
+          <a:p>
+            <a:pPr lvl="0"/>
+            <a:r>
+              <a:rPr lang="en-US" smtClean="0"/>
+              <a:t>Click to edit Master text styles</a:t>
+            </a:r>
+          </a:p>
+          <a:p>
+            <a:pPr lvl="1"/>
+            <a:r>
+              <a:rPr lang="en-US" smtClean="0"/>
+              <a:t>Second level</a:t>
+            </a:r>
+          </a:p>
+          <a:p>
+            <a:pPr lvl="2"/>
+            <a:r>
+              <a:rPr lang="en-US" smtClean="0"/>
+              <a:t>Third level</a:t>
+            </a:r>
+          </a:p>
+          <a:p>
+            <a:pPr lvl="3"/>
+            <a:r>
+              <a:rPr lang="en-US" smtClean="0"/>
+              <a:t>Fourth level</a:t>
+            </a:r>
+          </a:p>
+          <a:p>
+            <a:pPr lvl="4"/>
+            <a:r>
+              <a:rPr lang="en-US" smtClean="0"/>
+              <a:t>Fifth level</a:t>
+            </a:r>
+            <a:endParaRPr lang="en-US" dirty="0"/>
+          </a:p>
+        </p:txBody>
+      </p:sp>
+      <p:sp>
+        <p:nvSpPr>
+          <p:cNvPr id="4" name="Date Placeholder 3"/>
+          <p:cNvSpPr>
+            <a:spLocks noGrp="1"/>
+          </p:cNvSpPr>
+          <p:nvPr>
+            <p:ph type="dt" sz="half" idx="10"/>
+          </p:nvPr>
+        </p:nvSpPr>
+        <p:spPr/>
+        <p:txBody>
+          <a:bodyPr/>
+          <a:lstStyle/>
+          <a:p>
+            <a:fld id="{780FB302-4D11-ED42-B07E-F4C01D7C67BD}" type="datetime1">
+              <a:rPr lang="en-US" smtClean="0"/>
+              <a:t>2/11/17</a:t>
+            </a:fld>
+            <a:endParaRPr lang="en-US"/>
+          </a:p>
+        </p:txBody>
+      </p:sp>
+      <p:sp>
+        <p:nvSpPr>
+          <p:cNvPr id="5" name="Footer Placeholder 4"/>
+          <p:cNvSpPr>
+            <a:spLocks noGrp="1"/>
+          </p:cNvSpPr>
+          <p:nvPr>
+            <p:ph type="ftr" sz="quarter" idx="11"/>
+          </p:nvPr>
+        </p:nvSpPr>
+        <p:spPr/>
+        <p:txBody>
+          <a:bodyPr/>
+          <a:lstStyle/>
+          <a:p>
+            <a:r>
+              <a:rPr lang="sk-SK" smtClean="0"/>
+              <a:t>© 2015 EV3Lessons.com, Last edit 11/13/2015</a:t>
+            </a:r>
+            <a:endParaRPr lang="en-US"/>
+          </a:p>
+        </p:txBody>
+      </p:sp>
+      <p:sp>
+        <p:nvSpPr>
+          <p:cNvPr id="6" name="Slide Number Placeholder 5"/>
+          <p:cNvSpPr>
+            <a:spLocks noGrp="1"/>
+          </p:cNvSpPr>
+          <p:nvPr>
+            <p:ph type="sldNum" sz="quarter" idx="12"/>
+          </p:nvPr>
+        </p:nvSpPr>
+        <p:spPr/>
+        <p:txBody>
+          <a:bodyPr/>
+          <a:lstStyle/>
+          <a:p>
+            <a:fld id="{4382A7F7-08BF-4252-8141-63FB96055BBB}" type="slidenum">
+              <a:rPr lang="en-US" smtClean="0"/>
+              <a:t>‹#›</a:t>
+            </a:fld>
+            <a:endParaRPr lang="en-US"/>
+          </a:p>
+        </p:txBody>
+      </p:sp>
+    </p:spTree>
+    <p:extLst/>
+  </p:cSld>
+  <p:clrMapOvr>
+    <a:masterClrMapping/>
+  </p:clrMapOvr>
+</p:sldLayout>
+</file>
+
+<file path=ppt/slideLayouts/slideLayout3.xml><?xml version="1.0" encoding="utf-8"?>
+<p:sldLayout xmlns:a="http://schemas.openxmlformats.org/drawingml/2006/main" xmlns:r="http://schemas.openxmlformats.org/officeDocument/2006/relationships" xmlns:p="http://schemas.openxmlformats.org/presentationml/2006/main" showMasterSp="0" type="secHead" preserve="1">
+  <p:cSld name="Section Header">
+    <p:bg>
+      <p:bgPr>
+        <a:solidFill>
+          <a:schemeClr val="bg1"/>
+        </a:solidFill>
+        <a:effectLst/>
+      </p:bgPr>
+    </p:bg>
+    <p:spTree>
+      <p:nvGrpSpPr>
+        <p:cNvPr id="1" name=""/>
+        <p:cNvGrpSpPr/>
+        <p:nvPr/>
+      </p:nvGrpSpPr>
+      <p:grpSpPr>
+        <a:xfrm>
+          <a:off x="0" y="0"/>
+          <a:ext cx="0" cy="0"/>
+          <a:chOff x="0" y="0"/>
+          <a:chExt cx="0" cy="0"/>
+        </a:xfrm>
+      </p:grpSpPr>
+      <p:sp>
+        <p:nvSpPr>
+          <p:cNvPr id="7" name="Rectangle 6"/>
+          <p:cNvSpPr/>
+          <p:nvPr/>
+        </p:nvSpPr>
+        <p:spPr>
+          <a:xfrm>
+            <a:off x="2382" y="6400800"/>
+            <a:ext cx="9141619" cy="457200"/>
+          </a:xfrm>
+          <a:prstGeom prst="rect">
+            <a:avLst/>
+          </a:prstGeom>
+          <a:solidFill>
+            <a:schemeClr val="accent2"/>
+          </a:solidFill>
+          <a:ln>
+            <a:noFill/>
+          </a:ln>
+        </p:spPr>
+        <p:style>
+          <a:lnRef idx="2">
+            <a:schemeClr val="accent1">
+              <a:shade val="50000"/>
+            </a:schemeClr>
+          </a:lnRef>
+          <a:fillRef idx="1">
+            <a:schemeClr val="accent1"/>
+          </a:fillRef>
+          <a:effectRef idx="0">
+            <a:schemeClr val="accent1"/>
+          </a:effectRef>
+          <a:fontRef idx="minor">
+            <a:schemeClr val="lt1"/>
+          </a:fontRef>
+        </p:style>
+      </p:sp>
+      <p:sp>
+        <p:nvSpPr>
+          <p:cNvPr id="8" name="Rectangle 7"/>
+          <p:cNvSpPr/>
+          <p:nvPr/>
+        </p:nvSpPr>
+        <p:spPr>
+          <a:xfrm>
+            <a:off x="12" y="6334316"/>
+            <a:ext cx="9141619" cy="64008"/>
+          </a:xfrm>
+          <a:prstGeom prst="rect">
+            <a:avLst/>
+          </a:prstGeom>
+          <a:solidFill>
+            <a:schemeClr val="accent1"/>
+          </a:solidFill>
+          <a:ln>
+            <a:noFill/>
+          </a:ln>
+        </p:spPr>
+        <p:style>
+          <a:lnRef idx="2">
+            <a:schemeClr val="accent1">
+              <a:shade val="50000"/>
+            </a:schemeClr>
+          </a:lnRef>
+          <a:fillRef idx="1">
+            <a:schemeClr val="accent1"/>
+          </a:fillRef>
+          <a:effectRef idx="0">
+            <a:schemeClr val="accent1"/>
+          </a:effectRef>
+          <a:fontRef idx="minor">
+            <a:schemeClr val="lt1"/>
+          </a:fontRef>
+        </p:style>
+      </p:sp>
+      <p:sp>
+        <p:nvSpPr>
+          <p:cNvPr id="2" name="Title 1"/>
+          <p:cNvSpPr>
+            <a:spLocks noGrp="1"/>
+          </p:cNvSpPr>
+          <p:nvPr>
+            <p:ph type="title"/>
+          </p:nvPr>
+        </p:nvSpPr>
+        <p:spPr>
+          <a:xfrm>
+            <a:off x="822960" y="758952"/>
+            <a:ext cx="7543800" cy="3566160"/>
+          </a:xfrm>
+        </p:spPr>
+        <p:txBody>
+          <a:bodyPr anchor="b" anchorCtr="0">
+            <a:normAutofit/>
+          </a:bodyPr>
+          <a:lstStyle>
+            <a:lvl1pPr>
+              <a:lnSpc>
+                <a:spcPct val="85000"/>
+              </a:lnSpc>
+              <a:defRPr sz="8000" b="0">
+                <a:solidFill>
+                  <a:schemeClr val="tx1">
+                    <a:lumMod val="85000"/>
+                    <a:lumOff val="15000"/>
+                  </a:schemeClr>
+                </a:solidFill>
+              </a:defRPr>
+            </a:lvl1pPr>
+          </a:lstStyle>
+          <a:p>
+            <a:r>
+              <a:rPr lang="en-US" smtClean="0"/>
+              <a:t>Click to edit Master title style</a:t>
+            </a:r>
+            <a:endParaRPr lang="en-US" dirty="0"/>
+          </a:p>
+        </p:txBody>
+      </p:sp>
+      <p:sp>
+        <p:nvSpPr>
+          <p:cNvPr id="3" name="Text Placeholder 2"/>
+          <p:cNvSpPr>
+            <a:spLocks noGrp="1"/>
+          </p:cNvSpPr>
+          <p:nvPr>
+            <p:ph type="body" idx="1"/>
+          </p:nvPr>
+        </p:nvSpPr>
+        <p:spPr>
+          <a:xfrm>
+            <a:off x="822960" y="4453128"/>
+            <a:ext cx="7543800" cy="1143000"/>
+          </a:xfrm>
+        </p:spPr>
+        <p:txBody>
+          <a:bodyPr lIns="91440" rIns="91440" anchor="t" anchorCtr="0">
+            <a:normAutofit/>
+          </a:bodyPr>
+          <a:lstStyle>
+            <a:lvl1pPr marL="0" indent="0">
+              <a:buNone/>
+              <a:defRPr sz="2400" cap="all" spc="200" baseline="0">
+                <a:solidFill>
+                  <a:schemeClr val="tx2"/>
+                </a:solidFill>
+                <a:latin typeface="+mj-lt"/>
+              </a:defRPr>
+            </a:lvl1pPr>
+            <a:lvl2pPr marL="457200" indent="0">
+              <a:buNone/>
+              <a:defRPr sz="1800">
+                <a:solidFill>
+                  <a:schemeClr val="tx1">
+                    <a:tint val="75000"/>
+                  </a:schemeClr>
+                </a:solidFill>
+              </a:defRPr>
+            </a:lvl2pPr>
+            <a:lvl3pPr marL="914400" indent="0">
+              <a:buNone/>
+              <a:defRPr sz="1600">
+                <a:solidFill>
+                  <a:schemeClr val="tx1">
+                    <a:tint val="75000"/>
+                  </a:schemeClr>
+                </a:solidFill>
+              </a:defRPr>
+            </a:lvl3pPr>
+            <a:lvl4pPr marL="1371600" indent="0">
+              <a:buNone/>
+              <a:defRPr sz="1400">
+                <a:solidFill>
+                  <a:schemeClr val="tx1">
+                    <a:tint val="75000"/>
+                  </a:schemeClr>
+                </a:solidFill>
+              </a:defRPr>
+            </a:lvl4pPr>
+            <a:lvl5pPr marL="1828800" indent="0">
+              <a:buNone/>
+              <a:defRPr sz="1400">
+                <a:solidFill>
+                  <a:schemeClr val="tx1">
+                    <a:tint val="75000"/>
+                  </a:schemeClr>
+                </a:solidFill>
+              </a:defRPr>
+            </a:lvl5pPr>
+            <a:lvl6pPr marL="2286000" indent="0">
+              <a:buNone/>
+              <a:defRPr sz="1400">
+                <a:solidFill>
+                  <a:schemeClr val="tx1">
+                    <a:tint val="75000"/>
+                  </a:schemeClr>
+                </a:solidFill>
+              </a:defRPr>
+            </a:lvl6pPr>
+            <a:lvl7pPr marL="2743200" indent="0">
+              <a:buNone/>
+              <a:defRPr sz="1400">
+                <a:solidFill>
+                  <a:schemeClr val="tx1">
+                    <a:tint val="75000"/>
+                  </a:schemeClr>
+                </a:solidFill>
+              </a:defRPr>
+            </a:lvl7pPr>
+            <a:lvl8pPr marL="3200400" indent="0">
+              <a:buNone/>
+              <a:defRPr sz="1400">
+                <a:solidFill>
+                  <a:schemeClr val="tx1">
+                    <a:tint val="75000"/>
+                  </a:schemeClr>
+                </a:solidFill>
+              </a:defRPr>
+            </a:lvl8pPr>
+            <a:lvl9pPr marL="3657600" indent="0">
+              <a:buNone/>
+              <a:defRPr sz="1400">
+                <a:solidFill>
+                  <a:schemeClr val="tx1">
+                    <a:tint val="75000"/>
+                  </a:schemeClr>
+                </a:solidFill>
+              </a:defRPr>
+            </a:lvl9pPr>
+          </a:lstStyle>
+          <a:p>
+            <a:pPr lvl="0"/>
+            <a:r>
+              <a:rPr lang="en-US" smtClean="0"/>
+              <a:t>Click to edit Master text styles</a:t>
+            </a:r>
+          </a:p>
+        </p:txBody>
+      </p:sp>
+      <p:sp>
+        <p:nvSpPr>
+          <p:cNvPr id="4" name="Date Placeholder 3"/>
+          <p:cNvSpPr>
+            <a:spLocks noGrp="1"/>
+          </p:cNvSpPr>
+          <p:nvPr>
+            <p:ph type="dt" sz="half" idx="10"/>
+          </p:nvPr>
+        </p:nvSpPr>
+        <p:spPr/>
+        <p:txBody>
+          <a:bodyPr/>
+          <a:lstStyle/>
+          <a:p>
+            <a:fld id="{17DCC995-5E6B-1543-83AA-2211F7258D9E}" type="datetime1">
+              <a:rPr lang="en-US" smtClean="0"/>
+              <a:t>2/11/17</a:t>
+            </a:fld>
+            <a:endParaRPr lang="en-US"/>
+          </a:p>
+        </p:txBody>
+      </p:sp>
+      <p:sp>
+        <p:nvSpPr>
+          <p:cNvPr id="5" name="Footer Placeholder 4"/>
+          <p:cNvSpPr>
+            <a:spLocks noGrp="1"/>
+          </p:cNvSpPr>
+          <p:nvPr>
+            <p:ph type="ftr" sz="quarter" idx="11"/>
+          </p:nvPr>
+        </p:nvSpPr>
+        <p:spPr/>
+        <p:txBody>
+          <a:bodyPr/>
+          <a:lstStyle/>
+          <a:p>
+            <a:r>
+              <a:rPr lang="sk-SK" smtClean="0"/>
+              <a:t>© 2015 EV3Lessons.com, Last edit 11/13/2015</a:t>
+            </a:r>
+            <a:endParaRPr lang="en-US"/>
+          </a:p>
+        </p:txBody>
+      </p:sp>
+      <p:sp>
+        <p:nvSpPr>
+          <p:cNvPr id="6" name="Slide Number Placeholder 5"/>
+          <p:cNvSpPr>
+            <a:spLocks noGrp="1"/>
+          </p:cNvSpPr>
+          <p:nvPr>
+            <p:ph type="sldNum" sz="quarter" idx="12"/>
+          </p:nvPr>
+        </p:nvSpPr>
+        <p:spPr/>
+        <p:txBody>
+          <a:bodyPr/>
+          <a:lstStyle/>
+          <a:p>
+            <a:fld id="{162F1D00-BD13-4404-86B0-79703945A0A7}" type="slidenum">
+              <a:rPr lang="en-US" smtClean="0"/>
+              <a:t>‹#›</a:t>
             </a:fld>
             <a:endParaRPr lang="en-US"/>
           </a:p>
@@ -2465,7 +5523,7 @@
           <a:p>
             <a:fld id="{17046CBA-855E-AA47-AC44-05A2123C60AB}" type="datetime1">
               <a:rPr lang="en-US" smtClean="0"/>
-              <a:t>11/24/2015</a:t>
+              <a:t>2/11/17</a:t>
             </a:fld>
             <a:endParaRPr lang="en-US"/>
           </a:p>
@@ -2511,7 +5569,7 @@
           <a:p>
             <a:fld id="{4382A7F7-08BF-4252-8141-63FB96055BBB}" type="slidenum">
               <a:rPr lang="en-US" smtClean="0"/>
-              <a:t>‹nº›</a:t>
+              <a:t>‹#›</a:t>
             </a:fld>
             <a:endParaRPr lang="en-US"/>
           </a:p>
@@ -2848,7 +5906,7 @@
           <a:p>
             <a:fld id="{41DFDFBD-3E12-A445-806B-4F0E7D1A930C}" type="datetime1">
               <a:rPr lang="en-US" smtClean="0"/>
-              <a:t>11/24/2015</a:t>
+              <a:t>2/11/17</a:t>
             </a:fld>
             <a:endParaRPr lang="en-US"/>
           </a:p>
@@ -2894,7 +5952,7 @@
           <a:p>
             <a:fld id="{4382A7F7-08BF-4252-8141-63FB96055BBB}" type="slidenum">
               <a:rPr lang="en-US" smtClean="0"/>
-              <a:t>‹nº›</a:t>
+              <a:t>‹#›</a:t>
             </a:fld>
             <a:endParaRPr lang="en-US"/>
           </a:p>
@@ -2970,7 +6028,7 @@
           <a:p>
             <a:fld id="{BF984FCB-7F13-6B42-854E-CFEDB8B0A637}" type="datetime1">
               <a:rPr lang="en-US" smtClean="0"/>
-              <a:t>11/24/2015</a:t>
+              <a:t>2/11/17</a:t>
             </a:fld>
             <a:endParaRPr lang="en-US"/>
           </a:p>
@@ -3016,7 +6074,7 @@
           <a:p>
             <a:fld id="{4382A7F7-08BF-4252-8141-63FB96055BBB}" type="slidenum">
               <a:rPr lang="en-US" smtClean="0"/>
-              <a:t>‹nº›</a:t>
+              <a:t>‹#›</a:t>
             </a:fld>
             <a:endParaRPr lang="en-US"/>
           </a:p>
@@ -3145,7 +6203,7 @@
           <a:p>
             <a:fld id="{7E8EA04B-0319-BF45-88BC-B6E410611BD2}" type="datetime1">
               <a:rPr lang="en-US" smtClean="0"/>
-              <a:t>11/24/2015</a:t>
+              <a:t>2/11/17</a:t>
             </a:fld>
             <a:endParaRPr lang="en-US"/>
           </a:p>
@@ -3199,7 +6257,7 @@
           <a:p>
             <a:fld id="{4382A7F7-08BF-4252-8141-63FB96055BBB}" type="slidenum">
               <a:rPr lang="en-US" smtClean="0"/>
-              <a:t>‹nº›</a:t>
+              <a:t>‹#›</a:t>
             </a:fld>
             <a:endParaRPr lang="en-US"/>
           </a:p>
@@ -3503,7 +6561,7 @@
           <a:p>
             <a:fld id="{6FDB5D1E-3DB3-4B4B-8359-DD04BEF98FBC}" type="datetime1">
               <a:rPr lang="en-US" smtClean="0"/>
-              <a:t>11/24/2015</a:t>
+              <a:t>2/11/17</a:t>
             </a:fld>
             <a:endParaRPr lang="en-US"/>
           </a:p>
@@ -3570,7 +6628,7 @@
           <a:p>
             <a:fld id="{7F5CE407-6216-4202-80E4-A30DC2F709B2}" type="slidenum">
               <a:rPr lang="en-US" smtClean="0"/>
-              <a:t>‹nº›</a:t>
+              <a:t>‹#›</a:t>
             </a:fld>
             <a:endParaRPr lang="en-US"/>
           </a:p>
@@ -3889,7 +6947,7 @@
           <a:p>
             <a:fld id="{1676647E-08E3-CA4C-944C-B87BD51C1B96}" type="datetime1">
               <a:rPr lang="en-US" smtClean="0"/>
-              <a:t>11/24/2015</a:t>
+              <a:t>2/11/17</a:t>
             </a:fld>
             <a:endParaRPr lang="en-US"/>
           </a:p>
@@ -3935,7 +6993,7 @@
           <a:p>
             <a:fld id="{4382A7F7-08BF-4252-8141-63FB96055BBB}" type="slidenum">
               <a:rPr lang="en-US" smtClean="0"/>
-              <a:t>‹nº›</a:t>
+              <a:t>‹#›</a:t>
             </a:fld>
             <a:endParaRPr lang="en-US"/>
           </a:p>
@@ -4182,7 +7240,7 @@
           <a:p>
             <a:fld id="{953DD08D-6F15-5145-9936-68048AA68A13}" type="datetime1">
               <a:rPr lang="en-US" smtClean="0"/>
-              <a:t>11/24/2015</a:t>
+              <a:t>2/11/17</a:t>
             </a:fld>
             <a:endParaRPr lang="en-US" dirty="0"/>
           </a:p>
@@ -4260,7 +7318,7 @@
           <a:p>
             <a:fld id="{4382A7F7-08BF-4252-8141-63FB96055BBB}" type="slidenum">
               <a:rPr lang="en-US" smtClean="0"/>
-              <a:t>‹nº›</a:t>
+              <a:t>‹#›</a:t>
             </a:fld>
             <a:endParaRPr lang="en-US"/>
           </a:p>
@@ -4732,6 +7790,822 @@
 </p:sldMaster>
 </file>
 
+<file path=ppt/slideMasters/slideMaster2.xml><?xml version="1.0" encoding="utf-8"?>
+<p:sldMaster xmlns:a="http://schemas.openxmlformats.org/drawingml/2006/main" xmlns:r="http://schemas.openxmlformats.org/officeDocument/2006/relationships" xmlns:p="http://schemas.openxmlformats.org/presentationml/2006/main" preserve="1">
+  <p:cSld>
+    <p:bg>
+      <p:bgRef idx="1001">
+        <a:schemeClr val="bg1"/>
+      </p:bgRef>
+    </p:bg>
+    <p:spTree>
+      <p:nvGrpSpPr>
+        <p:cNvPr id="1" name=""/>
+        <p:cNvGrpSpPr/>
+        <p:nvPr/>
+      </p:nvGrpSpPr>
+      <p:grpSpPr>
+        <a:xfrm>
+          <a:off x="0" y="0"/>
+          <a:ext cx="0" cy="0"/>
+          <a:chOff x="0" y="0"/>
+          <a:chExt cx="0" cy="0"/>
+        </a:xfrm>
+      </p:grpSpPr>
+      <p:sp>
+        <p:nvSpPr>
+          <p:cNvPr id="7" name="Rectangle 6"/>
+          <p:cNvSpPr/>
+          <p:nvPr/>
+        </p:nvSpPr>
+        <p:spPr>
+          <a:xfrm>
+            <a:off x="0" y="6400800"/>
+            <a:ext cx="9144001" cy="457200"/>
+          </a:xfrm>
+          <a:prstGeom prst="rect">
+            <a:avLst/>
+          </a:prstGeom>
+          <a:solidFill>
+            <a:srgbClr val="0070C0"/>
+          </a:solidFill>
+          <a:ln>
+            <a:solidFill>
+              <a:srgbClr val="0070C0"/>
+            </a:solidFill>
+          </a:ln>
+        </p:spPr>
+        <p:style>
+          <a:lnRef idx="2">
+            <a:schemeClr val="accent1">
+              <a:shade val="50000"/>
+            </a:schemeClr>
+          </a:lnRef>
+          <a:fillRef idx="1">
+            <a:schemeClr val="accent1"/>
+          </a:fillRef>
+          <a:effectRef idx="0">
+            <a:schemeClr val="accent1"/>
+          </a:effectRef>
+          <a:fontRef idx="minor">
+            <a:schemeClr val="lt1"/>
+          </a:fontRef>
+        </p:style>
+      </p:sp>
+      <p:sp>
+        <p:nvSpPr>
+          <p:cNvPr id="9" name="Rectangle 8"/>
+          <p:cNvSpPr/>
+          <p:nvPr/>
+        </p:nvSpPr>
+        <p:spPr>
+          <a:xfrm>
+            <a:off x="0" y="6334315"/>
+            <a:ext cx="4487333" cy="92382"/>
+          </a:xfrm>
+          <a:prstGeom prst="rect">
+            <a:avLst/>
+          </a:prstGeom>
+          <a:solidFill>
+            <a:srgbClr val="00B050"/>
+          </a:solidFill>
+          <a:ln>
+            <a:noFill/>
+          </a:ln>
+        </p:spPr>
+        <p:style>
+          <a:lnRef idx="2">
+            <a:schemeClr val="accent1">
+              <a:shade val="50000"/>
+            </a:schemeClr>
+          </a:lnRef>
+          <a:fillRef idx="1">
+            <a:schemeClr val="accent1"/>
+          </a:fillRef>
+          <a:effectRef idx="0">
+            <a:schemeClr val="accent1"/>
+          </a:effectRef>
+          <a:fontRef idx="minor">
+            <a:schemeClr val="lt1"/>
+          </a:fontRef>
+        </p:style>
+      </p:sp>
+      <p:sp>
+        <p:nvSpPr>
+          <p:cNvPr id="2" name="Title Placeholder 1"/>
+          <p:cNvSpPr>
+            <a:spLocks noGrp="1"/>
+          </p:cNvSpPr>
+          <p:nvPr>
+            <p:ph type="title"/>
+          </p:nvPr>
+        </p:nvSpPr>
+        <p:spPr>
+          <a:xfrm>
+            <a:off x="227874" y="287088"/>
+            <a:ext cx="8596812" cy="874055"/>
+          </a:xfrm>
+          <a:prstGeom prst="rect">
+            <a:avLst/>
+          </a:prstGeom>
+        </p:spPr>
+        <p:txBody>
+          <a:bodyPr vert="horz" lIns="91440" tIns="45720" rIns="91440" bIns="45720" rtlCol="0" anchor="b">
+            <a:normAutofit/>
+          </a:bodyPr>
+          <a:lstStyle/>
+          <a:p>
+            <a:r>
+              <a:rPr lang="en-US" smtClean="0"/>
+              <a:t>Click to edit Master title style</a:t>
+            </a:r>
+            <a:endParaRPr lang="en-US" dirty="0"/>
+          </a:p>
+        </p:txBody>
+      </p:sp>
+      <p:sp>
+        <p:nvSpPr>
+          <p:cNvPr id="3" name="Text Placeholder 2"/>
+          <p:cNvSpPr>
+            <a:spLocks noGrp="1"/>
+          </p:cNvSpPr>
+          <p:nvPr>
+            <p:ph type="body" idx="1"/>
+          </p:nvPr>
+        </p:nvSpPr>
+        <p:spPr>
+          <a:xfrm>
+            <a:off x="227874" y="1505616"/>
+            <a:ext cx="8596811" cy="4654528"/>
+          </a:xfrm>
+          <a:prstGeom prst="rect">
+            <a:avLst/>
+          </a:prstGeom>
+        </p:spPr>
+        <p:txBody>
+          <a:bodyPr vert="horz" lIns="0" tIns="45720" rIns="0" bIns="45720" rtlCol="0">
+            <a:normAutofit/>
+          </a:bodyPr>
+          <a:lstStyle/>
+          <a:p>
+            <a:pPr lvl="0"/>
+            <a:r>
+              <a:rPr lang="en-US" smtClean="0"/>
+              <a:t>Click to edit Master text styles</a:t>
+            </a:r>
+          </a:p>
+          <a:p>
+            <a:pPr lvl="1"/>
+            <a:r>
+              <a:rPr lang="en-US" smtClean="0"/>
+              <a:t>Second level</a:t>
+            </a:r>
+          </a:p>
+          <a:p>
+            <a:pPr lvl="2"/>
+            <a:r>
+              <a:rPr lang="en-US" smtClean="0"/>
+              <a:t>Third level</a:t>
+            </a:r>
+          </a:p>
+          <a:p>
+            <a:pPr lvl="3"/>
+            <a:r>
+              <a:rPr lang="en-US" smtClean="0"/>
+              <a:t>Fourth level</a:t>
+            </a:r>
+          </a:p>
+          <a:p>
+            <a:pPr lvl="4"/>
+            <a:r>
+              <a:rPr lang="en-US" smtClean="0"/>
+              <a:t>Fifth level</a:t>
+            </a:r>
+            <a:endParaRPr lang="en-US" dirty="0"/>
+          </a:p>
+        </p:txBody>
+      </p:sp>
+      <p:sp>
+        <p:nvSpPr>
+          <p:cNvPr id="4" name="Date Placeholder 3"/>
+          <p:cNvSpPr>
+            <a:spLocks noGrp="1"/>
+          </p:cNvSpPr>
+          <p:nvPr>
+            <p:ph type="dt" sz="half" idx="2"/>
+          </p:nvPr>
+        </p:nvSpPr>
+        <p:spPr>
+          <a:xfrm>
+            <a:off x="822961" y="6459786"/>
+            <a:ext cx="1854203" cy="365125"/>
+          </a:xfrm>
+          <a:prstGeom prst="rect">
+            <a:avLst/>
+          </a:prstGeom>
+        </p:spPr>
+        <p:txBody>
+          <a:bodyPr vert="horz" lIns="91440" tIns="45720" rIns="91440" bIns="45720" rtlCol="0" anchor="ctr"/>
+          <a:lstStyle>
+            <a:lvl1pPr algn="l">
+              <a:defRPr sz="900">
+                <a:solidFill>
+                  <a:srgbClr val="FFFFFF"/>
+                </a:solidFill>
+              </a:defRPr>
+            </a:lvl1pPr>
+          </a:lstStyle>
+          <a:p>
+            <a:fld id="{953DD08D-6F15-5145-9936-68048AA68A13}" type="datetime1">
+              <a:rPr lang="en-US" smtClean="0"/>
+              <a:t>2/11/17</a:t>
+            </a:fld>
+            <a:endParaRPr lang="en-US" dirty="0"/>
+          </a:p>
+        </p:txBody>
+      </p:sp>
+      <p:sp>
+        <p:nvSpPr>
+          <p:cNvPr id="5" name="Footer Placeholder 4"/>
+          <p:cNvSpPr>
+            <a:spLocks noGrp="1"/>
+          </p:cNvSpPr>
+          <p:nvPr>
+            <p:ph type="ftr" sz="quarter" idx="3"/>
+          </p:nvPr>
+        </p:nvSpPr>
+        <p:spPr>
+          <a:xfrm>
+            <a:off x="2764639" y="6459786"/>
+            <a:ext cx="3617103" cy="365125"/>
+          </a:xfrm>
+          <a:prstGeom prst="rect">
+            <a:avLst/>
+          </a:prstGeom>
+        </p:spPr>
+        <p:txBody>
+          <a:bodyPr vert="horz" lIns="91440" tIns="45720" rIns="91440" bIns="45720" rtlCol="0" anchor="ctr"/>
+          <a:lstStyle>
+            <a:lvl1pPr algn="ctr">
+              <a:defRPr sz="900" cap="all" baseline="0">
+                <a:solidFill>
+                  <a:srgbClr val="FFFFFF"/>
+                </a:solidFill>
+              </a:defRPr>
+            </a:lvl1pPr>
+          </a:lstStyle>
+          <a:p>
+            <a:r>
+              <a:rPr lang="sk-SK" smtClean="0"/>
+              <a:t>© 2015 EV3Lessons.com, Last edit 11/13/2015</a:t>
+            </a:r>
+            <a:endParaRPr lang="en-US" dirty="0"/>
+          </a:p>
+        </p:txBody>
+      </p:sp>
+      <p:sp>
+        <p:nvSpPr>
+          <p:cNvPr id="6" name="Slide Number Placeholder 5"/>
+          <p:cNvSpPr>
+            <a:spLocks noGrp="1"/>
+          </p:cNvSpPr>
+          <p:nvPr>
+            <p:ph type="sldNum" sz="quarter" idx="4"/>
+          </p:nvPr>
+        </p:nvSpPr>
+        <p:spPr>
+          <a:xfrm>
+            <a:off x="7425344" y="6459786"/>
+            <a:ext cx="984019" cy="365125"/>
+          </a:xfrm>
+          <a:prstGeom prst="rect">
+            <a:avLst/>
+          </a:prstGeom>
+        </p:spPr>
+        <p:txBody>
+          <a:bodyPr vert="horz" lIns="91440" tIns="45720" rIns="91440" bIns="45720" rtlCol="0" anchor="ctr"/>
+          <a:lstStyle>
+            <a:lvl1pPr algn="r">
+              <a:defRPr sz="1050">
+                <a:solidFill>
+                  <a:srgbClr val="FFFFFF"/>
+                </a:solidFill>
+              </a:defRPr>
+            </a:lvl1pPr>
+          </a:lstStyle>
+          <a:p>
+            <a:fld id="{4382A7F7-08BF-4252-8141-63FB96055BBB}" type="slidenum">
+              <a:rPr lang="en-US" smtClean="0"/>
+              <a:t>‹#›</a:t>
+            </a:fld>
+            <a:endParaRPr lang="en-US"/>
+          </a:p>
+        </p:txBody>
+      </p:sp>
+      <p:cxnSp>
+        <p:nvCxnSpPr>
+          <p:cNvPr id="10" name="Straight Connector 9"/>
+          <p:cNvCxnSpPr/>
+          <p:nvPr/>
+        </p:nvCxnSpPr>
+        <p:spPr>
+          <a:xfrm flipV="1">
+            <a:off x="227874" y="1335314"/>
+            <a:ext cx="8596811" cy="1"/>
+          </a:xfrm>
+          <a:prstGeom prst="line">
+            <a:avLst/>
+          </a:prstGeom>
+          <a:ln w="6350">
+            <a:solidFill>
+              <a:schemeClr val="tx1">
+                <a:lumMod val="50000"/>
+                <a:lumOff val="50000"/>
+              </a:schemeClr>
+            </a:solidFill>
+          </a:ln>
+        </p:spPr>
+        <p:style>
+          <a:lnRef idx="1">
+            <a:schemeClr val="accent1"/>
+          </a:lnRef>
+          <a:fillRef idx="0">
+            <a:schemeClr val="accent1"/>
+          </a:fillRef>
+          <a:effectRef idx="0">
+            <a:schemeClr val="accent1"/>
+          </a:effectRef>
+          <a:fontRef idx="minor">
+            <a:schemeClr val="tx1"/>
+          </a:fontRef>
+        </p:style>
+      </p:cxnSp>
+      <p:sp>
+        <p:nvSpPr>
+          <p:cNvPr id="11" name="Rectangle 10"/>
+          <p:cNvSpPr/>
+          <p:nvPr/>
+        </p:nvSpPr>
+        <p:spPr>
+          <a:xfrm>
+            <a:off x="4487333" y="6334315"/>
+            <a:ext cx="4656667" cy="92382"/>
+          </a:xfrm>
+          <a:prstGeom prst="rect">
+            <a:avLst/>
+          </a:prstGeom>
+          <a:solidFill>
+            <a:srgbClr val="7030A0"/>
+          </a:solidFill>
+          <a:ln>
+            <a:noFill/>
+          </a:ln>
+        </p:spPr>
+        <p:style>
+          <a:lnRef idx="2">
+            <a:schemeClr val="accent1">
+              <a:shade val="50000"/>
+            </a:schemeClr>
+          </a:lnRef>
+          <a:fillRef idx="1">
+            <a:schemeClr val="accent1"/>
+          </a:fillRef>
+          <a:effectRef idx="0">
+            <a:schemeClr val="accent1"/>
+          </a:effectRef>
+          <a:fontRef idx="minor">
+            <a:schemeClr val="lt1"/>
+          </a:fontRef>
+        </p:style>
+      </p:sp>
+      <p:sp>
+        <p:nvSpPr>
+          <p:cNvPr id="12" name="Rectangle 11"/>
+          <p:cNvSpPr/>
+          <p:nvPr userDrawn="1"/>
+        </p:nvSpPr>
+        <p:spPr>
+          <a:xfrm>
+            <a:off x="4487333" y="6334315"/>
+            <a:ext cx="4656667" cy="92382"/>
+          </a:xfrm>
+          <a:prstGeom prst="rect">
+            <a:avLst/>
+          </a:prstGeom>
+          <a:solidFill>
+            <a:srgbClr val="7030A0"/>
+          </a:solidFill>
+          <a:ln>
+            <a:noFill/>
+          </a:ln>
+        </p:spPr>
+        <p:style>
+          <a:lnRef idx="2">
+            <a:schemeClr val="accent1">
+              <a:shade val="50000"/>
+            </a:schemeClr>
+          </a:lnRef>
+          <a:fillRef idx="1">
+            <a:schemeClr val="accent1"/>
+          </a:fillRef>
+          <a:effectRef idx="0">
+            <a:schemeClr val="accent1"/>
+          </a:effectRef>
+          <a:fontRef idx="minor">
+            <a:schemeClr val="lt1"/>
+          </a:fontRef>
+        </p:style>
+      </p:sp>
+    </p:spTree>
+    <p:extLst>
+      <p:ext uri="{BB962C8B-B14F-4D97-AF65-F5344CB8AC3E}">
+        <p14:creationId xmlns:p14="http://schemas.microsoft.com/office/powerpoint/2010/main" val="1136954523"/>
+      </p:ext>
+    </p:extLst>
+  </p:cSld>
+  <p:clrMap bg1="lt1" tx1="dk1" bg2="lt2" tx2="dk2" accent1="accent1" accent2="accent2" accent3="accent3" accent4="accent4" accent5="accent5" accent6="accent6" hlink="hlink" folHlink="folHlink"/>
+  <p:sldLayoutIdLst>
+    <p:sldLayoutId id="2147483916" r:id="rId1"/>
+    <p:sldLayoutId id="2147483917" r:id="rId2"/>
+    <p:sldLayoutId id="2147483918" r:id="rId3"/>
+    <p:sldLayoutId id="2147483919" r:id="rId4"/>
+    <p:sldLayoutId id="2147483920" r:id="rId5"/>
+    <p:sldLayoutId id="2147483921" r:id="rId6"/>
+    <p:sldLayoutId id="2147483922" r:id="rId7"/>
+    <p:sldLayoutId id="2147483923" r:id="rId8"/>
+    <p:sldLayoutId id="2147483924" r:id="rId9"/>
+    <p:sldLayoutId id="2147483925" r:id="rId10"/>
+    <p:sldLayoutId id="2147483926" r:id="rId11"/>
+  </p:sldLayoutIdLst>
+  <p:hf hdr="0" dt="0"/>
+  <p:txStyles>
+    <p:titleStyle>
+      <a:lvl1pPr algn="l" defTabSz="914400" rtl="0" eaLnBrk="1" latinLnBrk="0" hangingPunct="1">
+        <a:lnSpc>
+          <a:spcPct val="85000"/>
+        </a:lnSpc>
+        <a:spcBef>
+          <a:spcPct val="0"/>
+        </a:spcBef>
+        <a:buNone/>
+        <a:defRPr sz="4800" kern="1200" spc="-50" baseline="0">
+          <a:solidFill>
+            <a:schemeClr val="tx1">
+              <a:lumMod val="75000"/>
+              <a:lumOff val="25000"/>
+            </a:schemeClr>
+          </a:solidFill>
+          <a:latin typeface="+mj-lt"/>
+          <a:ea typeface="+mj-ea"/>
+          <a:cs typeface="+mj-cs"/>
+        </a:defRPr>
+      </a:lvl1pPr>
+    </p:titleStyle>
+    <p:bodyStyle>
+      <a:lvl1pPr marL="91440" indent="-91440" algn="l" defTabSz="914400" rtl="0" eaLnBrk="1" latinLnBrk="0" hangingPunct="1">
+        <a:lnSpc>
+          <a:spcPct val="90000"/>
+        </a:lnSpc>
+        <a:spcBef>
+          <a:spcPts val="1200"/>
+        </a:spcBef>
+        <a:spcAft>
+          <a:spcPts val="200"/>
+        </a:spcAft>
+        <a:buClr>
+          <a:schemeClr val="accent1"/>
+        </a:buClr>
+        <a:buSzPct val="100000"/>
+        <a:buFont typeface="Calibri" panose="020F0502020204030204" pitchFamily="34" charset="0"/>
+        <a:buChar char=" "/>
+        <a:defRPr sz="2000" kern="1200">
+          <a:solidFill>
+            <a:schemeClr val="tx1">
+              <a:lumMod val="75000"/>
+              <a:lumOff val="25000"/>
+            </a:schemeClr>
+          </a:solidFill>
+          <a:latin typeface="+mn-lt"/>
+          <a:ea typeface="+mn-ea"/>
+          <a:cs typeface="+mn-cs"/>
+        </a:defRPr>
+      </a:lvl1pPr>
+      <a:lvl2pPr marL="384048" indent="-182880" algn="l" defTabSz="914400" rtl="0" eaLnBrk="1" latinLnBrk="0" hangingPunct="1">
+        <a:lnSpc>
+          <a:spcPct val="90000"/>
+        </a:lnSpc>
+        <a:spcBef>
+          <a:spcPts val="200"/>
+        </a:spcBef>
+        <a:spcAft>
+          <a:spcPts val="400"/>
+        </a:spcAft>
+        <a:buClr>
+          <a:schemeClr val="accent1"/>
+        </a:buClr>
+        <a:buFont typeface="Calibri" pitchFamily="34" charset="0"/>
+        <a:buChar char="◦"/>
+        <a:defRPr sz="1800" kern="1200">
+          <a:solidFill>
+            <a:schemeClr val="tx1">
+              <a:lumMod val="75000"/>
+              <a:lumOff val="25000"/>
+            </a:schemeClr>
+          </a:solidFill>
+          <a:latin typeface="+mn-lt"/>
+          <a:ea typeface="+mn-ea"/>
+          <a:cs typeface="+mn-cs"/>
+        </a:defRPr>
+      </a:lvl2pPr>
+      <a:lvl3pPr marL="566928" indent="-182880" algn="l" defTabSz="914400" rtl="0" eaLnBrk="1" latinLnBrk="0" hangingPunct="1">
+        <a:lnSpc>
+          <a:spcPct val="90000"/>
+        </a:lnSpc>
+        <a:spcBef>
+          <a:spcPts val="200"/>
+        </a:spcBef>
+        <a:spcAft>
+          <a:spcPts val="400"/>
+        </a:spcAft>
+        <a:buClr>
+          <a:schemeClr val="accent1"/>
+        </a:buClr>
+        <a:buFont typeface="Calibri" pitchFamily="34" charset="0"/>
+        <a:buChar char="◦"/>
+        <a:defRPr sz="1400" kern="1200">
+          <a:solidFill>
+            <a:schemeClr val="tx1">
+              <a:lumMod val="75000"/>
+              <a:lumOff val="25000"/>
+            </a:schemeClr>
+          </a:solidFill>
+          <a:latin typeface="+mn-lt"/>
+          <a:ea typeface="+mn-ea"/>
+          <a:cs typeface="+mn-cs"/>
+        </a:defRPr>
+      </a:lvl3pPr>
+      <a:lvl4pPr marL="749808" indent="-182880" algn="l" defTabSz="914400" rtl="0" eaLnBrk="1" latinLnBrk="0" hangingPunct="1">
+        <a:lnSpc>
+          <a:spcPct val="90000"/>
+        </a:lnSpc>
+        <a:spcBef>
+          <a:spcPts val="200"/>
+        </a:spcBef>
+        <a:spcAft>
+          <a:spcPts val="400"/>
+        </a:spcAft>
+        <a:buClr>
+          <a:schemeClr val="accent1"/>
+        </a:buClr>
+        <a:buFont typeface="Calibri" pitchFamily="34" charset="0"/>
+        <a:buChar char="◦"/>
+        <a:defRPr sz="1400" kern="1200">
+          <a:solidFill>
+            <a:schemeClr val="tx1">
+              <a:lumMod val="75000"/>
+              <a:lumOff val="25000"/>
+            </a:schemeClr>
+          </a:solidFill>
+          <a:latin typeface="+mn-lt"/>
+          <a:ea typeface="+mn-ea"/>
+          <a:cs typeface="+mn-cs"/>
+        </a:defRPr>
+      </a:lvl4pPr>
+      <a:lvl5pPr marL="932688" indent="-182880" algn="l" defTabSz="914400" rtl="0" eaLnBrk="1" latinLnBrk="0" hangingPunct="1">
+        <a:lnSpc>
+          <a:spcPct val="90000"/>
+        </a:lnSpc>
+        <a:spcBef>
+          <a:spcPts val="200"/>
+        </a:spcBef>
+        <a:spcAft>
+          <a:spcPts val="400"/>
+        </a:spcAft>
+        <a:buClr>
+          <a:schemeClr val="accent1"/>
+        </a:buClr>
+        <a:buFont typeface="Calibri" pitchFamily="34" charset="0"/>
+        <a:buChar char="◦"/>
+        <a:defRPr sz="1400" kern="1200">
+          <a:solidFill>
+            <a:schemeClr val="tx1">
+              <a:lumMod val="75000"/>
+              <a:lumOff val="25000"/>
+            </a:schemeClr>
+          </a:solidFill>
+          <a:latin typeface="+mn-lt"/>
+          <a:ea typeface="+mn-ea"/>
+          <a:cs typeface="+mn-cs"/>
+        </a:defRPr>
+      </a:lvl5pPr>
+      <a:lvl6pPr marL="1100000" indent="-228600" algn="l" defTabSz="914400" rtl="0" eaLnBrk="1" latinLnBrk="0" hangingPunct="1">
+        <a:lnSpc>
+          <a:spcPct val="90000"/>
+        </a:lnSpc>
+        <a:spcBef>
+          <a:spcPts val="200"/>
+        </a:spcBef>
+        <a:spcAft>
+          <a:spcPts val="400"/>
+        </a:spcAft>
+        <a:buClr>
+          <a:schemeClr val="accent1"/>
+        </a:buClr>
+        <a:buFont typeface="Calibri" pitchFamily="34" charset="0"/>
+        <a:buChar char="◦"/>
+        <a:defRPr sz="1400" kern="1200">
+          <a:solidFill>
+            <a:schemeClr val="tx1">
+              <a:lumMod val="75000"/>
+              <a:lumOff val="25000"/>
+            </a:schemeClr>
+          </a:solidFill>
+          <a:latin typeface="+mn-lt"/>
+          <a:ea typeface="+mn-ea"/>
+          <a:cs typeface="+mn-cs"/>
+        </a:defRPr>
+      </a:lvl6pPr>
+      <a:lvl7pPr marL="1300000" indent="-228600" algn="l" defTabSz="914400" rtl="0" eaLnBrk="1" latinLnBrk="0" hangingPunct="1">
+        <a:lnSpc>
+          <a:spcPct val="90000"/>
+        </a:lnSpc>
+        <a:spcBef>
+          <a:spcPts val="200"/>
+        </a:spcBef>
+        <a:spcAft>
+          <a:spcPts val="400"/>
+        </a:spcAft>
+        <a:buClr>
+          <a:schemeClr val="accent1"/>
+        </a:buClr>
+        <a:buFont typeface="Calibri" pitchFamily="34" charset="0"/>
+        <a:buChar char="◦"/>
+        <a:defRPr sz="1400" kern="1200">
+          <a:solidFill>
+            <a:schemeClr val="tx1">
+              <a:lumMod val="75000"/>
+              <a:lumOff val="25000"/>
+            </a:schemeClr>
+          </a:solidFill>
+          <a:latin typeface="+mn-lt"/>
+          <a:ea typeface="+mn-ea"/>
+          <a:cs typeface="+mn-cs"/>
+        </a:defRPr>
+      </a:lvl7pPr>
+      <a:lvl8pPr marL="1500000" indent="-228600" algn="l" defTabSz="914400" rtl="0" eaLnBrk="1" latinLnBrk="0" hangingPunct="1">
+        <a:lnSpc>
+          <a:spcPct val="90000"/>
+        </a:lnSpc>
+        <a:spcBef>
+          <a:spcPts val="200"/>
+        </a:spcBef>
+        <a:spcAft>
+          <a:spcPts val="400"/>
+        </a:spcAft>
+        <a:buClr>
+          <a:schemeClr val="accent1"/>
+        </a:buClr>
+        <a:buFont typeface="Calibri" pitchFamily="34" charset="0"/>
+        <a:buChar char="◦"/>
+        <a:defRPr sz="1400" kern="1200">
+          <a:solidFill>
+            <a:schemeClr val="tx1">
+              <a:lumMod val="75000"/>
+              <a:lumOff val="25000"/>
+            </a:schemeClr>
+          </a:solidFill>
+          <a:latin typeface="+mn-lt"/>
+          <a:ea typeface="+mn-ea"/>
+          <a:cs typeface="+mn-cs"/>
+        </a:defRPr>
+      </a:lvl8pPr>
+      <a:lvl9pPr marL="1700000" indent="-228600" algn="l" defTabSz="914400" rtl="0" eaLnBrk="1" latinLnBrk="0" hangingPunct="1">
+        <a:lnSpc>
+          <a:spcPct val="90000"/>
+        </a:lnSpc>
+        <a:spcBef>
+          <a:spcPts val="200"/>
+        </a:spcBef>
+        <a:spcAft>
+          <a:spcPts val="400"/>
+        </a:spcAft>
+        <a:buClr>
+          <a:schemeClr val="accent1"/>
+        </a:buClr>
+        <a:buFont typeface="Calibri" pitchFamily="34" charset="0"/>
+        <a:buChar char="◦"/>
+        <a:defRPr sz="1400" kern="1200">
+          <a:solidFill>
+            <a:schemeClr val="tx1">
+              <a:lumMod val="75000"/>
+              <a:lumOff val="25000"/>
+            </a:schemeClr>
+          </a:solidFill>
+          <a:latin typeface="+mn-lt"/>
+          <a:ea typeface="+mn-ea"/>
+          <a:cs typeface="+mn-cs"/>
+        </a:defRPr>
+      </a:lvl9pPr>
+    </p:bodyStyle>
+    <p:otherStyle>
+      <a:defPPr>
+        <a:defRPr lang="en-US"/>
+      </a:defPPr>
+      <a:lvl1pPr marL="0" algn="l" defTabSz="914400" rtl="0" eaLnBrk="1" latinLnBrk="0" hangingPunct="1">
+        <a:defRPr sz="1800" kern="1200">
+          <a:solidFill>
+            <a:schemeClr val="tx1"/>
+          </a:solidFill>
+          <a:latin typeface="+mn-lt"/>
+          <a:ea typeface="+mn-ea"/>
+          <a:cs typeface="+mn-cs"/>
+        </a:defRPr>
+      </a:lvl1pPr>
+      <a:lvl2pPr marL="457200" algn="l" defTabSz="914400" rtl="0" eaLnBrk="1" latinLnBrk="0" hangingPunct="1">
+        <a:defRPr sz="1800" kern="1200">
+          <a:solidFill>
+            <a:schemeClr val="tx1"/>
+          </a:solidFill>
+          <a:latin typeface="+mn-lt"/>
+          <a:ea typeface="+mn-ea"/>
+          <a:cs typeface="+mn-cs"/>
+        </a:defRPr>
+      </a:lvl2pPr>
+      <a:lvl3pPr marL="914400" algn="l" defTabSz="914400" rtl="0" eaLnBrk="1" latinLnBrk="0" hangingPunct="1">
+        <a:defRPr sz="1800" kern="1200">
+          <a:solidFill>
+            <a:schemeClr val="tx1"/>
+          </a:solidFill>
+          <a:latin typeface="+mn-lt"/>
+          <a:ea typeface="+mn-ea"/>
+          <a:cs typeface="+mn-cs"/>
+        </a:defRPr>
+      </a:lvl3pPr>
+      <a:lvl4pPr marL="1371600" algn="l" defTabSz="914400" rtl="0" eaLnBrk="1" latinLnBrk="0" hangingPunct="1">
+        <a:defRPr sz="1800" kern="1200">
+          <a:solidFill>
+            <a:schemeClr val="tx1"/>
+          </a:solidFill>
+          <a:latin typeface="+mn-lt"/>
+          <a:ea typeface="+mn-ea"/>
+          <a:cs typeface="+mn-cs"/>
+        </a:defRPr>
+      </a:lvl4pPr>
+      <a:lvl5pPr marL="1828800" algn="l" defTabSz="914400" rtl="0" eaLnBrk="1" latinLnBrk="0" hangingPunct="1">
+        <a:defRPr sz="1800" kern="1200">
+          <a:solidFill>
+            <a:schemeClr val="tx1"/>
+          </a:solidFill>
+          <a:latin typeface="+mn-lt"/>
+          <a:ea typeface="+mn-ea"/>
+          <a:cs typeface="+mn-cs"/>
+        </a:defRPr>
+      </a:lvl5pPr>
+      <a:lvl6pPr marL="2286000" algn="l" defTabSz="914400" rtl="0" eaLnBrk="1" latinLnBrk="0" hangingPunct="1">
+        <a:defRPr sz="1800" kern="1200">
+          <a:solidFill>
+            <a:schemeClr val="tx1"/>
+          </a:solidFill>
+          <a:latin typeface="+mn-lt"/>
+          <a:ea typeface="+mn-ea"/>
+          <a:cs typeface="+mn-cs"/>
+        </a:defRPr>
+      </a:lvl6pPr>
+      <a:lvl7pPr marL="2743200" algn="l" defTabSz="914400" rtl="0" eaLnBrk="1" latinLnBrk="0" hangingPunct="1">
+        <a:defRPr sz="1800" kern="1200">
+          <a:solidFill>
+            <a:schemeClr val="tx1"/>
+          </a:solidFill>
+          <a:latin typeface="+mn-lt"/>
+          <a:ea typeface="+mn-ea"/>
+          <a:cs typeface="+mn-cs"/>
+        </a:defRPr>
+      </a:lvl7pPr>
+      <a:lvl8pPr marL="3200400" algn="l" defTabSz="914400" rtl="0" eaLnBrk="1" latinLnBrk="0" hangingPunct="1">
+        <a:defRPr sz="1800" kern="1200">
+          <a:solidFill>
+            <a:schemeClr val="tx1"/>
+          </a:solidFill>
+          <a:latin typeface="+mn-lt"/>
+          <a:ea typeface="+mn-ea"/>
+          <a:cs typeface="+mn-cs"/>
+        </a:defRPr>
+      </a:lvl8pPr>
+      <a:lvl9pPr marL="3657600" algn="l" defTabSz="914400" rtl="0" eaLnBrk="1" latinLnBrk="0" hangingPunct="1">
+        <a:defRPr sz="1800" kern="1200">
+          <a:solidFill>
+            <a:schemeClr val="tx1"/>
+          </a:solidFill>
+          <a:latin typeface="+mn-lt"/>
+          <a:ea typeface="+mn-ea"/>
+          <a:cs typeface="+mn-cs"/>
+        </a:defRPr>
+      </a:lvl9pPr>
+    </p:otherStyle>
+  </p:txStyles>
+</p:sldMaster>
+</file>
+
 <file path=ppt/slides/slide1.xml><?xml version="1.0" encoding="utf-8"?>
 <p:sld xmlns:a="http://schemas.openxmlformats.org/drawingml/2006/main" xmlns:r="http://schemas.openxmlformats.org/officeDocument/2006/relationships" xmlns:p="http://schemas.openxmlformats.org/presentationml/2006/main">
   <p:cSld>
@@ -4759,76 +8633,84 @@
             <p:ph type="ctrTitle"/>
           </p:nvPr>
         </p:nvSpPr>
+        <p:spPr/>
+        <p:txBody>
+          <a:bodyPr/>
+          <a:lstStyle/>
+          <a:p>
+            <a:r>
+              <a:rPr lang="en-US" dirty="0"/>
+              <a:t>LIÇÃO DE PROGRAMAÇÃO INTERMEDIÁRIA</a:t>
+            </a:r>
+          </a:p>
+        </p:txBody>
+      </p:sp>
+      <p:sp>
+        <p:nvSpPr>
+          <p:cNvPr id="3" name="Subtitle 2"/>
+          <p:cNvSpPr>
+            <a:spLocks noGrp="1"/>
+          </p:cNvSpPr>
+          <p:nvPr>
+            <p:ph type="subTitle" idx="1"/>
+          </p:nvPr>
+        </p:nvSpPr>
+        <p:spPr/>
+        <p:txBody>
+          <a:bodyPr>
+            <a:normAutofit fontScale="92500" lnSpcReduction="10000"/>
+          </a:bodyPr>
+          <a:lstStyle/>
+          <a:p>
+            <a:r>
+              <a:rPr lang="en-US" dirty="0"/>
+              <a:t>BOTÕES DO BLOCO COMO SENSORES</a:t>
+            </a:r>
+          </a:p>
+          <a:p>
+            <a:endParaRPr lang="en-US" dirty="0"/>
+          </a:p>
+        </p:txBody>
+      </p:sp>
+      <p:pic>
+        <p:nvPicPr>
+          <p:cNvPr id="6" name="Picture 5"/>
+          <p:cNvPicPr>
+            <a:picLocks noChangeAspect="1"/>
+          </p:cNvPicPr>
+          <p:nvPr/>
+        </p:nvPicPr>
+        <p:blipFill rotWithShape="1">
+          <a:blip r:embed="rId2">
+            <a:extLst>
+              <a:ext uri="{28A0092B-C50C-407E-A947-70E740481C1C}">
+                <a14:useLocalDpi xmlns:a14="http://schemas.microsoft.com/office/drawing/2010/main" val="0"/>
+              </a:ext>
+            </a:extLst>
+          </a:blip>
+          <a:srcRect l="4523" t="17619" r="3095" b="25000"/>
+          <a:stretch/>
+        </p:blipFill>
         <p:spPr>
           <a:xfrm>
-            <a:off x="319765" y="400588"/>
-            <a:ext cx="4857665" cy="2001435"/>
+            <a:off x="3711108" y="4592409"/>
+            <a:ext cx="1700816" cy="1056435"/>
           </a:xfrm>
+          <a:prstGeom prst="rect">
+            <a:avLst/>
+          </a:prstGeom>
         </p:spPr>
-        <p:txBody>
-          <a:bodyPr>
-            <a:normAutofit/>
-          </a:bodyPr>
-          <a:lstStyle/>
-          <a:p>
-            <a:r>
-              <a:rPr lang="en-US" sz="4800" dirty="0" smtClean="0"/>
-              <a:t>LIÇÃO DE PROGRAMAÇÃO INTERMEDIÁRIA</a:t>
-            </a:r>
-            <a:endParaRPr lang="en-US" sz="4800" dirty="0"/>
-          </a:p>
-        </p:txBody>
-      </p:sp>
-      <p:sp>
-        <p:nvSpPr>
-          <p:cNvPr id="4" name="Subtitle 3"/>
-          <p:cNvSpPr>
-            <a:spLocks noGrp="1"/>
-          </p:cNvSpPr>
-          <p:nvPr>
-            <p:ph type="subTitle" idx="1"/>
-          </p:nvPr>
-        </p:nvSpPr>
-        <p:spPr/>
-        <p:txBody>
-          <a:bodyPr>
-            <a:normAutofit lnSpcReduction="10000"/>
-          </a:bodyPr>
-          <a:lstStyle/>
-          <a:p>
-            <a:r>
-              <a:rPr lang="en-US" dirty="0" smtClean="0"/>
-              <a:t>BOTÕES DO BLOCO COMO SENSORES</a:t>
-            </a:r>
-            <a:endParaRPr lang="en-US" dirty="0"/>
-          </a:p>
-        </p:txBody>
-      </p:sp>
+      </p:pic>
     </p:spTree>
     <p:extLst>
       <p:ext uri="{BB962C8B-B14F-4D97-AF65-F5344CB8AC3E}">
-        <p14:creationId xmlns:p14="http://schemas.microsoft.com/office/powerpoint/2010/main" val="1467815087"/>
+        <p14:creationId xmlns:p14="http://schemas.microsoft.com/office/powerpoint/2010/main" val="485177055"/>
       </p:ext>
     </p:extLst>
   </p:cSld>
   <p:clrMapOvr>
     <a:masterClrMapping/>
   </p:clrMapOvr>
-  <mc:AlternateContent xmlns:mc="http://schemas.openxmlformats.org/markup-compatibility/2006" xmlns:p14="http://schemas.microsoft.com/office/powerpoint/2010/main">
-    <mc:Choice Requires="p14">
-      <p:transition spd="slow" p14:dur="2000"/>
-    </mc:Choice>
-    <mc:Fallback xmlns="">
-      <p:transition xmlns:p14="http://schemas.microsoft.com/office/powerpoint/2010/main" spd="slow"/>
-    </mc:Fallback>
-  </mc:AlternateContent>
-  <p:timing>
-    <p:tnLst>
-      <p:par>
-        <p:cTn id="1" dur="indefinite" restart="never" nodeType="tmRoot"/>
-      </p:par>
-    </p:tnLst>
-  </p:timing>
 </p:sld>
 </file>
 
@@ -4951,7 +8833,6 @@
               <a:rPr lang="en-US" dirty="0" smtClean="0"/>
               <a:t>.</a:t>
             </a:r>
-            <a:endParaRPr lang="en-US" dirty="0" smtClean="0"/>
           </a:p>
           <a:p>
             <a:r>
@@ -4970,7 +8851,6 @@
               <a:rPr lang="en-US" dirty="0" smtClean="0"/>
               <a:t> de Display</a:t>
             </a:r>
-            <a:endParaRPr lang="en-US" dirty="0" smtClean="0"/>
           </a:p>
           <a:p>
             <a:endParaRPr lang="en-US" dirty="0"/>
@@ -5530,7 +9410,6 @@
               <a:rPr lang="en-US" dirty="0" smtClean="0"/>
               <a:t> o Sensor de Toque).</a:t>
             </a:r>
-            <a:endParaRPr lang="en-US" dirty="0" smtClean="0"/>
           </a:p>
           <a:p>
             <a:r>
@@ -6004,11 +9883,7 @@
             </a:r>
             <a:r>
               <a:rPr lang="en-US" dirty="0" err="1" smtClean="0"/>
-              <a:t>qu</a:t>
-            </a:r>
-            <a:r>
-              <a:rPr lang="en-US" dirty="0" err="1" smtClean="0"/>
-              <a:t>e</a:t>
+              <a:t>que</a:t>
             </a:r>
             <a:r>
               <a:rPr lang="en-US" dirty="0" smtClean="0"/>
@@ -6376,85 +10251,132 @@
           <a:p>
             <a:r>
               <a:rPr lang="en-US" b="1" dirty="0" smtClean="0"/>
-              <a:t>PASSO </a:t>
-            </a:r>
+              <a:t>PASSO 1: </a:t>
+            </a:r>
+            <a:r>
+              <a:rPr lang="en-US" dirty="0" err="1" smtClean="0"/>
+              <a:t>Ligue</a:t>
+            </a:r>
+            <a:r>
+              <a:rPr lang="en-US" dirty="0" smtClean="0"/>
+              <a:t> o motor no </a:t>
+            </a:r>
+            <a:r>
+              <a:rPr lang="en-US" dirty="0" err="1" smtClean="0"/>
+              <a:t>seu</a:t>
+            </a:r>
+            <a:r>
+              <a:rPr lang="en-US" dirty="0" smtClean="0"/>
+              <a:t> </a:t>
+            </a:r>
+            <a:r>
+              <a:rPr lang="en-US" dirty="0" err="1" smtClean="0"/>
+              <a:t>Bloco</a:t>
+            </a:r>
+            <a:r>
+              <a:rPr lang="en-US" dirty="0" smtClean="0"/>
+              <a:t> de </a:t>
+            </a:r>
+            <a:r>
+              <a:rPr lang="en-US" dirty="0" err="1" smtClean="0"/>
+              <a:t>Direção</a:t>
+            </a:r>
+            <a:r>
+              <a:rPr lang="en-US" dirty="0" smtClean="0"/>
+              <a:t>.</a:t>
+            </a:r>
+          </a:p>
+          <a:p>
             <a:r>
               <a:rPr lang="en-US" b="1" dirty="0" smtClean="0"/>
-              <a:t>1: </a:t>
-            </a:r>
-            <a:r>
-              <a:rPr lang="en-US" dirty="0" err="1" smtClean="0"/>
-              <a:t>Ligue</a:t>
-            </a:r>
-            <a:r>
-              <a:rPr lang="en-US" dirty="0" smtClean="0"/>
-              <a:t> o motor no </a:t>
-            </a:r>
-            <a:r>
-              <a:rPr lang="en-US" dirty="0" err="1" smtClean="0"/>
-              <a:t>seu</a:t>
-            </a:r>
-            <a:r>
-              <a:rPr lang="en-US" dirty="0" smtClean="0"/>
-              <a:t> </a:t>
-            </a:r>
-            <a:r>
-              <a:rPr lang="en-US" dirty="0" err="1" smtClean="0"/>
-              <a:t>Bloco</a:t>
-            </a:r>
-            <a:r>
-              <a:rPr lang="en-US" dirty="0" smtClean="0"/>
-              <a:t> de </a:t>
-            </a:r>
-            <a:r>
-              <a:rPr lang="en-US" dirty="0" err="1" smtClean="0"/>
-              <a:t>Direção</a:t>
-            </a:r>
-            <a:r>
-              <a:rPr lang="en-US" dirty="0" smtClean="0"/>
-              <a:t>.</a:t>
-            </a:r>
+              <a:t>PASSO 2: </a:t>
+            </a:r>
+            <a:r>
+              <a:rPr lang="en-US" dirty="0" err="1" smtClean="0"/>
+              <a:t>Adicione</a:t>
+            </a:r>
+            <a:r>
+              <a:rPr lang="en-US" dirty="0" smtClean="0"/>
+              <a:t> um “</a:t>
+            </a:r>
+            <a:r>
+              <a:rPr lang="en-US" dirty="0" err="1" smtClean="0"/>
+              <a:t>Espere</a:t>
+            </a:r>
+            <a:r>
+              <a:rPr lang="en-US" dirty="0" smtClean="0"/>
+              <a:t> </a:t>
+            </a:r>
+            <a:r>
+              <a:rPr lang="en-US" dirty="0" err="1" smtClean="0"/>
+              <a:t>ao</a:t>
+            </a:r>
+            <a:r>
+              <a:rPr lang="en-US" dirty="0" smtClean="0"/>
+              <a:t> </a:t>
+            </a:r>
+            <a:r>
+              <a:rPr lang="en-US" dirty="0" err="1" smtClean="0"/>
+              <a:t>Pressioanr</a:t>
+            </a:r>
+            <a:r>
+              <a:rPr lang="en-US" dirty="0" smtClean="0"/>
+              <a:t> o </a:t>
+            </a:r>
+            <a:r>
+              <a:rPr lang="en-US" dirty="0" err="1" smtClean="0"/>
+              <a:t>botão</a:t>
+            </a:r>
+            <a:r>
+              <a:rPr lang="en-US" dirty="0" smtClean="0"/>
+              <a:t>” (</a:t>
+            </a:r>
+            <a:r>
+              <a:rPr lang="en-US" dirty="0" err="1" smtClean="0"/>
+              <a:t>Botão</a:t>
+            </a:r>
+            <a:r>
+              <a:rPr lang="en-US" dirty="0" smtClean="0"/>
+              <a:t> do </a:t>
+            </a:r>
+            <a:r>
+              <a:rPr lang="en-US" dirty="0" err="1" smtClean="0"/>
+              <a:t>Meio</a:t>
+            </a:r>
+            <a:r>
+              <a:rPr lang="en-US" dirty="0" smtClean="0"/>
+              <a:t>).</a:t>
+            </a:r>
+            <a:endParaRPr lang="en-US" dirty="0"/>
           </a:p>
           <a:p>
             <a:r>
               <a:rPr lang="en-US" b="1" dirty="0" smtClean="0"/>
-              <a:t>PASSO</a:t>
-            </a:r>
-            <a:r>
-              <a:rPr lang="en-US" b="1" dirty="0" smtClean="0"/>
-              <a:t> </a:t>
-            </a:r>
-            <a:r>
-              <a:rPr lang="en-US" b="1" dirty="0" smtClean="0"/>
-              <a:t>2: </a:t>
-            </a:r>
-            <a:r>
-              <a:rPr lang="en-US" dirty="0" err="1" smtClean="0"/>
-              <a:t>Adicione</a:t>
-            </a:r>
-            <a:r>
-              <a:rPr lang="en-US" dirty="0" smtClean="0"/>
-              <a:t> um “</a:t>
-            </a:r>
-            <a:r>
-              <a:rPr lang="en-US" dirty="0" err="1" smtClean="0"/>
-              <a:t>Espere</a:t>
-            </a:r>
-            <a:r>
-              <a:rPr lang="en-US" dirty="0" smtClean="0"/>
-              <a:t> </a:t>
-            </a:r>
-            <a:r>
-              <a:rPr lang="en-US" dirty="0" err="1" smtClean="0"/>
-              <a:t>ao</a:t>
-            </a:r>
-            <a:r>
-              <a:rPr lang="en-US" dirty="0" smtClean="0"/>
-              <a:t> </a:t>
-            </a:r>
-            <a:r>
-              <a:rPr lang="en-US" dirty="0" err="1" smtClean="0"/>
-              <a:t>Pressioanr</a:t>
+              <a:t>PASSO 3: </a:t>
+            </a:r>
+            <a:r>
+              <a:rPr lang="en-US" dirty="0" smtClean="0"/>
+              <a:t>Pare </a:t>
+            </a:r>
+            <a:r>
+              <a:rPr lang="en-US" dirty="0" err="1" smtClean="0"/>
+              <a:t>os</a:t>
+            </a:r>
+            <a:r>
+              <a:rPr lang="en-US" dirty="0" smtClean="0"/>
+              <a:t> </a:t>
+            </a:r>
+            <a:r>
+              <a:rPr lang="en-US" dirty="0" err="1" smtClean="0"/>
+              <a:t>motores</a:t>
+            </a:r>
+            <a:r>
+              <a:rPr lang="en-US" dirty="0" smtClean="0"/>
+              <a:t> </a:t>
+            </a:r>
+            <a:r>
+              <a:rPr lang="en-US" dirty="0" err="1" smtClean="0"/>
+              <a:t>após</a:t>
             </a:r>
             <a:r>
               <a:rPr lang="en-US" dirty="0" smtClean="0"/>
@@ -6466,69 +10388,6 @@
             </a:r>
             <a:r>
               <a:rPr lang="en-US" dirty="0" smtClean="0"/>
-              <a:t>” (</a:t>
-            </a:r>
-            <a:r>
-              <a:rPr lang="en-US" dirty="0" err="1" smtClean="0"/>
-              <a:t>Botão</a:t>
-            </a:r>
-            <a:r>
-              <a:rPr lang="en-US" dirty="0" smtClean="0"/>
-              <a:t> do </a:t>
-            </a:r>
-            <a:r>
-              <a:rPr lang="en-US" dirty="0" err="1" smtClean="0"/>
-              <a:t>Meio</a:t>
-            </a:r>
-            <a:r>
-              <a:rPr lang="en-US" dirty="0" smtClean="0"/>
-              <a:t>).</a:t>
-            </a:r>
-            <a:endParaRPr lang="en-US" dirty="0"/>
-          </a:p>
-          <a:p>
-            <a:r>
-              <a:rPr lang="en-US" b="1" dirty="0" smtClean="0"/>
-              <a:t>PASSO 3</a:t>
-            </a:r>
-            <a:r>
-              <a:rPr lang="en-US" b="1" dirty="0" smtClean="0"/>
-              <a:t>: </a:t>
-            </a:r>
-            <a:r>
-              <a:rPr lang="en-US" dirty="0" smtClean="0"/>
-              <a:t>Pare </a:t>
-            </a:r>
-            <a:r>
-              <a:rPr lang="en-US" dirty="0" err="1" smtClean="0"/>
-              <a:t>os</a:t>
-            </a:r>
-            <a:r>
-              <a:rPr lang="en-US" dirty="0" smtClean="0"/>
-              <a:t> </a:t>
-            </a:r>
-            <a:r>
-              <a:rPr lang="en-US" dirty="0" err="1" smtClean="0"/>
-              <a:t>motores</a:t>
-            </a:r>
-            <a:r>
-              <a:rPr lang="en-US" dirty="0" smtClean="0"/>
-              <a:t> </a:t>
-            </a:r>
-            <a:r>
-              <a:rPr lang="en-US" dirty="0" err="1" smtClean="0"/>
-              <a:t>após</a:t>
-            </a:r>
-            <a:r>
-              <a:rPr lang="en-US" dirty="0" smtClean="0"/>
-              <a:t> o </a:t>
-            </a:r>
-            <a:r>
-              <a:rPr lang="en-US" dirty="0" err="1" smtClean="0"/>
-              <a:t>botão</a:t>
-            </a:r>
-            <a:r>
-              <a:rPr lang="en-US" dirty="0" smtClean="0"/>
               <a:t> </a:t>
             </a:r>
             <a:r>
@@ -6547,7 +10406,6 @@
               <a:rPr lang="en-US" dirty="0" smtClean="0"/>
               <a:t>. </a:t>
             </a:r>
-            <a:endParaRPr lang="en-US" dirty="0" smtClean="0"/>
           </a:p>
         </p:txBody>
       </p:sp>
@@ -6984,11 +10842,7 @@
             </a:r>
             <a:r>
               <a:rPr lang="en-US" dirty="0" smtClean="0"/>
-              <a:t>.</a:t>
-            </a:r>
-            <a:r>
-              <a:rPr lang="en-US" dirty="0" smtClean="0"/>
-              <a:t> As </a:t>
+              <a:t>. As </a:t>
             </a:r>
             <a:r>
               <a:rPr lang="en-US" dirty="0" err="1" smtClean="0"/>
@@ -7086,7 +10940,6 @@
               <a:rPr lang="en-US" dirty="0" smtClean="0"/>
               <a:t>. –</a:t>
             </a:r>
-            <a:endParaRPr lang="en-US" dirty="0" smtClean="0"/>
           </a:p>
         </p:txBody>
       </p:sp>
@@ -7160,15 +11013,7 @@
           <a:p>
             <a:r>
               <a:rPr lang="en-US" dirty="0" smtClean="0"/>
-              <a:t>PASSO </a:t>
-            </a:r>
-            <a:r>
-              <a:rPr lang="en-US" dirty="0" smtClean="0"/>
-              <a:t>1: </a:t>
-            </a:r>
-            <a:r>
-              <a:rPr lang="en-US" dirty="0" smtClean="0"/>
-              <a:t>Use </a:t>
+              <a:t>PASSO 1: Use </a:t>
             </a:r>
             <a:r>
               <a:rPr lang="en-US" dirty="0" err="1" smtClean="0"/>
@@ -7262,15 +11107,7 @@
           <a:p>
             <a:r>
               <a:rPr lang="en-US" dirty="0" smtClean="0"/>
-              <a:t>PASSO </a:t>
-            </a:r>
-            <a:r>
-              <a:rPr lang="en-US" dirty="0" smtClean="0"/>
-              <a:t>2</a:t>
-            </a:r>
-            <a:r>
-              <a:rPr lang="en-US" dirty="0" smtClean="0"/>
-              <a:t>: </a:t>
+              <a:t>PASSO 2: </a:t>
             </a:r>
             <a:r>
               <a:rPr lang="en-US" dirty="0" err="1" smtClean="0"/>
@@ -7316,15 +11153,7 @@
           <a:p>
             <a:r>
               <a:rPr lang="en-US" dirty="0" smtClean="0"/>
-              <a:t>PASSO</a:t>
-            </a:r>
-            <a:r>
-              <a:rPr lang="en-US" dirty="0" smtClean="0"/>
-              <a:t> </a:t>
-            </a:r>
-            <a:r>
-              <a:rPr lang="en-US" dirty="0" smtClean="0"/>
-              <a:t>3: </a:t>
+              <a:t>PASSO 3: </a:t>
             </a:r>
             <a:r>
               <a:rPr lang="en-US" dirty="0" err="1" smtClean="0"/>
@@ -7454,23 +11283,14 @@
               <a:rPr lang="en-US" dirty="0" smtClean="0"/>
               <a:t> – </a:t>
             </a:r>
+          </a:p>
+          <a:p>
             <a:endParaRPr lang="en-US" dirty="0" smtClean="0"/>
           </a:p>
           <a:p>
-            <a:endParaRPr lang="en-US" dirty="0" smtClean="0"/>
-          </a:p>
-          <a:p>
-            <a:r>
-              <a:rPr lang="en-US" dirty="0" smtClean="0"/>
-              <a:t>PASSO</a:t>
-            </a:r>
-            <a:r>
-              <a:rPr lang="en-US" dirty="0" smtClean="0"/>
-              <a:t> </a:t>
-            </a:r>
-            <a:r>
-              <a:rPr lang="en-US" dirty="0" smtClean="0"/>
-              <a:t>4: </a:t>
+            <a:r>
+              <a:rPr lang="en-US" dirty="0" smtClean="0"/>
+              <a:t>PASSO 4: </a:t>
             </a:r>
             <a:r>
               <a:rPr lang="en-US" dirty="0" err="1" smtClean="0"/>
@@ -7498,11 +11318,7 @@
             </a:r>
             <a:r>
               <a:rPr lang="en-US" dirty="0" err="1" smtClean="0"/>
-              <a:t>bloco</a:t>
-            </a:r>
-            <a:r>
-              <a:rPr lang="en-US" dirty="0" err="1" smtClean="0"/>
-              <a:t>s</a:t>
+              <a:t>blocos</a:t>
             </a:r>
             <a:r>
               <a:rPr lang="en-US" dirty="0" smtClean="0"/>
@@ -7836,11 +11652,7 @@
             </a:r>
             <a:r>
               <a:rPr lang="en-US" dirty="0" smtClean="0"/>
-              <a:t>um valor de sensor)</a:t>
-            </a:r>
-            <a:r>
-              <a:rPr lang="en-US" dirty="0" smtClean="0"/>
-              <a:t>, O loop </a:t>
+              <a:t>um valor de sensor), O loop </a:t>
             </a:r>
             <a:r>
               <a:rPr lang="en-US" dirty="0" err="1" smtClean="0"/>
@@ -8061,44 +11873,9 @@
             </a:r>
             <a:r>
               <a:rPr lang="en-US" dirty="0" smtClean="0"/>
-              <a:t> Sanjay </a:t>
-            </a:r>
-            <a:r>
-              <a:rPr lang="en-US" dirty="0" err="1" smtClean="0"/>
-              <a:t>Seshan</a:t>
-            </a:r>
-            <a:r>
-              <a:rPr lang="en-US" dirty="0" smtClean="0"/>
-              <a:t> </a:t>
-            </a:r>
-            <a:r>
-              <a:rPr lang="en-US" dirty="0" smtClean="0"/>
-              <a:t>e </a:t>
-            </a:r>
-            <a:r>
-              <a:rPr lang="en-US" dirty="0" err="1" smtClean="0"/>
-              <a:t>Arvind</a:t>
-            </a:r>
-            <a:r>
-              <a:rPr lang="en-US" dirty="0" smtClean="0"/>
-              <a:t> </a:t>
-            </a:r>
-            <a:r>
-              <a:rPr lang="en-US" dirty="0" err="1" smtClean="0"/>
-              <a:t>Seshan</a:t>
-            </a:r>
-            <a:r>
-              <a:rPr lang="en-US" dirty="0" smtClean="0"/>
-              <a:t> </a:t>
-            </a:r>
-            <a:r>
-              <a:rPr lang="en-US" dirty="0" smtClean="0"/>
-              <a:t>da </a:t>
-            </a:r>
-            <a:r>
-              <a:rPr lang="en-US" dirty="0" smtClean="0"/>
-              <a:t>Droids Robotics.</a:t>
-            </a:r>
+              <a:t> Sanjay Seshan e Arvind Seshan </a:t>
+            </a:r>
+            <a:endParaRPr lang="en-US" dirty="0" smtClean="0"/>
           </a:p>
           <a:p>
             <a:r>
@@ -8177,24 +11954,6 @@
             <a:endParaRPr lang="en-US" dirty="0" smtClean="0"/>
           </a:p>
           <a:p>
-            <a:r>
-              <a:rPr lang="en-US" dirty="0" smtClean="0"/>
-              <a:t>Email dos </a:t>
-            </a:r>
-            <a:r>
-              <a:rPr lang="en-US" dirty="0" err="1" smtClean="0"/>
-              <a:t>autores</a:t>
-            </a:r>
-            <a:r>
-              <a:rPr lang="en-US" dirty="0" smtClean="0"/>
-              <a:t>: </a:t>
-            </a:r>
-            <a:r>
-              <a:rPr lang="en-US" dirty="0" smtClean="0">
-                <a:hlinkClick r:id="rId4"/>
-              </a:rPr>
-              <a:t>team@droidsrobotics.org</a:t>
-            </a:r>
             <a:r>
               <a:rPr lang="en-US" dirty="0" smtClean="0"/>
               <a:t/>
@@ -8634,7 +12393,7 @@
                 </a:solidFill>
                 <a:effectLst/>
                 <a:latin typeface="Helvetica Neue"/>
-                <a:hlinkClick r:id="rId5"/>
+                <a:hlinkClick r:id="rId4"/>
               </a:rPr>
               <a:t>Creative Commons Attribution-</a:t>
             </a:r>
@@ -8648,7 +12407,7 @@
                 </a:solidFill>
                 <a:effectLst/>
                 <a:latin typeface="Helvetica Neue"/>
-                <a:hlinkClick r:id="rId5"/>
+                <a:hlinkClick r:id="rId4"/>
               </a:rPr>
               <a:t>NonCommercial</a:t>
             </a:r>
@@ -8662,7 +12421,7 @@
                 </a:solidFill>
                 <a:effectLst/>
                 <a:latin typeface="Helvetica Neue"/>
-                <a:hlinkClick r:id="rId5"/>
+                <a:hlinkClick r:id="rId4"/>
               </a:rPr>
               <a:t>-</a:t>
             </a:r>
@@ -8676,7 +12435,7 @@
                 </a:solidFill>
                 <a:effectLst/>
                 <a:latin typeface="Helvetica Neue"/>
-                <a:hlinkClick r:id="rId5"/>
+                <a:hlinkClick r:id="rId4"/>
               </a:rPr>
               <a:t>ShareAlike</a:t>
             </a:r>
@@ -8690,7 +12449,7 @@
                 </a:solidFill>
                 <a:effectLst/>
                 <a:latin typeface="Helvetica Neue"/>
-                <a:hlinkClick r:id="rId5"/>
+                <a:hlinkClick r:id="rId4"/>
               </a:rPr>
               <a:t> 4.0 International License</a:t>
             </a:r>
@@ -8735,7 +12494,7 @@
       <p:pic>
         <p:nvPicPr>
           <p:cNvPr id="2050" name="Picture 2" descr="Creative Commons License">
-            <a:hlinkClick r:id="rId5"/>
+            <a:hlinkClick r:id="rId4"/>
           </p:cNvPr>
           <p:cNvPicPr>
             <a:picLocks noChangeAspect="1" noChangeArrowheads="1"/>
@@ -8743,7 +12502,7 @@
           <p:nvPr/>
         </p:nvPicPr>
         <p:blipFill>
-          <a:blip r:embed="rId6">
+          <a:blip r:embed="rId5">
             <a:extLst>
               <a:ext uri="{28A0092B-C50C-407E-A947-70E740481C1C}">
                 <a14:useLocalDpi xmlns:a14="http://schemas.microsoft.com/office/drawing/2010/main" val="0"/>
@@ -9072,16 +12831,16 @@
   <a:extraClrSchemeLst/>
   <a:extLst>
     <a:ext uri="{05A4C25C-085E-4340-85A3-A5531E510DB2}">
-      <thm15:themeFamily xmlns:thm15="http://schemas.microsoft.com/office/thememl/2012/main" xmlns="" name="Retrospect" id="{5F128B03-DCCA-4EEB-AB3B-CF2899314A46}" vid="{3F1AAB62-24C6-49D2-8E01-B56FAC9A3DCD}"/>
+      <thm15:themeFamily xmlns:thm15="http://schemas.microsoft.com/office/thememl/2012/main" name="Retrospect" id="{5F128B03-DCCA-4EEB-AB3B-CF2899314A46}" vid="{3F1AAB62-24C6-49D2-8E01-B56FAC9A3DCD}"/>
     </a:ext>
   </a:extLst>
 </a:theme>
 </file>
 
 <file path=ppt/theme/theme2.xml><?xml version="1.0" encoding="utf-8"?>
-<a:theme xmlns:a="http://schemas.openxmlformats.org/drawingml/2006/main" name="Office Theme">
+<a:theme xmlns:a="http://schemas.openxmlformats.org/drawingml/2006/main" name="intermediatev2">
   <a:themeElements>
-    <a:clrScheme name="Office">
+    <a:clrScheme name="Blue II">
       <a:dk1>
         <a:sysClr val="windowText" lastClr="000000"/>
       </a:dk1>
@@ -9089,39 +12848,39 @@
         <a:sysClr val="window" lastClr="FFFFFF"/>
       </a:lt1>
       <a:dk2>
-        <a:srgbClr val="1F497D"/>
+        <a:srgbClr val="335B74"/>
       </a:dk2>
       <a:lt2>
-        <a:srgbClr val="EEECE1"/>
+        <a:srgbClr val="DFE3E5"/>
       </a:lt2>
       <a:accent1>
-        <a:srgbClr val="4F81BD"/>
+        <a:srgbClr val="1CADE4"/>
       </a:accent1>
       <a:accent2>
-        <a:srgbClr val="C0504D"/>
+        <a:srgbClr val="2683C6"/>
       </a:accent2>
       <a:accent3>
-        <a:srgbClr val="9BBB59"/>
+        <a:srgbClr val="27CED7"/>
       </a:accent3>
       <a:accent4>
-        <a:srgbClr val="8064A2"/>
+        <a:srgbClr val="42BA97"/>
       </a:accent4>
       <a:accent5>
-        <a:srgbClr val="4BACC6"/>
+        <a:srgbClr val="3E8853"/>
       </a:accent5>
       <a:accent6>
-        <a:srgbClr val="F79646"/>
+        <a:srgbClr val="62A39F"/>
       </a:accent6>
       <a:hlink>
-        <a:srgbClr val="0000FF"/>
+        <a:srgbClr val="6EAC1C"/>
       </a:hlink>
       <a:folHlink>
-        <a:srgbClr val="800080"/>
+        <a:srgbClr val="B26B02"/>
       </a:folHlink>
     </a:clrScheme>
-    <a:fontScheme name="Office">
+    <a:fontScheme name="Retrospect">
       <a:majorFont>
-        <a:latin typeface="Calibri"/>
+        <a:latin typeface="Calibri Light" panose="020F0302020204030204"/>
         <a:ea typeface=""/>
         <a:cs typeface=""/>
         <a:font script="Jpan" typeface="ＭＳ Ｐゴシック"/>
@@ -9156,7 +12915,7 @@
         <a:font script="Geor" typeface="Sylfaen"/>
       </a:majorFont>
       <a:minorFont>
-        <a:latin typeface="Calibri"/>
+        <a:latin typeface="Calibri" panose="020F0502020204030204"/>
         <a:ea typeface=""/>
         <a:cs typeface=""/>
         <a:font script="Jpan" typeface="ＭＳ Ｐゴシック"/>
@@ -9191,7 +12950,7 @@
         <a:font script="Geor" typeface="Sylfaen"/>
       </a:minorFont>
     </a:fontScheme>
-    <a:fmtScheme name="Office">
+    <a:fmtScheme name="Retrospect">
       <a:fillStyleLst>
         <a:solidFill>
           <a:schemeClr val="phClr"/>
@@ -9200,52 +12959,73 @@
           <a:gsLst>
             <a:gs pos="0">
               <a:schemeClr val="phClr">
-                <a:tint val="50000"/>
-                <a:satMod val="300000"/>
+                <a:tint val="65000"/>
+                <a:shade val="92000"/>
+                <a:satMod val="130000"/>
               </a:schemeClr>
             </a:gs>
-            <a:gs pos="35000">
+            <a:gs pos="45000">
               <a:schemeClr val="phClr">
-                <a:tint val="37000"/>
-                <a:satMod val="300000"/>
+                <a:tint val="60000"/>
+                <a:shade val="99000"/>
+                <a:satMod val="120000"/>
               </a:schemeClr>
             </a:gs>
             <a:gs pos="100000">
               <a:schemeClr val="phClr">
-                <a:tint val="15000"/>
-                <a:satMod val="350000"/>
+                <a:tint val="55000"/>
+                <a:satMod val="140000"/>
               </a:schemeClr>
             </a:gs>
           </a:gsLst>
-          <a:lin ang="16200000" scaled="1"/>
+          <a:path path="circle">
+            <a:fillToRect l="100000" t="100000" r="100000" b="100000"/>
+          </a:path>
         </a:gradFill>
         <a:gradFill rotWithShape="1">
           <a:gsLst>
             <a:gs pos="0">
               <a:schemeClr val="phClr">
+                <a:shade val="85000"/>
+                <a:satMod val="130000"/>
+              </a:schemeClr>
+            </a:gs>
+            <a:gs pos="34000">
+              <a:schemeClr val="phClr">
+                <a:shade val="87000"/>
+                <a:satMod val="125000"/>
+              </a:schemeClr>
+            </a:gs>
+            <a:gs pos="70000">
+              <a:schemeClr val="phClr">
                 <a:tint val="100000"/>
-                <a:shade val="100000"/>
+                <a:shade val="90000"/>
                 <a:satMod val="130000"/>
               </a:schemeClr>
             </a:gs>
             <a:gs pos="100000">
               <a:schemeClr val="phClr">
-                <a:tint val="50000"/>
+                <a:tint val="100000"/>
                 <a:shade val="100000"/>
-                <a:satMod val="350000"/>
+                <a:satMod val="110000"/>
               </a:schemeClr>
             </a:gs>
           </a:gsLst>
-          <a:lin ang="16200000" scaled="0"/>
+          <a:path path="circle">
+            <a:fillToRect l="100000" t="100000" r="100000" b="100000"/>
+          </a:path>
         </a:gradFill>
       </a:fillStyleLst>
       <a:lnStyleLst>
-        <a:ln w="9525" cap="flat" cmpd="sng" algn="ctr">
+        <a:ln w="12700" cap="flat" cmpd="sng" algn="ctr">
           <a:solidFill>
-            <a:schemeClr val="phClr">
-              <a:shade val="95000"/>
-              <a:satMod val="105000"/>
-            </a:schemeClr>
+            <a:schemeClr val="phClr"/>
+          </a:solidFill>
+          <a:prstDash val="solid"/>
+        </a:ln>
+        <a:ln w="15875" cap="flat" cmpd="sng" algn="ctr">
+          <a:solidFill>
+            <a:schemeClr val="phClr"/>
           </a:solidFill>
           <a:prstDash val="solid"/>
         </a:ln>
@@ -9255,37 +13035,25 @@
           </a:solidFill>
           <a:prstDash val="solid"/>
         </a:ln>
-        <a:ln w="38100" cap="flat" cmpd="sng" algn="ctr">
-          <a:solidFill>
-            <a:schemeClr val="phClr"/>
-          </a:solidFill>
-          <a:prstDash val="solid"/>
-        </a:ln>
       </a:lnStyleLst>
       <a:effectStyleLst>
         <a:effectStyle>
+          <a:effectLst/>
+        </a:effectStyle>
+        <a:effectStyle>
           <a:effectLst>
-            <a:outerShdw blurRad="40000" dist="20000" dir="5400000" rotWithShape="0">
+            <a:outerShdw blurRad="38100" dist="25400" dir="2700000" algn="br" rotWithShape="0">
               <a:srgbClr val="000000">
-                <a:alpha val="38000"/>
+                <a:alpha val="60000"/>
               </a:srgbClr>
             </a:outerShdw>
           </a:effectLst>
         </a:effectStyle>
         <a:effectStyle>
           <a:effectLst>
-            <a:outerShdw blurRad="40000" dist="23000" dir="5400000" rotWithShape="0">
+            <a:outerShdw blurRad="44450" dist="25400" dir="2700000" algn="br" rotWithShape="0">
               <a:srgbClr val="000000">
-                <a:alpha val="35000"/>
-              </a:srgbClr>
-            </a:outerShdw>
-          </a:effectLst>
-        </a:effectStyle>
-        <a:effectStyle>
-          <a:effectLst>
-            <a:outerShdw blurRad="40000" dist="23000" dir="5400000" rotWithShape="0">
-              <a:srgbClr val="000000">
-                <a:alpha val="35000"/>
+                <a:alpha val="60000"/>
               </a:srgbClr>
             </a:outerShdw>
           </a:effectLst>
@@ -9294,11 +13062,11 @@
               <a:rot lat="0" lon="0" rev="0"/>
             </a:camera>
             <a:lightRig rig="threePt" dir="t">
-              <a:rot lat="0" lon="0" rev="1200000"/>
+              <a:rot lat="0" lon="0" rev="19800000"/>
             </a:lightRig>
           </a:scene3d>
-          <a:sp3d>
-            <a:bevelT w="63500" h="25400"/>
+          <a:sp3d prstMaterial="flat">
+            <a:bevelT w="25400" h="31750"/>
           </a:sp3d>
         </a:effectStyle>
       </a:effectStyleLst>
@@ -9306,95 +13074,49 @@
         <a:solidFill>
           <a:schemeClr val="phClr"/>
         </a:solidFill>
+        <a:solidFill>
+          <a:schemeClr val="phClr">
+            <a:tint val="90000"/>
+            <a:shade val="97000"/>
+            <a:satMod val="130000"/>
+          </a:schemeClr>
+        </a:solidFill>
         <a:gradFill rotWithShape="1">
           <a:gsLst>
             <a:gs pos="0">
               <a:schemeClr val="phClr">
-                <a:tint val="40000"/>
-                <a:satMod val="350000"/>
+                <a:tint val="96000"/>
+                <a:shade val="99000"/>
+                <a:satMod val="140000"/>
               </a:schemeClr>
             </a:gs>
-            <a:gs pos="40000">
+            <a:gs pos="65000">
               <a:schemeClr val="phClr">
-                <a:tint val="45000"/>
-                <a:shade val="99000"/>
-                <a:satMod val="350000"/>
+                <a:tint val="100000"/>
+                <a:shade val="80000"/>
+                <a:satMod val="130000"/>
               </a:schemeClr>
             </a:gs>
             <a:gs pos="100000">
               <a:schemeClr val="phClr">
-                <a:shade val="20000"/>
-                <a:satMod val="255000"/>
+                <a:tint val="100000"/>
+                <a:shade val="48000"/>
+                <a:satMod val="120000"/>
               </a:schemeClr>
             </a:gs>
           </a:gsLst>
-          <a:path path="circle">
-            <a:fillToRect l="50000" t="-80000" r="50000" b="180000"/>
-          </a:path>
-        </a:gradFill>
-        <a:gradFill rotWithShape="1">
-          <a:gsLst>
-            <a:gs pos="0">
-              <a:schemeClr val="phClr">
-                <a:tint val="80000"/>
-                <a:satMod val="300000"/>
-              </a:schemeClr>
-            </a:gs>
-            <a:gs pos="100000">
-              <a:schemeClr val="phClr">
-                <a:shade val="30000"/>
-                <a:satMod val="200000"/>
-              </a:schemeClr>
-            </a:gs>
-          </a:gsLst>
-          <a:path path="circle">
-            <a:fillToRect l="50000" t="50000" r="50000" b="50000"/>
-          </a:path>
+          <a:lin ang="16200000" scaled="0"/>
         </a:gradFill>
       </a:bgFillStyleLst>
     </a:fmtScheme>
   </a:themeElements>
-  <a:objectDefaults>
-    <a:spDef>
-      <a:spPr/>
-      <a:bodyPr/>
-      <a:lstStyle/>
-      <a:style>
-        <a:lnRef idx="1">
-          <a:schemeClr val="accent1"/>
-        </a:lnRef>
-        <a:fillRef idx="3">
-          <a:schemeClr val="accent1"/>
-        </a:fillRef>
-        <a:effectRef idx="2">
-          <a:schemeClr val="accent1"/>
-        </a:effectRef>
-        <a:fontRef idx="minor">
-          <a:schemeClr val="lt1"/>
-        </a:fontRef>
-      </a:style>
-    </a:spDef>
-    <a:lnDef>
-      <a:spPr/>
-      <a:bodyPr/>
-      <a:lstStyle/>
-      <a:style>
-        <a:lnRef idx="2">
-          <a:schemeClr val="accent1"/>
-        </a:lnRef>
-        <a:fillRef idx="0">
-          <a:schemeClr val="accent1"/>
-        </a:fillRef>
-        <a:effectRef idx="1">
-          <a:schemeClr val="accent1"/>
-        </a:effectRef>
-        <a:fontRef idx="minor">
-          <a:schemeClr val="tx1"/>
-        </a:fontRef>
-      </a:style>
-    </a:lnDef>
-  </a:objectDefaults>
+  <a:objectDefaults/>
   <a:extraClrSchemeLst/>
+  <a:extLst>
+    <a:ext uri="{05A4C25C-085E-4340-85A3-A5531E510DB2}">
+      <thm15:themeFamily xmlns:thm15="http://schemas.microsoft.com/office/thememl/2012/main" name="intermediatev2" id="{63F5E447-E8B5-4335-8726-12777BA731C5}" vid="{7C754D33-5435-4000-AB94-F54A58B2A981}"/>
+    </a:ext>
+  </a:extLst>
 </a:theme>
 </file>
 
@@ -9716,4 +13438,324 @@
   </a:objectDefaults>
   <a:extraClrSchemeLst/>
 </a:theme>
+</file>
+
+<file path=ppt/theme/theme4.xml><?xml version="1.0" encoding="utf-8"?>
+<a:theme xmlns:a="http://schemas.openxmlformats.org/drawingml/2006/main" name="Office Theme">
+  <a:themeElements>
+    <a:clrScheme name="Office">
+      <a:dk1>
+        <a:sysClr val="windowText" lastClr="000000"/>
+      </a:dk1>
+      <a:lt1>
+        <a:sysClr val="window" lastClr="FFFFFF"/>
+      </a:lt1>
+      <a:dk2>
+        <a:srgbClr val="1F497D"/>
+      </a:dk2>
+      <a:lt2>
+        <a:srgbClr val="EEECE1"/>
+      </a:lt2>
+      <a:accent1>
+        <a:srgbClr val="4F81BD"/>
+      </a:accent1>
+      <a:accent2>
+        <a:srgbClr val="C0504D"/>
+      </a:accent2>
+      <a:accent3>
+        <a:srgbClr val="9BBB59"/>
+      </a:accent3>
+      <a:accent4>
+        <a:srgbClr val="8064A2"/>
+      </a:accent4>
+      <a:accent5>
+        <a:srgbClr val="4BACC6"/>
+      </a:accent5>
+      <a:accent6>
+        <a:srgbClr val="F79646"/>
+      </a:accent6>
+      <a:hlink>
+        <a:srgbClr val="0000FF"/>
+      </a:hlink>
+      <a:folHlink>
+        <a:srgbClr val="800080"/>
+      </a:folHlink>
+    </a:clrScheme>
+    <a:fontScheme name="Office">
+      <a:majorFont>
+        <a:latin typeface="Calibri"/>
+        <a:ea typeface=""/>
+        <a:cs typeface=""/>
+        <a:font script="Jpan" typeface="ＭＳ Ｐゴシック"/>
+        <a:font script="Hang" typeface="맑은 고딕"/>
+        <a:font script="Hans" typeface="宋体"/>
+        <a:font script="Hant" typeface="新細明體"/>
+        <a:font script="Arab" typeface="Times New Roman"/>
+        <a:font script="Hebr" typeface="Times New Roman"/>
+        <a:font script="Thai" typeface="Angsana New"/>
+        <a:font script="Ethi" typeface="Nyala"/>
+        <a:font script="Beng" typeface="Vrinda"/>
+        <a:font script="Gujr" typeface="Shruti"/>
+        <a:font script="Khmr" typeface="MoolBoran"/>
+        <a:font script="Knda" typeface="Tunga"/>
+        <a:font script="Guru" typeface="Raavi"/>
+        <a:font script="Cans" typeface="Euphemia"/>
+        <a:font script="Cher" typeface="Plantagenet Cherokee"/>
+        <a:font script="Yiii" typeface="Microsoft Yi Baiti"/>
+        <a:font script="Tibt" typeface="Microsoft Himalaya"/>
+        <a:font script="Thaa" typeface="MV Boli"/>
+        <a:font script="Deva" typeface="Mangal"/>
+        <a:font script="Telu" typeface="Gautami"/>
+        <a:font script="Taml" typeface="Latha"/>
+        <a:font script="Syrc" typeface="Estrangelo Edessa"/>
+        <a:font script="Orya" typeface="Kalinga"/>
+        <a:font script="Mlym" typeface="Kartika"/>
+        <a:font script="Laoo" typeface="DokChampa"/>
+        <a:font script="Sinh" typeface="Iskoola Pota"/>
+        <a:font script="Mong" typeface="Mongolian Baiti"/>
+        <a:font script="Viet" typeface="Times New Roman"/>
+        <a:font script="Uigh" typeface="Microsoft Uighur"/>
+        <a:font script="Geor" typeface="Sylfaen"/>
+      </a:majorFont>
+      <a:minorFont>
+        <a:latin typeface="Calibri"/>
+        <a:ea typeface=""/>
+        <a:cs typeface=""/>
+        <a:font script="Jpan" typeface="ＭＳ Ｐゴシック"/>
+        <a:font script="Hang" typeface="맑은 고딕"/>
+        <a:font script="Hans" typeface="宋体"/>
+        <a:font script="Hant" typeface="新細明體"/>
+        <a:font script="Arab" typeface="Arial"/>
+        <a:font script="Hebr" typeface="Arial"/>
+        <a:font script="Thai" typeface="Cordia New"/>
+        <a:font script="Ethi" typeface="Nyala"/>
+        <a:font script="Beng" typeface="Vrinda"/>
+        <a:font script="Gujr" typeface="Shruti"/>
+        <a:font script="Khmr" typeface="DaunPenh"/>
+        <a:font script="Knda" typeface="Tunga"/>
+        <a:font script="Guru" typeface="Raavi"/>
+        <a:font script="Cans" typeface="Euphemia"/>
+        <a:font script="Cher" typeface="Plantagenet Cherokee"/>
+        <a:font script="Yiii" typeface="Microsoft Yi Baiti"/>
+        <a:font script="Tibt" typeface="Microsoft Himalaya"/>
+        <a:font script="Thaa" typeface="MV Boli"/>
+        <a:font script="Deva" typeface="Mangal"/>
+        <a:font script="Telu" typeface="Gautami"/>
+        <a:font script="Taml" typeface="Latha"/>
+        <a:font script="Syrc" typeface="Estrangelo Edessa"/>
+        <a:font script="Orya" typeface="Kalinga"/>
+        <a:font script="Mlym" typeface="Kartika"/>
+        <a:font script="Laoo" typeface="DokChampa"/>
+        <a:font script="Sinh" typeface="Iskoola Pota"/>
+        <a:font script="Mong" typeface="Mongolian Baiti"/>
+        <a:font script="Viet" typeface="Arial"/>
+        <a:font script="Uigh" typeface="Microsoft Uighur"/>
+        <a:font script="Geor" typeface="Sylfaen"/>
+      </a:minorFont>
+    </a:fontScheme>
+    <a:fmtScheme name="Office">
+      <a:fillStyleLst>
+        <a:solidFill>
+          <a:schemeClr val="phClr"/>
+        </a:solidFill>
+        <a:gradFill rotWithShape="1">
+          <a:gsLst>
+            <a:gs pos="0">
+              <a:schemeClr val="phClr">
+                <a:tint val="50000"/>
+                <a:satMod val="300000"/>
+              </a:schemeClr>
+            </a:gs>
+            <a:gs pos="35000">
+              <a:schemeClr val="phClr">
+                <a:tint val="37000"/>
+                <a:satMod val="300000"/>
+              </a:schemeClr>
+            </a:gs>
+            <a:gs pos="100000">
+              <a:schemeClr val="phClr">
+                <a:tint val="15000"/>
+                <a:satMod val="350000"/>
+              </a:schemeClr>
+            </a:gs>
+          </a:gsLst>
+          <a:lin ang="16200000" scaled="1"/>
+        </a:gradFill>
+        <a:gradFill rotWithShape="1">
+          <a:gsLst>
+            <a:gs pos="0">
+              <a:schemeClr val="phClr">
+                <a:tint val="100000"/>
+                <a:shade val="100000"/>
+                <a:satMod val="130000"/>
+              </a:schemeClr>
+            </a:gs>
+            <a:gs pos="100000">
+              <a:schemeClr val="phClr">
+                <a:tint val="50000"/>
+                <a:shade val="100000"/>
+                <a:satMod val="350000"/>
+              </a:schemeClr>
+            </a:gs>
+          </a:gsLst>
+          <a:lin ang="16200000" scaled="0"/>
+        </a:gradFill>
+      </a:fillStyleLst>
+      <a:lnStyleLst>
+        <a:ln w="9525" cap="flat" cmpd="sng" algn="ctr">
+          <a:solidFill>
+            <a:schemeClr val="phClr">
+              <a:shade val="95000"/>
+              <a:satMod val="105000"/>
+            </a:schemeClr>
+          </a:solidFill>
+          <a:prstDash val="solid"/>
+        </a:ln>
+        <a:ln w="25400" cap="flat" cmpd="sng" algn="ctr">
+          <a:solidFill>
+            <a:schemeClr val="phClr"/>
+          </a:solidFill>
+          <a:prstDash val="solid"/>
+        </a:ln>
+        <a:ln w="38100" cap="flat" cmpd="sng" algn="ctr">
+          <a:solidFill>
+            <a:schemeClr val="phClr"/>
+          </a:solidFill>
+          <a:prstDash val="solid"/>
+        </a:ln>
+      </a:lnStyleLst>
+      <a:effectStyleLst>
+        <a:effectStyle>
+          <a:effectLst>
+            <a:outerShdw blurRad="40000" dist="20000" dir="5400000" rotWithShape="0">
+              <a:srgbClr val="000000">
+                <a:alpha val="38000"/>
+              </a:srgbClr>
+            </a:outerShdw>
+          </a:effectLst>
+        </a:effectStyle>
+        <a:effectStyle>
+          <a:effectLst>
+            <a:outerShdw blurRad="40000" dist="23000" dir="5400000" rotWithShape="0">
+              <a:srgbClr val="000000">
+                <a:alpha val="35000"/>
+              </a:srgbClr>
+            </a:outerShdw>
+          </a:effectLst>
+        </a:effectStyle>
+        <a:effectStyle>
+          <a:effectLst>
+            <a:outerShdw blurRad="40000" dist="23000" dir="5400000" rotWithShape="0">
+              <a:srgbClr val="000000">
+                <a:alpha val="35000"/>
+              </a:srgbClr>
+            </a:outerShdw>
+          </a:effectLst>
+          <a:scene3d>
+            <a:camera prst="orthographicFront">
+              <a:rot lat="0" lon="0" rev="0"/>
+            </a:camera>
+            <a:lightRig rig="threePt" dir="t">
+              <a:rot lat="0" lon="0" rev="1200000"/>
+            </a:lightRig>
+          </a:scene3d>
+          <a:sp3d>
+            <a:bevelT w="63500" h="25400"/>
+          </a:sp3d>
+        </a:effectStyle>
+      </a:effectStyleLst>
+      <a:bgFillStyleLst>
+        <a:solidFill>
+          <a:schemeClr val="phClr"/>
+        </a:solidFill>
+        <a:gradFill rotWithShape="1">
+          <a:gsLst>
+            <a:gs pos="0">
+              <a:schemeClr val="phClr">
+                <a:tint val="40000"/>
+                <a:satMod val="350000"/>
+              </a:schemeClr>
+            </a:gs>
+            <a:gs pos="40000">
+              <a:schemeClr val="phClr">
+                <a:tint val="45000"/>
+                <a:shade val="99000"/>
+                <a:satMod val="350000"/>
+              </a:schemeClr>
+            </a:gs>
+            <a:gs pos="100000">
+              <a:schemeClr val="phClr">
+                <a:shade val="20000"/>
+                <a:satMod val="255000"/>
+              </a:schemeClr>
+            </a:gs>
+          </a:gsLst>
+          <a:path path="circle">
+            <a:fillToRect l="50000" t="-80000" r="50000" b="180000"/>
+          </a:path>
+        </a:gradFill>
+        <a:gradFill rotWithShape="1">
+          <a:gsLst>
+            <a:gs pos="0">
+              <a:schemeClr val="phClr">
+                <a:tint val="80000"/>
+                <a:satMod val="300000"/>
+              </a:schemeClr>
+            </a:gs>
+            <a:gs pos="100000">
+              <a:schemeClr val="phClr">
+                <a:shade val="30000"/>
+                <a:satMod val="200000"/>
+              </a:schemeClr>
+            </a:gs>
+          </a:gsLst>
+          <a:path path="circle">
+            <a:fillToRect l="50000" t="50000" r="50000" b="50000"/>
+          </a:path>
+        </a:gradFill>
+      </a:bgFillStyleLst>
+    </a:fmtScheme>
+  </a:themeElements>
+  <a:objectDefaults>
+    <a:spDef>
+      <a:spPr/>
+      <a:bodyPr/>
+      <a:lstStyle/>
+      <a:style>
+        <a:lnRef idx="1">
+          <a:schemeClr val="accent1"/>
+        </a:lnRef>
+        <a:fillRef idx="3">
+          <a:schemeClr val="accent1"/>
+        </a:fillRef>
+        <a:effectRef idx="2">
+          <a:schemeClr val="accent1"/>
+        </a:effectRef>
+        <a:fontRef idx="minor">
+          <a:schemeClr val="lt1"/>
+        </a:fontRef>
+      </a:style>
+    </a:spDef>
+    <a:lnDef>
+      <a:spPr/>
+      <a:bodyPr/>
+      <a:lstStyle/>
+      <a:style>
+        <a:lnRef idx="2">
+          <a:schemeClr val="accent1"/>
+        </a:lnRef>
+        <a:fillRef idx="0">
+          <a:schemeClr val="accent1"/>
+        </a:fillRef>
+        <a:effectRef idx="1">
+          <a:schemeClr val="accent1"/>
+        </a:effectRef>
+        <a:fontRef idx="minor">
+          <a:schemeClr val="tx1"/>
+        </a:fontRef>
+      </a:style>
+    </a:lnDef>
+  </a:objectDefaults>
+  <a:extraClrSchemeLst/>
+</a:theme>
 </file>